--- a/bao_Cao_MKD.pptx
+++ b/bao_Cao_MKD.pptx
@@ -2,14 +2,17 @@
 <file path=ppt/presentation.xml><?xml version="1.0" encoding="utf-8"?>
 <p:presentation xmlns:a="http://schemas.openxmlformats.org/drawingml/2006/main" xmlns:r="http://schemas.openxmlformats.org/officeDocument/2006/relationships" xmlns:p="http://schemas.openxmlformats.org/presentationml/2006/main" saveSubsetFonts="1">
   <p:sldMasterIdLst>
-    <p:sldMasterId id="2147483672" r:id="rId1"/>
+    <p:sldMasterId id="2147483760" r:id="rId1"/>
   </p:sldMasterIdLst>
   <p:sldIdLst>
     <p:sldId id="256" r:id="rId2"/>
-    <p:sldId id="259" r:id="rId3"/>
-    <p:sldId id="257" r:id="rId4"/>
-    <p:sldId id="258" r:id="rId5"/>
-    <p:sldId id="260" r:id="rId6"/>
+    <p:sldId id="261" r:id="rId3"/>
+    <p:sldId id="262" r:id="rId4"/>
+    <p:sldId id="263" r:id="rId5"/>
+    <p:sldId id="259" r:id="rId6"/>
+    <p:sldId id="257" r:id="rId7"/>
+    <p:sldId id="258" r:id="rId8"/>
+    <p:sldId id="260" r:id="rId9"/>
   </p:sldIdLst>
   <p:sldSz cx="12192000" cy="6858000"/>
   <p:notesSz cx="6858000" cy="9144000"/>
@@ -108,6 +111,11 @@
       </a:defRPr>
     </a:lvl9pPr>
   </p:defaultTextStyle>
+  <p:extLst>
+    <p:ext uri="{EFAFB233-063F-42B5-8137-9DF3F51BA10A}">
+      <p15:sldGuideLst xmlns:p15="http://schemas.microsoft.com/office/powerpoint/2012/main"/>
+    </p:ext>
+  </p:extLst>
 </p:presentation>
 </file>
 
@@ -140,17 +148,15 @@
         </p:nvSpPr>
         <p:spPr>
           <a:xfrm>
-            <a:off x="2589213" y="2514600"/>
-            <a:ext cx="8915399" cy="2262781"/>
+            <a:off x="1154955" y="1447800"/>
+            <a:ext cx="8825658" cy="3329581"/>
           </a:xfrm>
         </p:spPr>
         <p:txBody>
-          <a:bodyPr anchor="b">
-            <a:normAutofit/>
-          </a:bodyPr>
+          <a:bodyPr anchor="b"/>
           <a:lstStyle>
             <a:lvl1pPr>
-              <a:defRPr sz="5400"/>
+              <a:defRPr sz="7200"/>
             </a:lvl1pPr>
           </a:lstStyle>
           <a:p>
@@ -174,8 +180,8 @@
         </p:nvSpPr>
         <p:spPr>
           <a:xfrm>
-            <a:off x="2589213" y="4777379"/>
-            <a:ext cx="8915399" cy="1126283"/>
+            <a:off x="1154955" y="4777380"/>
+            <a:ext cx="8825658" cy="861420"/>
           </a:xfrm>
         </p:spPr>
         <p:txBody>
@@ -183,11 +189,11 @@
           <a:lstStyle>
             <a:lvl1pPr marL="0" indent="0" algn="l">
               <a:buNone/>
-              <a:defRPr>
+              <a:defRPr cap="all">
                 <a:solidFill>
-                  <a:schemeClr val="tx1">
-                    <a:lumMod val="65000"/>
-                    <a:lumOff val="35000"/>
+                  <a:schemeClr val="bg2">
+                    <a:lumMod val="40000"/>
+                    <a:lumOff val="60000"/>
                   </a:schemeClr>
                 </a:solidFill>
               </a:defRPr>
@@ -299,7 +305,7 @@
           <a:p>
             <a:fld id="{5C14DCE7-D199-4F9B-A217-DE89E664B56E}" type="datetimeFigureOut">
               <a:rPr lang="en-US" smtClean="0"/>
-              <a:t>12/19/2019</a:t>
+              <a:t>28/12/2019</a:t>
             </a:fld>
             <a:endParaRPr lang="en-US"/>
           </a:p>
@@ -326,88 +332,6 @@
       </p:sp>
       <p:sp>
         <p:nvSpPr>
-          <p:cNvPr id="7" name="Freeform 6"/>
-          <p:cNvSpPr/>
-          <p:nvPr/>
-        </p:nvSpPr>
-        <p:spPr bwMode="auto">
-          <a:xfrm>
-            <a:off x="0" y="4323810"/>
-            <a:ext cx="1744652" cy="778589"/>
-          </a:xfrm>
-          <a:custGeom>
-            <a:avLst/>
-            <a:gdLst/>
-            <a:ahLst/>
-            <a:cxnLst/>
-            <a:rect l="0" t="0" r="r" b="b"/>
-            <a:pathLst>
-              <a:path w="372" h="166">
-                <a:moveTo>
-                  <a:pt x="287" y="166"/>
-                </a:moveTo>
-                <a:cubicBezTo>
-                  <a:pt x="290" y="166"/>
-                  <a:pt x="292" y="165"/>
-                  <a:pt x="293" y="164"/>
-                </a:cubicBezTo>
-                <a:cubicBezTo>
-                  <a:pt x="293" y="163"/>
-                  <a:pt x="294" y="163"/>
-                  <a:pt x="294" y="163"/>
-                </a:cubicBezTo>
-                <a:cubicBezTo>
-                  <a:pt x="370" y="87"/>
-                  <a:pt x="370" y="87"/>
-                  <a:pt x="370" y="87"/>
-                </a:cubicBezTo>
-                <a:cubicBezTo>
-                  <a:pt x="372" y="85"/>
-                  <a:pt x="372" y="81"/>
-                  <a:pt x="370" y="78"/>
-                </a:cubicBezTo>
-                <a:cubicBezTo>
-                  <a:pt x="294" y="3"/>
-                  <a:pt x="294" y="3"/>
-                  <a:pt x="294" y="3"/>
-                </a:cubicBezTo>
-                <a:cubicBezTo>
-                  <a:pt x="294" y="2"/>
-                  <a:pt x="293" y="2"/>
-                  <a:pt x="293" y="2"/>
-                </a:cubicBezTo>
-                <a:cubicBezTo>
-                  <a:pt x="292" y="1"/>
-                  <a:pt x="290" y="0"/>
-                  <a:pt x="287" y="0"/>
-                </a:cubicBezTo>
-                <a:cubicBezTo>
-                  <a:pt x="0" y="0"/>
-                  <a:pt x="0" y="0"/>
-                  <a:pt x="0" y="0"/>
-                </a:cubicBezTo>
-                <a:cubicBezTo>
-                  <a:pt x="0" y="166"/>
-                  <a:pt x="0" y="166"/>
-                  <a:pt x="0" y="166"/>
-                </a:cubicBezTo>
-                <a:lnTo>
-                  <a:pt x="287" y="166"/>
-                </a:lnTo>
-                <a:close/>
-              </a:path>
-            </a:pathLst>
-          </a:custGeom>
-          <a:solidFill>
-            <a:schemeClr val="accent1"/>
-          </a:solidFill>
-          <a:ln>
-            <a:noFill/>
-          </a:ln>
-        </p:spPr>
-      </p:sp>
-      <p:sp>
-        <p:nvSpPr>
           <p:cNvPr id="6" name="Slide Number Placeholder 5"/>
           <p:cNvSpPr>
             <a:spLocks noGrp="1"/>
@@ -416,12 +340,7 @@
             <p:ph type="sldNum" sz="quarter" idx="12"/>
           </p:nvPr>
         </p:nvSpPr>
-        <p:spPr>
-          <a:xfrm>
-            <a:off x="531812" y="4529540"/>
-            <a:ext cx="779767" cy="365125"/>
-          </a:xfrm>
-        </p:spPr>
+        <p:spPr/>
         <p:txBody>
           <a:bodyPr/>
           <a:lstStyle/>
@@ -437,7 +356,7 @@
     </p:spTree>
     <p:extLst>
       <p:ext uri="{BB962C8B-B14F-4D97-AF65-F5344CB8AC3E}">
-        <p14:creationId xmlns:p14="http://schemas.microsoft.com/office/powerpoint/2010/main" val="4182252136"/>
+        <p14:creationId xmlns:p14="http://schemas.microsoft.com/office/powerpoint/2010/main" val="2366266871"/>
       </p:ext>
     </p:extLst>
   </p:cSld>
@@ -448,6 +367,281 @@
 </file>
 
 <file path=ppt/slideLayouts/slideLayout10.xml><?xml version="1.0" encoding="utf-8"?>
+<p:sldLayout xmlns:a="http://schemas.openxmlformats.org/drawingml/2006/main" xmlns:r="http://schemas.openxmlformats.org/officeDocument/2006/relationships" xmlns:p="http://schemas.openxmlformats.org/presentationml/2006/main" preserve="1">
+  <p:cSld name="Panoramic Picture with Caption">
+    <p:spTree>
+      <p:nvGrpSpPr>
+        <p:cNvPr id="1" name=""/>
+        <p:cNvGrpSpPr/>
+        <p:nvPr/>
+      </p:nvGrpSpPr>
+      <p:grpSpPr>
+        <a:xfrm>
+          <a:off x="0" y="0"/>
+          <a:ext cx="0" cy="0"/>
+          <a:chOff x="0" y="0"/>
+          <a:chExt cx="0" cy="0"/>
+        </a:xfrm>
+      </p:grpSpPr>
+      <p:sp>
+        <p:nvSpPr>
+          <p:cNvPr id="2" name="Title 1"/>
+          <p:cNvSpPr>
+            <a:spLocks noGrp="1"/>
+          </p:cNvSpPr>
+          <p:nvPr>
+            <p:ph type="title"/>
+          </p:nvPr>
+        </p:nvSpPr>
+        <p:spPr>
+          <a:xfrm>
+            <a:off x="1154956" y="4800587"/>
+            <a:ext cx="8825657" cy="566738"/>
+          </a:xfrm>
+        </p:spPr>
+        <p:txBody>
+          <a:bodyPr anchor="b">
+            <a:normAutofit/>
+          </a:bodyPr>
+          <a:lstStyle>
+            <a:lvl1pPr algn="l">
+              <a:defRPr sz="2400" b="0"/>
+            </a:lvl1pPr>
+          </a:lstStyle>
+          <a:p>
+            <a:r>
+              <a:rPr lang="en-US" smtClean="0"/>
+              <a:t>Click to edit Master title style</a:t>
+            </a:r>
+            <a:endParaRPr lang="en-US" dirty="0"/>
+          </a:p>
+        </p:txBody>
+      </p:sp>
+      <p:sp>
+        <p:nvSpPr>
+          <p:cNvPr id="3" name="Picture Placeholder 2"/>
+          <p:cNvSpPr>
+            <a:spLocks noGrp="1" noChangeAspect="1"/>
+          </p:cNvSpPr>
+          <p:nvPr>
+            <p:ph type="pic" idx="1"/>
+          </p:nvPr>
+        </p:nvSpPr>
+        <p:spPr>
+          <a:xfrm>
+            <a:off x="1154955" y="685800"/>
+            <a:ext cx="8825658" cy="3640666"/>
+          </a:xfrm>
+          <a:prstGeom prst="roundRect">
+            <a:avLst>
+              <a:gd name="adj" fmla="val 1858"/>
+            </a:avLst>
+          </a:prstGeom>
+          <a:effectLst>
+            <a:outerShdw blurRad="50800" dist="50800" dir="5400000" algn="tl" rotWithShape="0">
+              <a:srgbClr val="000000">
+                <a:alpha val="43000"/>
+              </a:srgbClr>
+            </a:outerShdw>
+          </a:effectLst>
+        </p:spPr>
+        <p:txBody>
+          <a:bodyPr anchor="t">
+            <a:normAutofit/>
+          </a:bodyPr>
+          <a:lstStyle>
+            <a:lvl1pPr marL="0" indent="0" algn="ctr">
+              <a:buNone/>
+              <a:defRPr sz="1600"/>
+            </a:lvl1pPr>
+            <a:lvl2pPr marL="457200" indent="0">
+              <a:buNone/>
+              <a:defRPr sz="1600"/>
+            </a:lvl2pPr>
+            <a:lvl3pPr marL="914400" indent="0">
+              <a:buNone/>
+              <a:defRPr sz="1600"/>
+            </a:lvl3pPr>
+            <a:lvl4pPr marL="1371600" indent="0">
+              <a:buNone/>
+              <a:defRPr sz="1600"/>
+            </a:lvl4pPr>
+            <a:lvl5pPr marL="1828800" indent="0">
+              <a:buNone/>
+              <a:defRPr sz="1600"/>
+            </a:lvl5pPr>
+            <a:lvl6pPr marL="2286000" indent="0">
+              <a:buNone/>
+              <a:defRPr sz="1600"/>
+            </a:lvl6pPr>
+            <a:lvl7pPr marL="2743200" indent="0">
+              <a:buNone/>
+              <a:defRPr sz="1600"/>
+            </a:lvl7pPr>
+            <a:lvl8pPr marL="3200400" indent="0">
+              <a:buNone/>
+              <a:defRPr sz="1600"/>
+            </a:lvl8pPr>
+            <a:lvl9pPr marL="3657600" indent="0">
+              <a:buNone/>
+              <a:defRPr sz="1600"/>
+            </a:lvl9pPr>
+          </a:lstStyle>
+          <a:p>
+            <a:r>
+              <a:rPr lang="en-US" smtClean="0"/>
+              <a:t>Click icon to add picture</a:t>
+            </a:r>
+            <a:endParaRPr lang="en-US" dirty="0"/>
+          </a:p>
+        </p:txBody>
+      </p:sp>
+      <p:sp>
+        <p:nvSpPr>
+          <p:cNvPr id="4" name="Text Placeholder 3"/>
+          <p:cNvSpPr>
+            <a:spLocks noGrp="1"/>
+          </p:cNvSpPr>
+          <p:nvPr>
+            <p:ph type="body" sz="half" idx="2"/>
+          </p:nvPr>
+        </p:nvSpPr>
+        <p:spPr>
+          <a:xfrm>
+            <a:off x="1154956" y="5367325"/>
+            <a:ext cx="8825656" cy="493712"/>
+          </a:xfrm>
+        </p:spPr>
+        <p:txBody>
+          <a:bodyPr>
+            <a:normAutofit/>
+          </a:bodyPr>
+          <a:lstStyle>
+            <a:lvl1pPr marL="0" indent="0">
+              <a:buNone/>
+              <a:defRPr sz="1200"/>
+            </a:lvl1pPr>
+            <a:lvl2pPr marL="457200" indent="0">
+              <a:buNone/>
+              <a:defRPr sz="1200"/>
+            </a:lvl2pPr>
+            <a:lvl3pPr marL="914400" indent="0">
+              <a:buNone/>
+              <a:defRPr sz="1000"/>
+            </a:lvl3pPr>
+            <a:lvl4pPr marL="1371600" indent="0">
+              <a:buNone/>
+              <a:defRPr sz="900"/>
+            </a:lvl4pPr>
+            <a:lvl5pPr marL="1828800" indent="0">
+              <a:buNone/>
+              <a:defRPr sz="900"/>
+            </a:lvl5pPr>
+            <a:lvl6pPr marL="2286000" indent="0">
+              <a:buNone/>
+              <a:defRPr sz="900"/>
+            </a:lvl6pPr>
+            <a:lvl7pPr marL="2743200" indent="0">
+              <a:buNone/>
+              <a:defRPr sz="900"/>
+            </a:lvl7pPr>
+            <a:lvl8pPr marL="3200400" indent="0">
+              <a:buNone/>
+              <a:defRPr sz="900"/>
+            </a:lvl8pPr>
+            <a:lvl9pPr marL="3657600" indent="0">
+              <a:buNone/>
+              <a:defRPr sz="900"/>
+            </a:lvl9pPr>
+          </a:lstStyle>
+          <a:p>
+            <a:pPr lvl="0"/>
+            <a:r>
+              <a:rPr lang="en-US" smtClean="0"/>
+              <a:t>Click to edit Master text styles</a:t>
+            </a:r>
+          </a:p>
+        </p:txBody>
+      </p:sp>
+      <p:sp>
+        <p:nvSpPr>
+          <p:cNvPr id="5" name="Date Placeholder 4"/>
+          <p:cNvSpPr>
+            <a:spLocks noGrp="1"/>
+          </p:cNvSpPr>
+          <p:nvPr>
+            <p:ph type="dt" sz="half" idx="10"/>
+          </p:nvPr>
+        </p:nvSpPr>
+        <p:spPr/>
+        <p:txBody>
+          <a:bodyPr/>
+          <a:lstStyle/>
+          <a:p>
+            <a:fld id="{5C14DCE7-D199-4F9B-A217-DE89E664B56E}" type="datetimeFigureOut">
+              <a:rPr lang="en-US" smtClean="0"/>
+              <a:t>28/12/2019</a:t>
+            </a:fld>
+            <a:endParaRPr lang="en-US"/>
+          </a:p>
+        </p:txBody>
+      </p:sp>
+      <p:sp>
+        <p:nvSpPr>
+          <p:cNvPr id="6" name="Footer Placeholder 5"/>
+          <p:cNvSpPr>
+            <a:spLocks noGrp="1"/>
+          </p:cNvSpPr>
+          <p:nvPr>
+            <p:ph type="ftr" sz="quarter" idx="11"/>
+          </p:nvPr>
+        </p:nvSpPr>
+        <p:spPr/>
+        <p:txBody>
+          <a:bodyPr/>
+          <a:lstStyle/>
+          <a:p>
+            <a:endParaRPr lang="en-US"/>
+          </a:p>
+        </p:txBody>
+      </p:sp>
+      <p:sp>
+        <p:nvSpPr>
+          <p:cNvPr id="7" name="Slide Number Placeholder 6"/>
+          <p:cNvSpPr>
+            <a:spLocks noGrp="1"/>
+          </p:cNvSpPr>
+          <p:nvPr>
+            <p:ph type="sldNum" sz="quarter" idx="12"/>
+          </p:nvPr>
+        </p:nvSpPr>
+        <p:spPr/>
+        <p:txBody>
+          <a:bodyPr/>
+          <a:lstStyle/>
+          <a:p>
+            <a:fld id="{1C1F0AF3-E601-4074-BAE5-701C376FEBAE}" type="slidenum">
+              <a:rPr lang="en-US" smtClean="0"/>
+              <a:t>‹#›</a:t>
+            </a:fld>
+            <a:endParaRPr lang="en-US"/>
+          </a:p>
+        </p:txBody>
+      </p:sp>
+    </p:spTree>
+    <p:extLst>
+      <p:ext uri="{BB962C8B-B14F-4D97-AF65-F5344CB8AC3E}">
+        <p14:creationId xmlns:p14="http://schemas.microsoft.com/office/powerpoint/2010/main" val="2060162781"/>
+      </p:ext>
+    </p:extLst>
+  </p:cSld>
+  <p:clrMapOvr>
+    <a:masterClrMapping/>
+  </p:clrMapOvr>
+</p:sldLayout>
+</file>
+
+<file path=ppt/slideLayouts/slideLayout11.xml><?xml version="1.0" encoding="utf-8"?>
 <p:sldLayout xmlns:a="http://schemas.openxmlformats.org/drawingml/2006/main" xmlns:r="http://schemas.openxmlformats.org/officeDocument/2006/relationships" xmlns:p="http://schemas.openxmlformats.org/presentationml/2006/main" preserve="1">
   <p:cSld name="Title and Caption">
     <p:spTree>
@@ -476,8 +670,40 @@
         </p:nvSpPr>
         <p:spPr>
           <a:xfrm>
-            <a:off x="2589212" y="609600"/>
-            <a:ext cx="8915399" cy="3117040"/>
+            <a:off x="1154954" y="1447800"/>
+            <a:ext cx="8825659" cy="1981200"/>
+          </a:xfrm>
+        </p:spPr>
+        <p:txBody>
+          <a:bodyPr/>
+          <a:lstStyle>
+            <a:lvl1pPr>
+              <a:defRPr sz="4800"/>
+            </a:lvl1pPr>
+          </a:lstStyle>
+          <a:p>
+            <a:r>
+              <a:rPr lang="en-US" smtClean="0"/>
+              <a:t>Click to edit Master title style</a:t>
+            </a:r>
+            <a:endParaRPr lang="en-US" dirty="0"/>
+          </a:p>
+        </p:txBody>
+      </p:sp>
+      <p:sp>
+        <p:nvSpPr>
+          <p:cNvPr id="8" name="Text Placeholder 3"/>
+          <p:cNvSpPr>
+            <a:spLocks noGrp="1"/>
+          </p:cNvSpPr>
+          <p:nvPr>
+            <p:ph type="body" sz="half" idx="2"/>
+          </p:nvPr>
+        </p:nvSpPr>
+        <p:spPr>
+          <a:xfrm>
+            <a:off x="1154954" y="3657600"/>
+            <a:ext cx="8825659" cy="2362200"/>
           </a:xfrm>
         </p:spPr>
         <p:txBody>
@@ -485,130 +711,41 @@
             <a:normAutofit/>
           </a:bodyPr>
           <a:lstStyle>
-            <a:lvl1pPr algn="l">
-              <a:defRPr sz="4800" b="0" cap="none"/>
-            </a:lvl1pPr>
-          </a:lstStyle>
-          <a:p>
-            <a:r>
-              <a:rPr lang="en-US" smtClean="0"/>
-              <a:t>Click to edit Master title style</a:t>
-            </a:r>
-            <a:endParaRPr lang="en-US" dirty="0"/>
-          </a:p>
-        </p:txBody>
-      </p:sp>
-      <p:sp>
-        <p:nvSpPr>
-          <p:cNvPr id="3" name="Text Placeholder 2"/>
-          <p:cNvSpPr>
-            <a:spLocks noGrp="1"/>
-          </p:cNvSpPr>
-          <p:nvPr>
-            <p:ph type="body" idx="1"/>
-          </p:nvPr>
-        </p:nvSpPr>
-        <p:spPr>
-          <a:xfrm>
-            <a:off x="2589212" y="4354046"/>
-            <a:ext cx="8915399" cy="1555864"/>
-          </a:xfrm>
-        </p:spPr>
-        <p:txBody>
-          <a:bodyPr anchor="ctr">
-            <a:normAutofit/>
-          </a:bodyPr>
-          <a:lstStyle>
-            <a:lvl1pPr marL="0" indent="0" algn="l">
-              <a:buNone/>
-              <a:defRPr sz="1800">
-                <a:solidFill>
-                  <a:schemeClr val="tx1">
-                    <a:lumMod val="65000"/>
-                    <a:lumOff val="35000"/>
-                  </a:schemeClr>
-                </a:solidFill>
-              </a:defRPr>
+            <a:lvl1pPr marL="0" indent="0">
+              <a:buNone/>
+              <a:defRPr sz="1800"/>
             </a:lvl1pPr>
             <a:lvl2pPr marL="457200" indent="0">
               <a:buNone/>
-              <a:defRPr sz="1800">
-                <a:solidFill>
-                  <a:schemeClr val="tx1">
-                    <a:tint val="75000"/>
-                  </a:schemeClr>
-                </a:solidFill>
-              </a:defRPr>
+              <a:defRPr sz="1200"/>
             </a:lvl2pPr>
             <a:lvl3pPr marL="914400" indent="0">
               <a:buNone/>
-              <a:defRPr sz="1600">
-                <a:solidFill>
-                  <a:schemeClr val="tx1">
-                    <a:tint val="75000"/>
-                  </a:schemeClr>
-                </a:solidFill>
-              </a:defRPr>
+              <a:defRPr sz="1000"/>
             </a:lvl3pPr>
             <a:lvl4pPr marL="1371600" indent="0">
               <a:buNone/>
-              <a:defRPr sz="1400">
-                <a:solidFill>
-                  <a:schemeClr val="tx1">
-                    <a:tint val="75000"/>
-                  </a:schemeClr>
-                </a:solidFill>
-              </a:defRPr>
+              <a:defRPr sz="900"/>
             </a:lvl4pPr>
             <a:lvl5pPr marL="1828800" indent="0">
               <a:buNone/>
-              <a:defRPr sz="1400">
-                <a:solidFill>
-                  <a:schemeClr val="tx1">
-                    <a:tint val="75000"/>
-                  </a:schemeClr>
-                </a:solidFill>
-              </a:defRPr>
+              <a:defRPr sz="900"/>
             </a:lvl5pPr>
             <a:lvl6pPr marL="2286000" indent="0">
               <a:buNone/>
-              <a:defRPr sz="1400">
-                <a:solidFill>
-                  <a:schemeClr val="tx1">
-                    <a:tint val="75000"/>
-                  </a:schemeClr>
-                </a:solidFill>
-              </a:defRPr>
+              <a:defRPr sz="900"/>
             </a:lvl6pPr>
             <a:lvl7pPr marL="2743200" indent="0">
               <a:buNone/>
-              <a:defRPr sz="1400">
-                <a:solidFill>
-                  <a:schemeClr val="tx1">
-                    <a:tint val="75000"/>
-                  </a:schemeClr>
-                </a:solidFill>
-              </a:defRPr>
+              <a:defRPr sz="900"/>
             </a:lvl7pPr>
             <a:lvl8pPr marL="3200400" indent="0">
               <a:buNone/>
-              <a:defRPr sz="1400">
-                <a:solidFill>
-                  <a:schemeClr val="tx1">
-                    <a:tint val="75000"/>
-                  </a:schemeClr>
-                </a:solidFill>
-              </a:defRPr>
+              <a:defRPr sz="900"/>
             </a:lvl8pPr>
             <a:lvl9pPr marL="3657600" indent="0">
               <a:buNone/>
-              <a:defRPr sz="1400">
-                <a:solidFill>
-                  <a:schemeClr val="tx1">
-                    <a:tint val="75000"/>
-                  </a:schemeClr>
-                </a:solidFill>
-              </a:defRPr>
+              <a:defRPr sz="900"/>
             </a:lvl9pPr>
           </a:lstStyle>
           <a:p>
@@ -637,7 +774,7 @@
           <a:p>
             <a:fld id="{5C14DCE7-D199-4F9B-A217-DE89E664B56E}" type="datetimeFigureOut">
               <a:rPr lang="en-US" smtClean="0"/>
-              <a:t>12/19/2019</a:t>
+              <a:t>28/12/2019</a:t>
             </a:fld>
             <a:endParaRPr lang="en-US"/>
           </a:p>
@@ -664,88 +801,6 @@
       </p:sp>
       <p:sp>
         <p:nvSpPr>
-          <p:cNvPr id="9" name="Freeform 11"/>
-          <p:cNvSpPr/>
-          <p:nvPr/>
-        </p:nvSpPr>
-        <p:spPr bwMode="auto">
-          <a:xfrm flipV="1">
-            <a:off x="-4189" y="3178175"/>
-            <a:ext cx="1588527" cy="507297"/>
-          </a:xfrm>
-          <a:custGeom>
-            <a:avLst/>
-            <a:gdLst/>
-            <a:ahLst/>
-            <a:cxnLst/>
-            <a:rect l="l" t="t" r="r" b="b"/>
-            <a:pathLst>
-              <a:path w="9248" h="10000">
-                <a:moveTo>
-                  <a:pt x="9248" y="4701"/>
-                </a:moveTo>
-                <a:lnTo>
-                  <a:pt x="7915" y="188"/>
-                </a:lnTo>
-                <a:cubicBezTo>
-                  <a:pt x="7906" y="156"/>
-                  <a:pt x="7895" y="126"/>
-                  <a:pt x="7886" y="94"/>
-                </a:cubicBezTo>
-                <a:cubicBezTo>
-                  <a:pt x="7859" y="0"/>
-                  <a:pt x="7831" y="0"/>
-                  <a:pt x="7803" y="0"/>
-                </a:cubicBezTo>
-                <a:lnTo>
-                  <a:pt x="7275" y="0"/>
-                </a:lnTo>
-                <a:lnTo>
-                  <a:pt x="0" y="70"/>
-                </a:lnTo>
-                <a:cubicBezTo>
-                  <a:pt x="8" y="3380"/>
-                  <a:pt x="17" y="6690"/>
-                  <a:pt x="25" y="10000"/>
-                </a:cubicBezTo>
-                <a:lnTo>
-                  <a:pt x="7275" y="9966"/>
-                </a:lnTo>
-                <a:lnTo>
-                  <a:pt x="7803" y="9966"/>
-                </a:lnTo>
-                <a:cubicBezTo>
-                  <a:pt x="7831" y="9966"/>
-                  <a:pt x="7859" y="9872"/>
-                  <a:pt x="7886" y="9872"/>
-                </a:cubicBezTo>
-                <a:cubicBezTo>
-                  <a:pt x="7886" y="9778"/>
-                  <a:pt x="7915" y="9778"/>
-                  <a:pt x="7915" y="9778"/>
-                </a:cubicBezTo>
-                <a:lnTo>
-                  <a:pt x="9248" y="5265"/>
-                </a:lnTo>
-                <a:cubicBezTo>
-                  <a:pt x="9303" y="5077"/>
-                  <a:pt x="9303" y="4889"/>
-                  <a:pt x="9248" y="4701"/>
-                </a:cubicBezTo>
-                <a:close/>
-              </a:path>
-            </a:pathLst>
-          </a:custGeom>
-          <a:solidFill>
-            <a:schemeClr val="accent1"/>
-          </a:solidFill>
-          <a:ln>
-            <a:noFill/>
-          </a:ln>
-        </p:spPr>
-      </p:sp>
-      <p:sp>
-        <p:nvSpPr>
           <p:cNvPr id="6" name="Slide Number Placeholder 5"/>
           <p:cNvSpPr>
             <a:spLocks noGrp="1"/>
@@ -754,12 +809,7 @@
             <p:ph type="sldNum" sz="quarter" idx="12"/>
           </p:nvPr>
         </p:nvSpPr>
-        <p:spPr>
-          <a:xfrm>
-            <a:off x="531812" y="3244139"/>
-            <a:ext cx="779767" cy="365125"/>
-          </a:xfrm>
-        </p:spPr>
+        <p:spPr/>
         <p:txBody>
           <a:bodyPr/>
           <a:lstStyle/>
@@ -775,7 +825,7 @@
     </p:spTree>
     <p:extLst>
       <p:ext uri="{BB962C8B-B14F-4D97-AF65-F5344CB8AC3E}">
-        <p14:creationId xmlns:p14="http://schemas.microsoft.com/office/powerpoint/2010/main" val="385353639"/>
+        <p14:creationId xmlns:p14="http://schemas.microsoft.com/office/powerpoint/2010/main" val="2329763224"/>
       </p:ext>
     </p:extLst>
   </p:cSld>
@@ -785,7 +835,7 @@
 </p:sldLayout>
 </file>
 
-<file path=ppt/slideLayouts/slideLayout11.xml><?xml version="1.0" encoding="utf-8"?>
+<file path=ppt/slideLayouts/slideLayout12.xml><?xml version="1.0" encoding="utf-8"?>
 <p:sldLayout xmlns:a="http://schemas.openxmlformats.org/drawingml/2006/main" xmlns:r="http://schemas.openxmlformats.org/officeDocument/2006/relationships" xmlns:p="http://schemas.openxmlformats.org/presentationml/2006/main" preserve="1">
   <p:cSld name="Quote with Caption">
     <p:spTree>
@@ -814,8 +864,119 @@
         </p:nvSpPr>
         <p:spPr>
           <a:xfrm>
-            <a:off x="2849949" y="609600"/>
-            <a:ext cx="8393926" cy="2895600"/>
+            <a:off x="1574801" y="1447800"/>
+            <a:ext cx="7999315" cy="2323374"/>
+          </a:xfrm>
+        </p:spPr>
+        <p:txBody>
+          <a:bodyPr/>
+          <a:lstStyle>
+            <a:lvl1pPr>
+              <a:defRPr sz="4800"/>
+            </a:lvl1pPr>
+          </a:lstStyle>
+          <a:p>
+            <a:r>
+              <a:rPr lang="en-US" smtClean="0"/>
+              <a:t>Click to edit Master title style</a:t>
+            </a:r>
+            <a:endParaRPr lang="en-US" dirty="0"/>
+          </a:p>
+        </p:txBody>
+      </p:sp>
+      <p:sp>
+        <p:nvSpPr>
+          <p:cNvPr id="11" name="Text Placeholder 3"/>
+          <p:cNvSpPr>
+            <a:spLocks noGrp="1"/>
+          </p:cNvSpPr>
+          <p:nvPr>
+            <p:ph type="body" sz="half" idx="14"/>
+          </p:nvPr>
+        </p:nvSpPr>
+        <p:spPr>
+          <a:xfrm>
+            <a:off x="1930400" y="3771174"/>
+            <a:ext cx="7279649" cy="342174"/>
+          </a:xfrm>
+        </p:spPr>
+        <p:txBody>
+          <a:bodyPr vert="horz" lIns="91440" tIns="45720" rIns="91440" bIns="45720" rtlCol="0" anchor="t">
+            <a:normAutofit/>
+          </a:bodyPr>
+          <a:lstStyle>
+            <a:lvl1pPr marL="0" indent="0">
+              <a:buNone/>
+              <a:defRPr lang="en-US" sz="1400" b="0" i="0" kern="1200" cap="small" dirty="0">
+                <a:solidFill>
+                  <a:schemeClr val="bg2">
+                    <a:lumMod val="40000"/>
+                    <a:lumOff val="60000"/>
+                  </a:schemeClr>
+                </a:solidFill>
+                <a:latin typeface="+mj-lt"/>
+                <a:ea typeface="+mj-ea"/>
+                <a:cs typeface="+mj-cs"/>
+              </a:defRPr>
+            </a:lvl1pPr>
+            <a:lvl2pPr marL="457200" indent="0">
+              <a:buNone/>
+              <a:defRPr sz="1200"/>
+            </a:lvl2pPr>
+            <a:lvl3pPr marL="914400" indent="0">
+              <a:buNone/>
+              <a:defRPr sz="1000"/>
+            </a:lvl3pPr>
+            <a:lvl4pPr marL="1371600" indent="0">
+              <a:buNone/>
+              <a:defRPr sz="900"/>
+            </a:lvl4pPr>
+            <a:lvl5pPr marL="1828800" indent="0">
+              <a:buNone/>
+              <a:defRPr sz="900"/>
+            </a:lvl5pPr>
+            <a:lvl6pPr marL="2286000" indent="0">
+              <a:buNone/>
+              <a:defRPr sz="900"/>
+            </a:lvl6pPr>
+            <a:lvl7pPr marL="2743200" indent="0">
+              <a:buNone/>
+              <a:defRPr sz="900"/>
+            </a:lvl7pPr>
+            <a:lvl8pPr marL="3200400" indent="0">
+              <a:buNone/>
+              <a:defRPr sz="900"/>
+            </a:lvl8pPr>
+            <a:lvl9pPr marL="3657600" indent="0">
+              <a:buNone/>
+              <a:defRPr sz="900"/>
+            </a:lvl9pPr>
+          </a:lstStyle>
+          <a:p>
+            <a:pPr marL="0" lvl="0" indent="0">
+              <a:buNone/>
+            </a:pPr>
+            <a:r>
+              <a:rPr lang="en-US" smtClean="0"/>
+              <a:t>Click to edit Master text styles</a:t>
+            </a:r>
+          </a:p>
+        </p:txBody>
+      </p:sp>
+      <p:sp>
+        <p:nvSpPr>
+          <p:cNvPr id="10" name="Text Placeholder 3"/>
+          <p:cNvSpPr>
+            <a:spLocks noGrp="1"/>
+          </p:cNvSpPr>
+          <p:nvPr>
+            <p:ph type="body" sz="half" idx="2"/>
+          </p:nvPr>
+        </p:nvSpPr>
+        <p:spPr>
+          <a:xfrm>
+            <a:off x="1154954" y="4350657"/>
+            <a:ext cx="8825659" cy="1676400"/>
           </a:xfrm>
         </p:spPr>
         <p:txBody>
@@ -823,193 +984,41 @@
             <a:normAutofit/>
           </a:bodyPr>
           <a:lstStyle>
-            <a:lvl1pPr algn="l">
-              <a:defRPr sz="4800" b="0" cap="none"/>
-            </a:lvl1pPr>
-          </a:lstStyle>
-          <a:p>
-            <a:r>
-              <a:rPr lang="en-US" smtClean="0"/>
-              <a:t>Click to edit Master title style</a:t>
-            </a:r>
-            <a:endParaRPr lang="en-US" dirty="0"/>
-          </a:p>
-        </p:txBody>
-      </p:sp>
-      <p:sp>
-        <p:nvSpPr>
-          <p:cNvPr id="13" name="Text Placeholder 9"/>
-          <p:cNvSpPr>
-            <a:spLocks noGrp="1"/>
-          </p:cNvSpPr>
-          <p:nvPr>
-            <p:ph type="body" sz="quarter" idx="13"/>
-          </p:nvPr>
-        </p:nvSpPr>
-        <p:spPr>
-          <a:xfrm>
-            <a:off x="3275012" y="3505200"/>
-            <a:ext cx="7536554" cy="381000"/>
-          </a:xfrm>
-        </p:spPr>
-        <p:txBody>
-          <a:bodyPr anchor="ctr">
-            <a:noAutofit/>
-          </a:bodyPr>
-          <a:lstStyle>
             <a:lvl1pPr marL="0" indent="0">
-              <a:buFontTx/>
-              <a:buNone/>
-              <a:defRPr sz="1600">
-                <a:solidFill>
-                  <a:schemeClr val="tx1">
-                    <a:lumMod val="50000"/>
-                    <a:lumOff val="50000"/>
-                  </a:schemeClr>
-                </a:solidFill>
-              </a:defRPr>
+              <a:buNone/>
+              <a:defRPr sz="1800"/>
             </a:lvl1pPr>
             <a:lvl2pPr marL="457200" indent="0">
-              <a:buFontTx/>
-              <a:buNone/>
-              <a:defRPr/>
+              <a:buNone/>
+              <a:defRPr sz="1200"/>
             </a:lvl2pPr>
             <a:lvl3pPr marL="914400" indent="0">
-              <a:buFontTx/>
-              <a:buNone/>
-              <a:defRPr/>
+              <a:buNone/>
+              <a:defRPr sz="1000"/>
             </a:lvl3pPr>
             <a:lvl4pPr marL="1371600" indent="0">
-              <a:buFontTx/>
-              <a:buNone/>
-              <a:defRPr/>
+              <a:buNone/>
+              <a:defRPr sz="900"/>
             </a:lvl4pPr>
             <a:lvl5pPr marL="1828800" indent="0">
-              <a:buFontTx/>
-              <a:buNone/>
-              <a:defRPr/>
-            </a:lvl5pPr>
-          </a:lstStyle>
-          <a:p>
-            <a:pPr lvl="0"/>
-            <a:r>
-              <a:rPr lang="en-US" smtClean="0"/>
-              <a:t>Click to edit Master text styles</a:t>
-            </a:r>
-          </a:p>
-        </p:txBody>
-      </p:sp>
-      <p:sp>
-        <p:nvSpPr>
-          <p:cNvPr id="3" name="Text Placeholder 2"/>
-          <p:cNvSpPr>
-            <a:spLocks noGrp="1"/>
-          </p:cNvSpPr>
-          <p:nvPr>
-            <p:ph type="body" idx="1"/>
-          </p:nvPr>
-        </p:nvSpPr>
-        <p:spPr>
-          <a:xfrm>
-            <a:off x="2589212" y="4354046"/>
-            <a:ext cx="8915399" cy="1555864"/>
-          </a:xfrm>
-        </p:spPr>
-        <p:txBody>
-          <a:bodyPr anchor="ctr">
-            <a:normAutofit/>
-          </a:bodyPr>
-          <a:lstStyle>
-            <a:lvl1pPr marL="0" indent="0" algn="l">
-              <a:buNone/>
-              <a:defRPr sz="1800">
-                <a:solidFill>
-                  <a:schemeClr val="tx1">
-                    <a:lumMod val="65000"/>
-                    <a:lumOff val="35000"/>
-                  </a:schemeClr>
-                </a:solidFill>
-              </a:defRPr>
-            </a:lvl1pPr>
-            <a:lvl2pPr marL="457200" indent="0">
-              <a:buNone/>
-              <a:defRPr sz="1800">
-                <a:solidFill>
-                  <a:schemeClr val="tx1">
-                    <a:tint val="75000"/>
-                  </a:schemeClr>
-                </a:solidFill>
-              </a:defRPr>
-            </a:lvl2pPr>
-            <a:lvl3pPr marL="914400" indent="0">
-              <a:buNone/>
-              <a:defRPr sz="1600">
-                <a:solidFill>
-                  <a:schemeClr val="tx1">
-                    <a:tint val="75000"/>
-                  </a:schemeClr>
-                </a:solidFill>
-              </a:defRPr>
-            </a:lvl3pPr>
-            <a:lvl4pPr marL="1371600" indent="0">
-              <a:buNone/>
-              <a:defRPr sz="1400">
-                <a:solidFill>
-                  <a:schemeClr val="tx1">
-                    <a:tint val="75000"/>
-                  </a:schemeClr>
-                </a:solidFill>
-              </a:defRPr>
-            </a:lvl4pPr>
-            <a:lvl5pPr marL="1828800" indent="0">
-              <a:buNone/>
-              <a:defRPr sz="1400">
-                <a:solidFill>
-                  <a:schemeClr val="tx1">
-                    <a:tint val="75000"/>
-                  </a:schemeClr>
-                </a:solidFill>
-              </a:defRPr>
+              <a:buNone/>
+              <a:defRPr sz="900"/>
             </a:lvl5pPr>
             <a:lvl6pPr marL="2286000" indent="0">
               <a:buNone/>
-              <a:defRPr sz="1400">
-                <a:solidFill>
-                  <a:schemeClr val="tx1">
-                    <a:tint val="75000"/>
-                  </a:schemeClr>
-                </a:solidFill>
-              </a:defRPr>
+              <a:defRPr sz="900"/>
             </a:lvl6pPr>
             <a:lvl7pPr marL="2743200" indent="0">
               <a:buNone/>
-              <a:defRPr sz="1400">
-                <a:solidFill>
-                  <a:schemeClr val="tx1">
-                    <a:tint val="75000"/>
-                  </a:schemeClr>
-                </a:solidFill>
-              </a:defRPr>
+              <a:defRPr sz="900"/>
             </a:lvl7pPr>
             <a:lvl8pPr marL="3200400" indent="0">
               <a:buNone/>
-              <a:defRPr sz="1400">
-                <a:solidFill>
-                  <a:schemeClr val="tx1">
-                    <a:tint val="75000"/>
-                  </a:schemeClr>
-                </a:solidFill>
-              </a:defRPr>
+              <a:defRPr sz="900"/>
             </a:lvl8pPr>
             <a:lvl9pPr marL="3657600" indent="0">
               <a:buNone/>
-              <a:defRPr sz="1400">
-                <a:solidFill>
-                  <a:schemeClr val="tx1">
-                    <a:tint val="75000"/>
-                  </a:schemeClr>
-                </a:solidFill>
-              </a:defRPr>
+              <a:defRPr sz="900"/>
             </a:lvl9pPr>
           </a:lstStyle>
           <a:p>
@@ -1038,7 +1047,7 @@
           <a:p>
             <a:fld id="{5C14DCE7-D199-4F9B-A217-DE89E664B56E}" type="datetimeFigureOut">
               <a:rPr lang="en-US" smtClean="0"/>
-              <a:t>12/19/2019</a:t>
+              <a:t>28/12/2019</a:t>
             </a:fld>
             <a:endParaRPr lang="en-US"/>
           </a:p>
@@ -1065,88 +1074,6 @@
       </p:sp>
       <p:sp>
         <p:nvSpPr>
-          <p:cNvPr id="11" name="Freeform 11"/>
-          <p:cNvSpPr/>
-          <p:nvPr/>
-        </p:nvSpPr>
-        <p:spPr bwMode="auto">
-          <a:xfrm flipV="1">
-            <a:off x="-4189" y="3178175"/>
-            <a:ext cx="1588527" cy="507297"/>
-          </a:xfrm>
-          <a:custGeom>
-            <a:avLst/>
-            <a:gdLst/>
-            <a:ahLst/>
-            <a:cxnLst/>
-            <a:rect l="l" t="t" r="r" b="b"/>
-            <a:pathLst>
-              <a:path w="9248" h="10000">
-                <a:moveTo>
-                  <a:pt x="9248" y="4701"/>
-                </a:moveTo>
-                <a:lnTo>
-                  <a:pt x="7915" y="188"/>
-                </a:lnTo>
-                <a:cubicBezTo>
-                  <a:pt x="7906" y="156"/>
-                  <a:pt x="7895" y="126"/>
-                  <a:pt x="7886" y="94"/>
-                </a:cubicBezTo>
-                <a:cubicBezTo>
-                  <a:pt x="7859" y="0"/>
-                  <a:pt x="7831" y="0"/>
-                  <a:pt x="7803" y="0"/>
-                </a:cubicBezTo>
-                <a:lnTo>
-                  <a:pt x="7275" y="0"/>
-                </a:lnTo>
-                <a:lnTo>
-                  <a:pt x="0" y="70"/>
-                </a:lnTo>
-                <a:cubicBezTo>
-                  <a:pt x="8" y="3380"/>
-                  <a:pt x="17" y="6690"/>
-                  <a:pt x="25" y="10000"/>
-                </a:cubicBezTo>
-                <a:lnTo>
-                  <a:pt x="7275" y="9966"/>
-                </a:lnTo>
-                <a:lnTo>
-                  <a:pt x="7803" y="9966"/>
-                </a:lnTo>
-                <a:cubicBezTo>
-                  <a:pt x="7831" y="9966"/>
-                  <a:pt x="7859" y="9872"/>
-                  <a:pt x="7886" y="9872"/>
-                </a:cubicBezTo>
-                <a:cubicBezTo>
-                  <a:pt x="7886" y="9778"/>
-                  <a:pt x="7915" y="9778"/>
-                  <a:pt x="7915" y="9778"/>
-                </a:cubicBezTo>
-                <a:lnTo>
-                  <a:pt x="9248" y="5265"/>
-                </a:lnTo>
-                <a:cubicBezTo>
-                  <a:pt x="9303" y="5077"/>
-                  <a:pt x="9303" y="4889"/>
-                  <a:pt x="9248" y="4701"/>
-                </a:cubicBezTo>
-                <a:close/>
-              </a:path>
-            </a:pathLst>
-          </a:custGeom>
-          <a:solidFill>
-            <a:schemeClr val="accent1"/>
-          </a:solidFill>
-          <a:ln>
-            <a:noFill/>
-          </a:ln>
-        </p:spPr>
-      </p:sp>
-      <p:sp>
-        <p:nvSpPr>
           <p:cNvPr id="6" name="Slide Number Placeholder 5"/>
           <p:cNvSpPr>
             <a:spLocks noGrp="1"/>
@@ -1155,12 +1082,7 @@
             <p:ph type="sldNum" sz="quarter" idx="12"/>
           </p:nvPr>
         </p:nvSpPr>
-        <p:spPr>
-          <a:xfrm>
-            <a:off x="531812" y="3244139"/>
-            <a:ext cx="779767" cy="365125"/>
-          </a:xfrm>
-        </p:spPr>
+        <p:spPr/>
         <p:txBody>
           <a:bodyPr/>
           <a:lstStyle/>
@@ -1175,37 +1097,46 @@
       </p:sp>
       <p:sp>
         <p:nvSpPr>
-          <p:cNvPr id="14" name="TextBox 13"/>
+          <p:cNvPr id="12" name="TextBox 11"/>
           <p:cNvSpPr txBox="1"/>
           <p:nvPr/>
         </p:nvSpPr>
         <p:spPr>
           <a:xfrm>
-            <a:off x="2467652" y="648005"/>
-            <a:ext cx="609600" cy="584776"/>
+            <a:off x="898295" y="971253"/>
+            <a:ext cx="801912" cy="1969770"/>
           </a:xfrm>
           <a:prstGeom prst="rect">
             <a:avLst/>
           </a:prstGeom>
+          <a:noFill/>
         </p:spPr>
         <p:txBody>
-          <a:bodyPr vert="horz" lIns="91440" tIns="45720" rIns="91440" bIns="45720" rtlCol="0" anchor="ctr">
-            <a:noAutofit/>
+          <a:bodyPr wrap="square" rtlCol="0">
+            <a:spAutoFit/>
           </a:bodyPr>
-          <a:lstStyle/>
+          <a:lstStyle>
+            <a:defPPr>
+              <a:defRPr lang="en-US"/>
+            </a:defPPr>
+            <a:lvl1pPr algn="r">
+              <a:defRPr sz="12200" b="0" i="0">
+                <a:solidFill>
+                  <a:schemeClr val="bg2">
+                    <a:lumMod val="40000"/>
+                    <a:lumOff val="60000"/>
+                  </a:schemeClr>
+                </a:solidFill>
+                <a:latin typeface="Arial"/>
+                <a:ea typeface="+mj-ea"/>
+                <a:cs typeface="+mj-cs"/>
+              </a:defRPr>
+            </a:lvl1pPr>
+          </a:lstStyle>
           <a:p>
             <a:pPr lvl="0"/>
             <a:r>
-              <a:rPr lang="en-US" sz="8000" baseline="0" dirty="0">
-                <a:ln w="3175" cmpd="sng">
-                  <a:noFill/>
-                </a:ln>
-                <a:solidFill>
-                  <a:schemeClr val="accent1"/>
-                </a:solidFill>
-                <a:effectLst/>
-                <a:latin typeface="Arial"/>
-              </a:rPr>
+              <a:rPr lang="en-US" dirty="0"/>
               <a:t>“</a:t>
             </a:r>
           </a:p>
@@ -1219,31 +1150,40 @@
         </p:nvSpPr>
         <p:spPr>
           <a:xfrm>
-            <a:off x="11114852" y="2905306"/>
-            <a:ext cx="609600" cy="584776"/>
+            <a:off x="9330490" y="2613787"/>
+            <a:ext cx="801912" cy="1969770"/>
           </a:xfrm>
           <a:prstGeom prst="rect">
             <a:avLst/>
           </a:prstGeom>
+          <a:noFill/>
         </p:spPr>
         <p:txBody>
-          <a:bodyPr vert="horz" lIns="91440" tIns="45720" rIns="91440" bIns="45720" rtlCol="0" anchor="ctr">
-            <a:noAutofit/>
+          <a:bodyPr wrap="square" rtlCol="0">
+            <a:spAutoFit/>
           </a:bodyPr>
-          <a:lstStyle/>
+          <a:lstStyle>
+            <a:defPPr>
+              <a:defRPr lang="en-US"/>
+            </a:defPPr>
+            <a:lvl1pPr algn="r">
+              <a:defRPr sz="12200" b="0" i="0">
+                <a:solidFill>
+                  <a:schemeClr val="bg2">
+                    <a:lumMod val="40000"/>
+                    <a:lumOff val="60000"/>
+                  </a:schemeClr>
+                </a:solidFill>
+                <a:latin typeface="Arial"/>
+                <a:ea typeface="+mj-ea"/>
+                <a:cs typeface="+mj-cs"/>
+              </a:defRPr>
+            </a:lvl1pPr>
+          </a:lstStyle>
           <a:p>
             <a:pPr lvl="0"/>
             <a:r>
-              <a:rPr lang="en-US" sz="8000" baseline="0" dirty="0">
-                <a:ln w="3175" cmpd="sng">
-                  <a:noFill/>
-                </a:ln>
-                <a:solidFill>
-                  <a:schemeClr val="accent1"/>
-                </a:solidFill>
-                <a:effectLst/>
-                <a:latin typeface="Arial"/>
-              </a:rPr>
+              <a:rPr lang="en-US" dirty="0"/>
               <a:t>”</a:t>
             </a:r>
           </a:p>
@@ -1252,7 +1192,7 @@
     </p:spTree>
     <p:extLst>
       <p:ext uri="{BB962C8B-B14F-4D97-AF65-F5344CB8AC3E}">
-        <p14:creationId xmlns:p14="http://schemas.microsoft.com/office/powerpoint/2010/main" val="3100663476"/>
+        <p14:creationId xmlns:p14="http://schemas.microsoft.com/office/powerpoint/2010/main" val="2280014499"/>
       </p:ext>
     </p:extLst>
   </p:cSld>
@@ -1262,7 +1202,7 @@
 </p:sldLayout>
 </file>
 
-<file path=ppt/slideLayouts/slideLayout12.xml><?xml version="1.0" encoding="utf-8"?>
+<file path=ppt/slideLayouts/slideLayout13.xml><?xml version="1.0" encoding="utf-8"?>
 <p:sldLayout xmlns:a="http://schemas.openxmlformats.org/drawingml/2006/main" xmlns:r="http://schemas.openxmlformats.org/officeDocument/2006/relationships" xmlns:p="http://schemas.openxmlformats.org/presentationml/2006/main" preserve="1">
   <p:cSld name="Name Card">
     <p:spTree>
@@ -1291,17 +1231,15 @@
         </p:nvSpPr>
         <p:spPr>
           <a:xfrm>
-            <a:off x="2589213" y="2438400"/>
-            <a:ext cx="8915400" cy="2724845"/>
+            <a:off x="1154954" y="3124201"/>
+            <a:ext cx="8825660" cy="1653180"/>
           </a:xfrm>
         </p:spPr>
         <p:txBody>
-          <a:bodyPr anchor="b">
-            <a:normAutofit/>
-          </a:bodyPr>
+          <a:bodyPr anchor="b"/>
           <a:lstStyle>
             <a:lvl1pPr algn="l">
-              <a:defRPr sz="4800" b="0"/>
+              <a:defRPr sz="4000" b="0" cap="none"/>
             </a:lvl1pPr>
           </a:lstStyle>
           <a:p>
@@ -1315,41 +1253,117 @@
       </p:sp>
       <p:sp>
         <p:nvSpPr>
-          <p:cNvPr id="4" name="Text Placeholder 3"/>
-          <p:cNvSpPr>
-            <a:spLocks noGrp="1"/>
-          </p:cNvSpPr>
-          <p:nvPr>
-            <p:ph type="body" sz="half" idx="2"/>
+          <p:cNvPr id="3" name="Text Placeholder 2"/>
+          <p:cNvSpPr>
+            <a:spLocks noGrp="1"/>
+          </p:cNvSpPr>
+          <p:nvPr>
+            <p:ph type="body" idx="1"/>
           </p:nvPr>
         </p:nvSpPr>
         <p:spPr>
           <a:xfrm>
-            <a:off x="2589213" y="5181600"/>
-            <a:ext cx="8915400" cy="729622"/>
+            <a:off x="1154954" y="4777381"/>
+            <a:ext cx="8825659" cy="860400"/>
           </a:xfrm>
         </p:spPr>
         <p:txBody>
-          <a:bodyPr vert="horz" lIns="91440" tIns="45720" rIns="91440" bIns="45720" rtlCol="0" anchor="t">
-            <a:normAutofit/>
-          </a:bodyPr>
+          <a:bodyPr anchor="t"/>
           <a:lstStyle>
-            <a:lvl1pPr>
-              <a:buNone/>
-              <a:defRPr lang="en-US">
+            <a:lvl1pPr marL="0" indent="0" algn="l">
+              <a:buNone/>
+              <a:defRPr sz="2000" cap="none">
                 <a:solidFill>
-                  <a:schemeClr val="tx1">
-                    <a:lumMod val="65000"/>
-                    <a:lumOff val="35000"/>
+                  <a:schemeClr val="bg2">
+                    <a:lumMod val="40000"/>
+                    <a:lumOff val="60000"/>
                   </a:schemeClr>
                 </a:solidFill>
               </a:defRPr>
             </a:lvl1pPr>
+            <a:lvl2pPr marL="457200" indent="0">
+              <a:buNone/>
+              <a:defRPr sz="1800">
+                <a:solidFill>
+                  <a:schemeClr val="tx1">
+                    <a:tint val="75000"/>
+                  </a:schemeClr>
+                </a:solidFill>
+              </a:defRPr>
+            </a:lvl2pPr>
+            <a:lvl3pPr marL="914400" indent="0">
+              <a:buNone/>
+              <a:defRPr sz="1600">
+                <a:solidFill>
+                  <a:schemeClr val="tx1">
+                    <a:tint val="75000"/>
+                  </a:schemeClr>
+                </a:solidFill>
+              </a:defRPr>
+            </a:lvl3pPr>
+            <a:lvl4pPr marL="1371600" indent="0">
+              <a:buNone/>
+              <a:defRPr sz="1400">
+                <a:solidFill>
+                  <a:schemeClr val="tx1">
+                    <a:tint val="75000"/>
+                  </a:schemeClr>
+                </a:solidFill>
+              </a:defRPr>
+            </a:lvl4pPr>
+            <a:lvl5pPr marL="1828800" indent="0">
+              <a:buNone/>
+              <a:defRPr sz="1400">
+                <a:solidFill>
+                  <a:schemeClr val="tx1">
+                    <a:tint val="75000"/>
+                  </a:schemeClr>
+                </a:solidFill>
+              </a:defRPr>
+            </a:lvl5pPr>
+            <a:lvl6pPr marL="2286000" indent="0">
+              <a:buNone/>
+              <a:defRPr sz="1400">
+                <a:solidFill>
+                  <a:schemeClr val="tx1">
+                    <a:tint val="75000"/>
+                  </a:schemeClr>
+                </a:solidFill>
+              </a:defRPr>
+            </a:lvl6pPr>
+            <a:lvl7pPr marL="2743200" indent="0">
+              <a:buNone/>
+              <a:defRPr sz="1400">
+                <a:solidFill>
+                  <a:schemeClr val="tx1">
+                    <a:tint val="75000"/>
+                  </a:schemeClr>
+                </a:solidFill>
+              </a:defRPr>
+            </a:lvl7pPr>
+            <a:lvl8pPr marL="3200400" indent="0">
+              <a:buNone/>
+              <a:defRPr sz="1400">
+                <a:solidFill>
+                  <a:schemeClr val="tx1">
+                    <a:tint val="75000"/>
+                  </a:schemeClr>
+                </a:solidFill>
+              </a:defRPr>
+            </a:lvl8pPr>
+            <a:lvl9pPr marL="3657600" indent="0">
+              <a:buNone/>
+              <a:defRPr sz="1400">
+                <a:solidFill>
+                  <a:schemeClr val="tx1">
+                    <a:tint val="75000"/>
+                  </a:schemeClr>
+                </a:solidFill>
+              </a:defRPr>
+            </a:lvl9pPr>
           </a:lstStyle>
           <a:p>
-            <a:pPr marL="0" lvl="0" indent="0">
-              <a:buNone/>
-            </a:pPr>
+            <a:pPr lvl="0"/>
             <a:r>
               <a:rPr lang="en-US" smtClean="0"/>
               <a:t>Click to edit Master text styles</a:t>
@@ -1359,7 +1373,7 @@
       </p:sp>
       <p:sp>
         <p:nvSpPr>
-          <p:cNvPr id="5" name="Date Placeholder 4"/>
+          <p:cNvPr id="4" name="Date Placeholder 3"/>
           <p:cNvSpPr>
             <a:spLocks noGrp="1"/>
           </p:cNvSpPr>
@@ -1374,7 +1388,7 @@
           <a:p>
             <a:fld id="{5C14DCE7-D199-4F9B-A217-DE89E664B56E}" type="datetimeFigureOut">
               <a:rPr lang="en-US" smtClean="0"/>
-              <a:t>12/19/2019</a:t>
+              <a:t>28/12/2019</a:t>
             </a:fld>
             <a:endParaRPr lang="en-US"/>
           </a:p>
@@ -1382,7 +1396,7 @@
       </p:sp>
       <p:sp>
         <p:nvSpPr>
-          <p:cNvPr id="6" name="Footer Placeholder 5"/>
+          <p:cNvPr id="5" name="Footer Placeholder 4"/>
           <p:cNvSpPr>
             <a:spLocks noGrp="1"/>
           </p:cNvSpPr>
@@ -1401,89 +1415,7 @@
       </p:sp>
       <p:sp>
         <p:nvSpPr>
-          <p:cNvPr id="9" name="Freeform 11"/>
-          <p:cNvSpPr/>
-          <p:nvPr/>
-        </p:nvSpPr>
-        <p:spPr bwMode="auto">
-          <a:xfrm flipV="1">
-            <a:off x="-4189" y="4911725"/>
-            <a:ext cx="1588527" cy="507297"/>
-          </a:xfrm>
-          <a:custGeom>
-            <a:avLst/>
-            <a:gdLst/>
-            <a:ahLst/>
-            <a:cxnLst/>
-            <a:rect l="l" t="t" r="r" b="b"/>
-            <a:pathLst>
-              <a:path w="9248" h="10000">
-                <a:moveTo>
-                  <a:pt x="9248" y="4701"/>
-                </a:moveTo>
-                <a:lnTo>
-                  <a:pt x="7915" y="188"/>
-                </a:lnTo>
-                <a:cubicBezTo>
-                  <a:pt x="7906" y="156"/>
-                  <a:pt x="7895" y="126"/>
-                  <a:pt x="7886" y="94"/>
-                </a:cubicBezTo>
-                <a:cubicBezTo>
-                  <a:pt x="7859" y="0"/>
-                  <a:pt x="7831" y="0"/>
-                  <a:pt x="7803" y="0"/>
-                </a:cubicBezTo>
-                <a:lnTo>
-                  <a:pt x="7275" y="0"/>
-                </a:lnTo>
-                <a:lnTo>
-                  <a:pt x="0" y="70"/>
-                </a:lnTo>
-                <a:cubicBezTo>
-                  <a:pt x="8" y="3380"/>
-                  <a:pt x="17" y="6690"/>
-                  <a:pt x="25" y="10000"/>
-                </a:cubicBezTo>
-                <a:lnTo>
-                  <a:pt x="7275" y="9966"/>
-                </a:lnTo>
-                <a:lnTo>
-                  <a:pt x="7803" y="9966"/>
-                </a:lnTo>
-                <a:cubicBezTo>
-                  <a:pt x="7831" y="9966"/>
-                  <a:pt x="7859" y="9872"/>
-                  <a:pt x="7886" y="9872"/>
-                </a:cubicBezTo>
-                <a:cubicBezTo>
-                  <a:pt x="7886" y="9778"/>
-                  <a:pt x="7915" y="9778"/>
-                  <a:pt x="7915" y="9778"/>
-                </a:cubicBezTo>
-                <a:lnTo>
-                  <a:pt x="9248" y="5265"/>
-                </a:lnTo>
-                <a:cubicBezTo>
-                  <a:pt x="9303" y="5077"/>
-                  <a:pt x="9303" y="4889"/>
-                  <a:pt x="9248" y="4701"/>
-                </a:cubicBezTo>
-                <a:close/>
-              </a:path>
-            </a:pathLst>
-          </a:custGeom>
-          <a:solidFill>
-            <a:schemeClr val="accent1"/>
-          </a:solidFill>
-          <a:ln>
-            <a:noFill/>
-          </a:ln>
-        </p:spPr>
-      </p:sp>
-      <p:sp>
-        <p:nvSpPr>
-          <p:cNvPr id="7" name="Slide Number Placeholder 6"/>
+          <p:cNvPr id="6" name="Slide Number Placeholder 5"/>
           <p:cNvSpPr>
             <a:spLocks noGrp="1"/>
           </p:cNvSpPr>
@@ -1491,12 +1423,7 @@
             <p:ph type="sldNum" sz="quarter" idx="12"/>
           </p:nvPr>
         </p:nvSpPr>
-        <p:spPr>
-          <a:xfrm>
-            <a:off x="531812" y="4983087"/>
-            <a:ext cx="779767" cy="365125"/>
-          </a:xfrm>
-        </p:spPr>
+        <p:spPr/>
         <p:txBody>
           <a:bodyPr/>
           <a:lstStyle/>
@@ -1512,7 +1439,7 @@
     </p:spTree>
     <p:extLst>
       <p:ext uri="{BB962C8B-B14F-4D97-AF65-F5344CB8AC3E}">
-        <p14:creationId xmlns:p14="http://schemas.microsoft.com/office/powerpoint/2010/main" val="1605018059"/>
+        <p14:creationId xmlns:p14="http://schemas.microsoft.com/office/powerpoint/2010/main" val="3203150568"/>
       </p:ext>
     </p:extLst>
   </p:cSld>
@@ -1522,9 +1449,9 @@
 </p:sldLayout>
 </file>
 
-<file path=ppt/slideLayouts/slideLayout13.xml><?xml version="1.0" encoding="utf-8"?>
+<file path=ppt/slideLayouts/slideLayout14.xml><?xml version="1.0" encoding="utf-8"?>
 <p:sldLayout xmlns:a="http://schemas.openxmlformats.org/drawingml/2006/main" xmlns:r="http://schemas.openxmlformats.org/officeDocument/2006/relationships" xmlns:p="http://schemas.openxmlformats.org/presentationml/2006/main" preserve="1">
-  <p:cSld name="Quote Name Card">
+  <p:cSld name="3 Column">
     <p:spTree>
       <p:nvGrpSpPr>
         <p:cNvPr id="1" name=""/>
@@ -1541,52 +1468,45 @@
       </p:grpSpPr>
       <p:sp>
         <p:nvSpPr>
-          <p:cNvPr id="12" name="Title 1"/>
+          <p:cNvPr id="2" name="Title 1"/>
           <p:cNvSpPr>
             <a:spLocks noGrp="1"/>
           </p:cNvSpPr>
           <p:nvPr>
             <p:ph type="title"/>
+          </p:nvPr>
+        </p:nvSpPr>
+        <p:spPr/>
+        <p:txBody>
+          <a:bodyPr/>
+          <a:lstStyle>
+            <a:lvl1pPr>
+              <a:defRPr sz="4200"/>
+            </a:lvl1pPr>
+          </a:lstStyle>
+          <a:p>
+            <a:r>
+              <a:rPr lang="en-US" smtClean="0"/>
+              <a:t>Click to edit Master title style</a:t>
+            </a:r>
+            <a:endParaRPr lang="en-US" dirty="0"/>
+          </a:p>
+        </p:txBody>
+      </p:sp>
+      <p:sp>
+        <p:nvSpPr>
+          <p:cNvPr id="3" name="Text Placeholder 2"/>
+          <p:cNvSpPr>
+            <a:spLocks noGrp="1"/>
+          </p:cNvSpPr>
+          <p:nvPr>
+            <p:ph type="body" idx="1"/>
           </p:nvPr>
         </p:nvSpPr>
         <p:spPr>
           <a:xfrm>
-            <a:off x="2849949" y="609600"/>
-            <a:ext cx="8393926" cy="2895600"/>
-          </a:xfrm>
-        </p:spPr>
-        <p:txBody>
-          <a:bodyPr anchor="ctr">
-            <a:normAutofit/>
-          </a:bodyPr>
-          <a:lstStyle>
-            <a:lvl1pPr algn="l">
-              <a:defRPr sz="4800" b="0" cap="none"/>
-            </a:lvl1pPr>
-          </a:lstStyle>
-          <a:p>
-            <a:r>
-              <a:rPr lang="en-US" smtClean="0"/>
-              <a:t>Click to edit Master title style</a:t>
-            </a:r>
-            <a:endParaRPr lang="en-US" dirty="0"/>
-          </a:p>
-        </p:txBody>
-      </p:sp>
-      <p:sp>
-        <p:nvSpPr>
-          <p:cNvPr id="21" name="Text Placeholder 9"/>
-          <p:cNvSpPr>
-            <a:spLocks noGrp="1"/>
-          </p:cNvSpPr>
-          <p:nvPr>
-            <p:ph type="body" sz="quarter" idx="13"/>
-          </p:nvPr>
-        </p:nvSpPr>
-        <p:spPr>
-          <a:xfrm>
-            <a:off x="2589212" y="4343400"/>
-            <a:ext cx="8915400" cy="838200"/>
+            <a:off x="632947" y="1981200"/>
+            <a:ext cx="2946866" cy="576262"/>
           </a:xfrm>
         </p:spPr>
         <p:txBody>
@@ -1595,34 +1515,48 @@
           </a:bodyPr>
           <a:lstStyle>
             <a:lvl1pPr marL="0" indent="0">
-              <a:buFontTx/>
-              <a:buNone/>
-              <a:defRPr sz="2400">
+              <a:buNone/>
+              <a:defRPr sz="2400" b="0">
                 <a:solidFill>
-                  <a:schemeClr val="accent1"/>
+                  <a:schemeClr val="bg2">
+                    <a:lumMod val="40000"/>
+                    <a:lumOff val="60000"/>
+                  </a:schemeClr>
                 </a:solidFill>
               </a:defRPr>
             </a:lvl1pPr>
             <a:lvl2pPr marL="457200" indent="0">
-              <a:buFontTx/>
-              <a:buNone/>
-              <a:defRPr/>
+              <a:buNone/>
+              <a:defRPr sz="2000" b="1"/>
             </a:lvl2pPr>
             <a:lvl3pPr marL="914400" indent="0">
-              <a:buFontTx/>
-              <a:buNone/>
-              <a:defRPr/>
+              <a:buNone/>
+              <a:defRPr sz="1800" b="1"/>
             </a:lvl3pPr>
             <a:lvl4pPr marL="1371600" indent="0">
-              <a:buFontTx/>
-              <a:buNone/>
-              <a:defRPr/>
+              <a:buNone/>
+              <a:defRPr sz="1600" b="1"/>
             </a:lvl4pPr>
             <a:lvl5pPr marL="1828800" indent="0">
-              <a:buFontTx/>
-              <a:buNone/>
-              <a:defRPr/>
+              <a:buNone/>
+              <a:defRPr sz="1600" b="1"/>
             </a:lvl5pPr>
+            <a:lvl6pPr marL="2286000" indent="0">
+              <a:buNone/>
+              <a:defRPr sz="1600" b="1"/>
+            </a:lvl6pPr>
+            <a:lvl7pPr marL="2743200" indent="0">
+              <a:buNone/>
+              <a:defRPr sz="1600" b="1"/>
+            </a:lvl7pPr>
+            <a:lvl8pPr marL="3200400" indent="0">
+              <a:buNone/>
+              <a:defRPr sz="1600" b="1"/>
+            </a:lvl8pPr>
+            <a:lvl9pPr marL="3657600" indent="0">
+              <a:buNone/>
+              <a:defRPr sz="1600" b="1"/>
+            </a:lvl9pPr>
           </a:lstStyle>
           <a:p>
             <a:pPr lvl="0"/>
@@ -1635,41 +1569,138 @@
       </p:sp>
       <p:sp>
         <p:nvSpPr>
-          <p:cNvPr id="4" name="Text Placeholder 3"/>
-          <p:cNvSpPr>
-            <a:spLocks noGrp="1"/>
-          </p:cNvSpPr>
-          <p:nvPr>
-            <p:ph type="body" sz="half" idx="2"/>
+          <p:cNvPr id="16" name="Text Placeholder 3"/>
+          <p:cNvSpPr>
+            <a:spLocks noGrp="1"/>
+          </p:cNvSpPr>
+          <p:nvPr>
+            <p:ph type="body" sz="half" idx="15"/>
           </p:nvPr>
         </p:nvSpPr>
         <p:spPr>
           <a:xfrm>
-            <a:off x="2589213" y="5181600"/>
-            <a:ext cx="8915400" cy="729622"/>
+            <a:off x="652463" y="2667000"/>
+            <a:ext cx="2927350" cy="3589338"/>
           </a:xfrm>
         </p:spPr>
         <p:txBody>
-          <a:bodyPr vert="horz" lIns="91440" tIns="45720" rIns="91440" bIns="45720" rtlCol="0" anchor="t">
+          <a:bodyPr anchor="t">
             <a:normAutofit/>
           </a:bodyPr>
           <a:lstStyle>
-            <a:lvl1pPr>
-              <a:buNone/>
-              <a:defRPr lang="en-US">
+            <a:lvl1pPr marL="0" indent="0">
+              <a:buNone/>
+              <a:defRPr sz="1400"/>
+            </a:lvl1pPr>
+            <a:lvl2pPr marL="457200" indent="0">
+              <a:buNone/>
+              <a:defRPr sz="1200"/>
+            </a:lvl2pPr>
+            <a:lvl3pPr marL="914400" indent="0">
+              <a:buNone/>
+              <a:defRPr sz="1000"/>
+            </a:lvl3pPr>
+            <a:lvl4pPr marL="1371600" indent="0">
+              <a:buNone/>
+              <a:defRPr sz="900"/>
+            </a:lvl4pPr>
+            <a:lvl5pPr marL="1828800" indent="0">
+              <a:buNone/>
+              <a:defRPr sz="900"/>
+            </a:lvl5pPr>
+            <a:lvl6pPr marL="2286000" indent="0">
+              <a:buNone/>
+              <a:defRPr sz="900"/>
+            </a:lvl6pPr>
+            <a:lvl7pPr marL="2743200" indent="0">
+              <a:buNone/>
+              <a:defRPr sz="900"/>
+            </a:lvl7pPr>
+            <a:lvl8pPr marL="3200400" indent="0">
+              <a:buNone/>
+              <a:defRPr sz="900"/>
+            </a:lvl8pPr>
+            <a:lvl9pPr marL="3657600" indent="0">
+              <a:buNone/>
+              <a:defRPr sz="900"/>
+            </a:lvl9pPr>
+          </a:lstStyle>
+          <a:p>
+            <a:pPr lvl="0"/>
+            <a:r>
+              <a:rPr lang="en-US" smtClean="0"/>
+              <a:t>Click to edit Master text styles</a:t>
+            </a:r>
+          </a:p>
+        </p:txBody>
+      </p:sp>
+      <p:sp>
+        <p:nvSpPr>
+          <p:cNvPr id="5" name="Text Placeholder 4"/>
+          <p:cNvSpPr>
+            <a:spLocks noGrp="1"/>
+          </p:cNvSpPr>
+          <p:nvPr>
+            <p:ph type="body" sz="quarter" idx="3"/>
+          </p:nvPr>
+        </p:nvSpPr>
+        <p:spPr>
+          <a:xfrm>
+            <a:off x="3883659" y="1981200"/>
+            <a:ext cx="2936241" cy="576262"/>
+          </a:xfrm>
+        </p:spPr>
+        <p:txBody>
+          <a:bodyPr anchor="b">
+            <a:noAutofit/>
+          </a:bodyPr>
+          <a:lstStyle>
+            <a:lvl1pPr marL="0" indent="0">
+              <a:buNone/>
+              <a:defRPr sz="2400" b="0">
                 <a:solidFill>
-                  <a:schemeClr val="tx1">
-                    <a:lumMod val="65000"/>
-                    <a:lumOff val="35000"/>
+                  <a:schemeClr val="bg2">
+                    <a:lumMod val="40000"/>
+                    <a:lumOff val="60000"/>
                   </a:schemeClr>
                 </a:solidFill>
               </a:defRPr>
             </a:lvl1pPr>
+            <a:lvl2pPr marL="457200" indent="0">
+              <a:buNone/>
+              <a:defRPr sz="2000" b="1"/>
+            </a:lvl2pPr>
+            <a:lvl3pPr marL="914400" indent="0">
+              <a:buNone/>
+              <a:defRPr sz="1800" b="1"/>
+            </a:lvl3pPr>
+            <a:lvl4pPr marL="1371600" indent="0">
+              <a:buNone/>
+              <a:defRPr sz="1600" b="1"/>
+            </a:lvl4pPr>
+            <a:lvl5pPr marL="1828800" indent="0">
+              <a:buNone/>
+              <a:defRPr sz="1600" b="1"/>
+            </a:lvl5pPr>
+            <a:lvl6pPr marL="2286000" indent="0">
+              <a:buNone/>
+              <a:defRPr sz="1600" b="1"/>
+            </a:lvl6pPr>
+            <a:lvl7pPr marL="2743200" indent="0">
+              <a:buNone/>
+              <a:defRPr sz="1600" b="1"/>
+            </a:lvl7pPr>
+            <a:lvl8pPr marL="3200400" indent="0">
+              <a:buNone/>
+              <a:defRPr sz="1600" b="1"/>
+            </a:lvl8pPr>
+            <a:lvl9pPr marL="3657600" indent="0">
+              <a:buNone/>
+              <a:defRPr sz="1600" b="1"/>
+            </a:lvl9pPr>
           </a:lstStyle>
           <a:p>
-            <a:pPr marL="0" lvl="0" indent="0">
-              <a:buNone/>
-            </a:pPr>
+            <a:pPr lvl="0"/>
             <a:r>
               <a:rPr lang="en-US" smtClean="0"/>
               <a:t>Click to edit Master text styles</a:t>
@@ -1679,7 +1710,293 @@
       </p:sp>
       <p:sp>
         <p:nvSpPr>
-          <p:cNvPr id="5" name="Date Placeholder 4"/>
+          <p:cNvPr id="19" name="Text Placeholder 3"/>
+          <p:cNvSpPr>
+            <a:spLocks noGrp="1"/>
+          </p:cNvSpPr>
+          <p:nvPr>
+            <p:ph type="body" sz="half" idx="16"/>
+          </p:nvPr>
+        </p:nvSpPr>
+        <p:spPr>
+          <a:xfrm>
+            <a:off x="3873106" y="2667000"/>
+            <a:ext cx="2946794" cy="3589338"/>
+          </a:xfrm>
+        </p:spPr>
+        <p:txBody>
+          <a:bodyPr anchor="t">
+            <a:normAutofit/>
+          </a:bodyPr>
+          <a:lstStyle>
+            <a:lvl1pPr marL="0" indent="0">
+              <a:buNone/>
+              <a:defRPr sz="1400"/>
+            </a:lvl1pPr>
+            <a:lvl2pPr marL="457200" indent="0">
+              <a:buNone/>
+              <a:defRPr sz="1200"/>
+            </a:lvl2pPr>
+            <a:lvl3pPr marL="914400" indent="0">
+              <a:buNone/>
+              <a:defRPr sz="1000"/>
+            </a:lvl3pPr>
+            <a:lvl4pPr marL="1371600" indent="0">
+              <a:buNone/>
+              <a:defRPr sz="900"/>
+            </a:lvl4pPr>
+            <a:lvl5pPr marL="1828800" indent="0">
+              <a:buNone/>
+              <a:defRPr sz="900"/>
+            </a:lvl5pPr>
+            <a:lvl6pPr marL="2286000" indent="0">
+              <a:buNone/>
+              <a:defRPr sz="900"/>
+            </a:lvl6pPr>
+            <a:lvl7pPr marL="2743200" indent="0">
+              <a:buNone/>
+              <a:defRPr sz="900"/>
+            </a:lvl7pPr>
+            <a:lvl8pPr marL="3200400" indent="0">
+              <a:buNone/>
+              <a:defRPr sz="900"/>
+            </a:lvl8pPr>
+            <a:lvl9pPr marL="3657600" indent="0">
+              <a:buNone/>
+              <a:defRPr sz="900"/>
+            </a:lvl9pPr>
+          </a:lstStyle>
+          <a:p>
+            <a:pPr lvl="0"/>
+            <a:r>
+              <a:rPr lang="en-US" smtClean="0"/>
+              <a:t>Click to edit Master text styles</a:t>
+            </a:r>
+          </a:p>
+        </p:txBody>
+      </p:sp>
+      <p:sp>
+        <p:nvSpPr>
+          <p:cNvPr id="14" name="Text Placeholder 4"/>
+          <p:cNvSpPr>
+            <a:spLocks noGrp="1"/>
+          </p:cNvSpPr>
+          <p:nvPr>
+            <p:ph type="body" sz="quarter" idx="13"/>
+          </p:nvPr>
+        </p:nvSpPr>
+        <p:spPr>
+          <a:xfrm>
+            <a:off x="7124700" y="1981200"/>
+            <a:ext cx="2932113" cy="576262"/>
+          </a:xfrm>
+        </p:spPr>
+        <p:txBody>
+          <a:bodyPr anchor="b">
+            <a:noAutofit/>
+          </a:bodyPr>
+          <a:lstStyle>
+            <a:lvl1pPr marL="0" indent="0">
+              <a:buNone/>
+              <a:defRPr sz="2400" b="0">
+                <a:solidFill>
+                  <a:schemeClr val="bg2">
+                    <a:lumMod val="40000"/>
+                    <a:lumOff val="60000"/>
+                  </a:schemeClr>
+                </a:solidFill>
+              </a:defRPr>
+            </a:lvl1pPr>
+            <a:lvl2pPr marL="457200" indent="0">
+              <a:buNone/>
+              <a:defRPr sz="2000" b="1"/>
+            </a:lvl2pPr>
+            <a:lvl3pPr marL="914400" indent="0">
+              <a:buNone/>
+              <a:defRPr sz="1800" b="1"/>
+            </a:lvl3pPr>
+            <a:lvl4pPr marL="1371600" indent="0">
+              <a:buNone/>
+              <a:defRPr sz="1600" b="1"/>
+            </a:lvl4pPr>
+            <a:lvl5pPr marL="1828800" indent="0">
+              <a:buNone/>
+              <a:defRPr sz="1600" b="1"/>
+            </a:lvl5pPr>
+            <a:lvl6pPr marL="2286000" indent="0">
+              <a:buNone/>
+              <a:defRPr sz="1600" b="1"/>
+            </a:lvl6pPr>
+            <a:lvl7pPr marL="2743200" indent="0">
+              <a:buNone/>
+              <a:defRPr sz="1600" b="1"/>
+            </a:lvl7pPr>
+            <a:lvl8pPr marL="3200400" indent="0">
+              <a:buNone/>
+              <a:defRPr sz="1600" b="1"/>
+            </a:lvl8pPr>
+            <a:lvl9pPr marL="3657600" indent="0">
+              <a:buNone/>
+              <a:defRPr sz="1600" b="1"/>
+            </a:lvl9pPr>
+          </a:lstStyle>
+          <a:p>
+            <a:pPr lvl="0"/>
+            <a:r>
+              <a:rPr lang="en-US" smtClean="0"/>
+              <a:t>Click to edit Master text styles</a:t>
+            </a:r>
+          </a:p>
+        </p:txBody>
+      </p:sp>
+      <p:sp>
+        <p:nvSpPr>
+          <p:cNvPr id="20" name="Text Placeholder 3"/>
+          <p:cNvSpPr>
+            <a:spLocks noGrp="1"/>
+          </p:cNvSpPr>
+          <p:nvPr>
+            <p:ph type="body" sz="half" idx="17"/>
+          </p:nvPr>
+        </p:nvSpPr>
+        <p:spPr>
+          <a:xfrm>
+            <a:off x="7124700" y="2667000"/>
+            <a:ext cx="2932113" cy="3589338"/>
+          </a:xfrm>
+        </p:spPr>
+        <p:txBody>
+          <a:bodyPr anchor="t">
+            <a:normAutofit/>
+          </a:bodyPr>
+          <a:lstStyle>
+            <a:lvl1pPr marL="0" indent="0">
+              <a:buNone/>
+              <a:defRPr sz="1400"/>
+            </a:lvl1pPr>
+            <a:lvl2pPr marL="457200" indent="0">
+              <a:buNone/>
+              <a:defRPr sz="1200"/>
+            </a:lvl2pPr>
+            <a:lvl3pPr marL="914400" indent="0">
+              <a:buNone/>
+              <a:defRPr sz="1000"/>
+            </a:lvl3pPr>
+            <a:lvl4pPr marL="1371600" indent="0">
+              <a:buNone/>
+              <a:defRPr sz="900"/>
+            </a:lvl4pPr>
+            <a:lvl5pPr marL="1828800" indent="0">
+              <a:buNone/>
+              <a:defRPr sz="900"/>
+            </a:lvl5pPr>
+            <a:lvl6pPr marL="2286000" indent="0">
+              <a:buNone/>
+              <a:defRPr sz="900"/>
+            </a:lvl6pPr>
+            <a:lvl7pPr marL="2743200" indent="0">
+              <a:buNone/>
+              <a:defRPr sz="900"/>
+            </a:lvl7pPr>
+            <a:lvl8pPr marL="3200400" indent="0">
+              <a:buNone/>
+              <a:defRPr sz="900"/>
+            </a:lvl8pPr>
+            <a:lvl9pPr marL="3657600" indent="0">
+              <a:buNone/>
+              <a:defRPr sz="900"/>
+            </a:lvl9pPr>
+          </a:lstStyle>
+          <a:p>
+            <a:pPr lvl="0"/>
+            <a:r>
+              <a:rPr lang="en-US" smtClean="0"/>
+              <a:t>Click to edit Master text styles</a:t>
+            </a:r>
+          </a:p>
+        </p:txBody>
+      </p:sp>
+      <p:cxnSp>
+        <p:nvCxnSpPr>
+          <p:cNvPr id="17" name="Straight Connector 16"/>
+          <p:cNvCxnSpPr/>
+          <p:nvPr/>
+        </p:nvCxnSpPr>
+        <p:spPr>
+          <a:xfrm>
+            <a:off x="3726142" y="2133600"/>
+            <a:ext cx="0" cy="3962400"/>
+          </a:xfrm>
+          <a:prstGeom prst="line">
+            <a:avLst/>
+          </a:prstGeom>
+          <a:ln w="12700" cmpd="sng">
+            <a:solidFill>
+              <a:schemeClr val="bg2">
+                <a:lumMod val="40000"/>
+                <a:lumOff val="60000"/>
+                <a:alpha val="40000"/>
+              </a:schemeClr>
+            </a:solidFill>
+          </a:ln>
+        </p:spPr>
+        <p:style>
+          <a:lnRef idx="2">
+            <a:schemeClr val="accent1"/>
+          </a:lnRef>
+          <a:fillRef idx="0">
+            <a:schemeClr val="accent1"/>
+          </a:fillRef>
+          <a:effectRef idx="1">
+            <a:schemeClr val="accent1"/>
+          </a:effectRef>
+          <a:fontRef idx="minor">
+            <a:schemeClr val="tx1"/>
+          </a:fontRef>
+        </p:style>
+      </p:cxnSp>
+      <p:cxnSp>
+        <p:nvCxnSpPr>
+          <p:cNvPr id="18" name="Straight Connector 17"/>
+          <p:cNvCxnSpPr/>
+          <p:nvPr/>
+        </p:nvCxnSpPr>
+        <p:spPr>
+          <a:xfrm>
+            <a:off x="6962227" y="2133600"/>
+            <a:ext cx="0" cy="3966882"/>
+          </a:xfrm>
+          <a:prstGeom prst="line">
+            <a:avLst/>
+          </a:prstGeom>
+          <a:ln w="12700" cmpd="sng">
+            <a:solidFill>
+              <a:schemeClr val="bg2">
+                <a:lumMod val="40000"/>
+                <a:lumOff val="60000"/>
+                <a:alpha val="40000"/>
+              </a:schemeClr>
+            </a:solidFill>
+          </a:ln>
+        </p:spPr>
+        <p:style>
+          <a:lnRef idx="2">
+            <a:schemeClr val="accent1"/>
+          </a:lnRef>
+          <a:fillRef idx="0">
+            <a:schemeClr val="accent1"/>
+          </a:fillRef>
+          <a:effectRef idx="1">
+            <a:schemeClr val="accent1"/>
+          </a:effectRef>
+          <a:fontRef idx="minor">
+            <a:schemeClr val="tx1"/>
+          </a:fontRef>
+        </p:style>
+      </p:cxnSp>
+      <p:sp>
+        <p:nvSpPr>
+          <p:cNvPr id="7" name="Date Placeholder 3"/>
           <p:cNvSpPr>
             <a:spLocks noGrp="1"/>
           </p:cNvSpPr>
@@ -1694,7 +2011,7 @@
           <a:p>
             <a:fld id="{5C14DCE7-D199-4F9B-A217-DE89E664B56E}" type="datetimeFigureOut">
               <a:rPr lang="en-US" smtClean="0"/>
-              <a:t>12/19/2019</a:t>
+              <a:t>28/12/2019</a:t>
             </a:fld>
             <a:endParaRPr lang="en-US"/>
           </a:p>
@@ -1702,7 +2019,7 @@
       </p:sp>
       <p:sp>
         <p:nvSpPr>
-          <p:cNvPr id="6" name="Footer Placeholder 5"/>
+          <p:cNvPr id="4" name="Footer Placeholder 4"/>
           <p:cNvSpPr>
             <a:spLocks noGrp="1"/>
           </p:cNvSpPr>
@@ -1721,89 +2038,7 @@
       </p:sp>
       <p:sp>
         <p:nvSpPr>
-          <p:cNvPr id="11" name="Freeform 11"/>
-          <p:cNvSpPr/>
-          <p:nvPr/>
-        </p:nvSpPr>
-        <p:spPr bwMode="auto">
-          <a:xfrm flipV="1">
-            <a:off x="-4189" y="4911725"/>
-            <a:ext cx="1588527" cy="507297"/>
-          </a:xfrm>
-          <a:custGeom>
-            <a:avLst/>
-            <a:gdLst/>
-            <a:ahLst/>
-            <a:cxnLst/>
-            <a:rect l="l" t="t" r="r" b="b"/>
-            <a:pathLst>
-              <a:path w="9248" h="10000">
-                <a:moveTo>
-                  <a:pt x="9248" y="4701"/>
-                </a:moveTo>
-                <a:lnTo>
-                  <a:pt x="7915" y="188"/>
-                </a:lnTo>
-                <a:cubicBezTo>
-                  <a:pt x="7906" y="156"/>
-                  <a:pt x="7895" y="126"/>
-                  <a:pt x="7886" y="94"/>
-                </a:cubicBezTo>
-                <a:cubicBezTo>
-                  <a:pt x="7859" y="0"/>
-                  <a:pt x="7831" y="0"/>
-                  <a:pt x="7803" y="0"/>
-                </a:cubicBezTo>
-                <a:lnTo>
-                  <a:pt x="7275" y="0"/>
-                </a:lnTo>
-                <a:lnTo>
-                  <a:pt x="0" y="70"/>
-                </a:lnTo>
-                <a:cubicBezTo>
-                  <a:pt x="8" y="3380"/>
-                  <a:pt x="17" y="6690"/>
-                  <a:pt x="25" y="10000"/>
-                </a:cubicBezTo>
-                <a:lnTo>
-                  <a:pt x="7275" y="9966"/>
-                </a:lnTo>
-                <a:lnTo>
-                  <a:pt x="7803" y="9966"/>
-                </a:lnTo>
-                <a:cubicBezTo>
-                  <a:pt x="7831" y="9966"/>
-                  <a:pt x="7859" y="9872"/>
-                  <a:pt x="7886" y="9872"/>
-                </a:cubicBezTo>
-                <a:cubicBezTo>
-                  <a:pt x="7886" y="9778"/>
-                  <a:pt x="7915" y="9778"/>
-                  <a:pt x="7915" y="9778"/>
-                </a:cubicBezTo>
-                <a:lnTo>
-                  <a:pt x="9248" y="5265"/>
-                </a:lnTo>
-                <a:cubicBezTo>
-                  <a:pt x="9303" y="5077"/>
-                  <a:pt x="9303" y="4889"/>
-                  <a:pt x="9248" y="4701"/>
-                </a:cubicBezTo>
-                <a:close/>
-              </a:path>
-            </a:pathLst>
-          </a:custGeom>
-          <a:solidFill>
-            <a:schemeClr val="accent1"/>
-          </a:solidFill>
-          <a:ln>
-            <a:noFill/>
-          </a:ln>
-        </p:spPr>
-      </p:sp>
-      <p:sp>
-        <p:nvSpPr>
-          <p:cNvPr id="7" name="Slide Number Placeholder 6"/>
+          <p:cNvPr id="6" name="Slide Number Placeholder 5"/>
           <p:cNvSpPr>
             <a:spLocks noGrp="1"/>
           </p:cNvSpPr>
@@ -1811,12 +2046,7 @@
             <p:ph type="sldNum" sz="quarter" idx="12"/>
           </p:nvPr>
         </p:nvSpPr>
-        <p:spPr>
-          <a:xfrm>
-            <a:off x="531812" y="4983087"/>
-            <a:ext cx="779767" cy="365125"/>
-          </a:xfrm>
-        </p:spPr>
+        <p:spPr/>
         <p:txBody>
           <a:bodyPr/>
           <a:lstStyle/>
@@ -1829,86 +2059,10 @@
           </a:p>
         </p:txBody>
       </p:sp>
-      <p:sp>
-        <p:nvSpPr>
-          <p:cNvPr id="17" name="TextBox 16"/>
-          <p:cNvSpPr txBox="1"/>
-          <p:nvPr/>
-        </p:nvSpPr>
-        <p:spPr>
-          <a:xfrm>
-            <a:off x="2467652" y="648005"/>
-            <a:ext cx="609600" cy="584776"/>
-          </a:xfrm>
-          <a:prstGeom prst="rect">
-            <a:avLst/>
-          </a:prstGeom>
-        </p:spPr>
-        <p:txBody>
-          <a:bodyPr vert="horz" lIns="91440" tIns="45720" rIns="91440" bIns="45720" rtlCol="0" anchor="ctr">
-            <a:noAutofit/>
-          </a:bodyPr>
-          <a:lstStyle/>
-          <a:p>
-            <a:pPr lvl="0"/>
-            <a:r>
-              <a:rPr lang="en-US" sz="8000" baseline="0" dirty="0">
-                <a:ln w="3175" cmpd="sng">
-                  <a:noFill/>
-                </a:ln>
-                <a:solidFill>
-                  <a:schemeClr val="accent1"/>
-                </a:solidFill>
-                <a:effectLst/>
-                <a:latin typeface="Arial"/>
-              </a:rPr>
-              <a:t>“</a:t>
-            </a:r>
-          </a:p>
-        </p:txBody>
-      </p:sp>
-      <p:sp>
-        <p:nvSpPr>
-          <p:cNvPr id="18" name="TextBox 17"/>
-          <p:cNvSpPr txBox="1"/>
-          <p:nvPr/>
-        </p:nvSpPr>
-        <p:spPr>
-          <a:xfrm>
-            <a:off x="11114852" y="2905306"/>
-            <a:ext cx="609600" cy="584776"/>
-          </a:xfrm>
-          <a:prstGeom prst="rect">
-            <a:avLst/>
-          </a:prstGeom>
-        </p:spPr>
-        <p:txBody>
-          <a:bodyPr vert="horz" lIns="91440" tIns="45720" rIns="91440" bIns="45720" rtlCol="0" anchor="ctr">
-            <a:noAutofit/>
-          </a:bodyPr>
-          <a:lstStyle/>
-          <a:p>
-            <a:pPr lvl="0"/>
-            <a:r>
-              <a:rPr lang="en-US" sz="8000" baseline="0" dirty="0">
-                <a:ln w="3175" cmpd="sng">
-                  <a:noFill/>
-                </a:ln>
-                <a:solidFill>
-                  <a:schemeClr val="accent1"/>
-                </a:solidFill>
-                <a:effectLst/>
-                <a:latin typeface="Arial"/>
-              </a:rPr>
-              <a:t>”</a:t>
-            </a:r>
-          </a:p>
-        </p:txBody>
-      </p:sp>
     </p:spTree>
     <p:extLst>
       <p:ext uri="{BB962C8B-B14F-4D97-AF65-F5344CB8AC3E}">
-        <p14:creationId xmlns:p14="http://schemas.microsoft.com/office/powerpoint/2010/main" val="3329403982"/>
+        <p14:creationId xmlns:p14="http://schemas.microsoft.com/office/powerpoint/2010/main" val="1924749681"/>
       </p:ext>
     </p:extLst>
   </p:cSld>
@@ -1918,9 +2072,9 @@
 </p:sldLayout>
 </file>
 
-<file path=ppt/slideLayouts/slideLayout14.xml><?xml version="1.0" encoding="utf-8"?>
+<file path=ppt/slideLayouts/slideLayout15.xml><?xml version="1.0" encoding="utf-8"?>
 <p:sldLayout xmlns:a="http://schemas.openxmlformats.org/drawingml/2006/main" xmlns:r="http://schemas.openxmlformats.org/officeDocument/2006/relationships" xmlns:p="http://schemas.openxmlformats.org/presentationml/2006/main" preserve="1">
-  <p:cSld name="True or False">
+  <p:cSld name="3 Picture Column">
     <p:spTree>
       <p:nvGrpSpPr>
         <p:cNvPr id="1" name=""/>
@@ -1945,44 +2099,37 @@
             <p:ph type="title"/>
           </p:nvPr>
         </p:nvSpPr>
+        <p:spPr/>
+        <p:txBody>
+          <a:bodyPr/>
+          <a:lstStyle>
+            <a:lvl1pPr>
+              <a:defRPr sz="4200"/>
+            </a:lvl1pPr>
+          </a:lstStyle>
+          <a:p>
+            <a:r>
+              <a:rPr lang="en-US" smtClean="0"/>
+              <a:t>Click to edit Master title style</a:t>
+            </a:r>
+            <a:endParaRPr lang="en-US" dirty="0"/>
+          </a:p>
+        </p:txBody>
+      </p:sp>
+      <p:sp>
+        <p:nvSpPr>
+          <p:cNvPr id="3" name="Text Placeholder 2"/>
+          <p:cNvSpPr>
+            <a:spLocks noGrp="1"/>
+          </p:cNvSpPr>
+          <p:nvPr>
+            <p:ph type="body" idx="1"/>
+          </p:nvPr>
+        </p:nvSpPr>
         <p:spPr>
           <a:xfrm>
-            <a:off x="2589212" y="627407"/>
-            <a:ext cx="8915399" cy="2880020"/>
-          </a:xfrm>
-        </p:spPr>
-        <p:txBody>
-          <a:bodyPr anchor="ctr">
-            <a:normAutofit/>
-          </a:bodyPr>
-          <a:lstStyle>
-            <a:lvl1pPr algn="l">
-              <a:defRPr sz="4800" b="0"/>
-            </a:lvl1pPr>
-          </a:lstStyle>
-          <a:p>
-            <a:r>
-              <a:rPr lang="en-US" smtClean="0"/>
-              <a:t>Click to edit Master title style</a:t>
-            </a:r>
-            <a:endParaRPr lang="en-US" dirty="0"/>
-          </a:p>
-        </p:txBody>
-      </p:sp>
-      <p:sp>
-        <p:nvSpPr>
-          <p:cNvPr id="21" name="Text Placeholder 9"/>
-          <p:cNvSpPr>
-            <a:spLocks noGrp="1"/>
-          </p:cNvSpPr>
-          <p:nvPr>
-            <p:ph type="body" sz="quarter" idx="13"/>
-          </p:nvPr>
-        </p:nvSpPr>
-        <p:spPr>
-          <a:xfrm>
-            <a:off x="2589212" y="4343400"/>
-            <a:ext cx="8915400" cy="838200"/>
+            <a:off x="652463" y="4250949"/>
+            <a:ext cx="2940050" cy="576262"/>
           </a:xfrm>
         </p:spPr>
         <p:txBody>
@@ -1991,34 +2138,48 @@
           </a:bodyPr>
           <a:lstStyle>
             <a:lvl1pPr marL="0" indent="0">
-              <a:buFontTx/>
-              <a:buNone/>
-              <a:defRPr sz="2400">
+              <a:buNone/>
+              <a:defRPr sz="2400" b="0">
                 <a:solidFill>
-                  <a:schemeClr val="accent1"/>
+                  <a:schemeClr val="bg2">
+                    <a:lumMod val="40000"/>
+                    <a:lumOff val="60000"/>
+                  </a:schemeClr>
                 </a:solidFill>
               </a:defRPr>
             </a:lvl1pPr>
             <a:lvl2pPr marL="457200" indent="0">
-              <a:buFontTx/>
-              <a:buNone/>
-              <a:defRPr/>
+              <a:buNone/>
+              <a:defRPr sz="2000" b="1"/>
             </a:lvl2pPr>
             <a:lvl3pPr marL="914400" indent="0">
-              <a:buFontTx/>
-              <a:buNone/>
-              <a:defRPr/>
+              <a:buNone/>
+              <a:defRPr sz="1800" b="1"/>
             </a:lvl3pPr>
             <a:lvl4pPr marL="1371600" indent="0">
-              <a:buFontTx/>
-              <a:buNone/>
-              <a:defRPr/>
+              <a:buNone/>
+              <a:defRPr sz="1600" b="1"/>
             </a:lvl4pPr>
             <a:lvl5pPr marL="1828800" indent="0">
-              <a:buFontTx/>
-              <a:buNone/>
-              <a:defRPr/>
+              <a:buNone/>
+              <a:defRPr sz="1600" b="1"/>
             </a:lvl5pPr>
+            <a:lvl6pPr marL="2286000" indent="0">
+              <a:buNone/>
+              <a:defRPr sz="1600" b="1"/>
+            </a:lvl6pPr>
+            <a:lvl7pPr marL="2743200" indent="0">
+              <a:buNone/>
+              <a:defRPr sz="1600" b="1"/>
+            </a:lvl7pPr>
+            <a:lvl8pPr marL="3200400" indent="0">
+              <a:buNone/>
+              <a:defRPr sz="1600" b="1"/>
+            </a:lvl8pPr>
+            <a:lvl9pPr marL="3657600" indent="0">
+              <a:buNone/>
+              <a:defRPr sz="1600" b="1"/>
+            </a:lvl9pPr>
           </a:lstStyle>
           <a:p>
             <a:pPr lvl="0"/>
@@ -2031,41 +2192,217 @@
       </p:sp>
       <p:sp>
         <p:nvSpPr>
-          <p:cNvPr id="4" name="Text Placeholder 3"/>
-          <p:cNvSpPr>
-            <a:spLocks noGrp="1"/>
-          </p:cNvSpPr>
-          <p:nvPr>
-            <p:ph type="body" sz="half" idx="2"/>
+          <p:cNvPr id="29" name="Picture Placeholder 2"/>
+          <p:cNvSpPr>
+            <a:spLocks noGrp="1" noChangeAspect="1"/>
+          </p:cNvSpPr>
+          <p:nvPr>
+            <p:ph type="pic" idx="15"/>
           </p:nvPr>
         </p:nvSpPr>
         <p:spPr>
           <a:xfrm>
-            <a:off x="2589213" y="5181600"/>
-            <a:ext cx="8915400" cy="729622"/>
+            <a:off x="652463" y="2209800"/>
+            <a:ext cx="2940050" cy="1524000"/>
           </a:xfrm>
+          <a:prstGeom prst="roundRect">
+            <a:avLst>
+              <a:gd name="adj" fmla="val 1858"/>
+            </a:avLst>
+          </a:prstGeom>
+          <a:effectLst>
+            <a:outerShdw blurRad="50800" dist="50800" dir="5400000" algn="tl" rotWithShape="0">
+              <a:srgbClr val="000000">
+                <a:alpha val="43000"/>
+              </a:srgbClr>
+            </a:outerShdw>
+          </a:effectLst>
         </p:spPr>
         <p:txBody>
-          <a:bodyPr vert="horz" lIns="91440" tIns="45720" rIns="91440" bIns="45720" rtlCol="0" anchor="t">
+          <a:bodyPr anchor="t">
             <a:normAutofit/>
           </a:bodyPr>
           <a:lstStyle>
-            <a:lvl1pPr>
-              <a:buNone/>
-              <a:defRPr lang="en-US">
+            <a:lvl1pPr marL="0" indent="0" algn="ctr">
+              <a:buNone/>
+              <a:defRPr sz="1600"/>
+            </a:lvl1pPr>
+            <a:lvl2pPr marL="457200" indent="0">
+              <a:buNone/>
+              <a:defRPr sz="1600"/>
+            </a:lvl2pPr>
+            <a:lvl3pPr marL="914400" indent="0">
+              <a:buNone/>
+              <a:defRPr sz="1600"/>
+            </a:lvl3pPr>
+            <a:lvl4pPr marL="1371600" indent="0">
+              <a:buNone/>
+              <a:defRPr sz="1600"/>
+            </a:lvl4pPr>
+            <a:lvl5pPr marL="1828800" indent="0">
+              <a:buNone/>
+              <a:defRPr sz="1600"/>
+            </a:lvl5pPr>
+            <a:lvl6pPr marL="2286000" indent="0">
+              <a:buNone/>
+              <a:defRPr sz="1600"/>
+            </a:lvl6pPr>
+            <a:lvl7pPr marL="2743200" indent="0">
+              <a:buNone/>
+              <a:defRPr sz="1600"/>
+            </a:lvl7pPr>
+            <a:lvl8pPr marL="3200400" indent="0">
+              <a:buNone/>
+              <a:defRPr sz="1600"/>
+            </a:lvl8pPr>
+            <a:lvl9pPr marL="3657600" indent="0">
+              <a:buNone/>
+              <a:defRPr sz="1600"/>
+            </a:lvl9pPr>
+          </a:lstStyle>
+          <a:p>
+            <a:r>
+              <a:rPr lang="en-US" smtClean="0"/>
+              <a:t>Click icon to add picture</a:t>
+            </a:r>
+            <a:endParaRPr lang="en-US" dirty="0"/>
+          </a:p>
+        </p:txBody>
+      </p:sp>
+      <p:sp>
+        <p:nvSpPr>
+          <p:cNvPr id="22" name="Text Placeholder 3"/>
+          <p:cNvSpPr>
+            <a:spLocks noGrp="1"/>
+          </p:cNvSpPr>
+          <p:nvPr>
+            <p:ph type="body" sz="half" idx="18"/>
+          </p:nvPr>
+        </p:nvSpPr>
+        <p:spPr>
+          <a:xfrm>
+            <a:off x="652463" y="4827211"/>
+            <a:ext cx="2940050" cy="659189"/>
+          </a:xfrm>
+        </p:spPr>
+        <p:txBody>
+          <a:bodyPr anchor="t">
+            <a:normAutofit/>
+          </a:bodyPr>
+          <a:lstStyle>
+            <a:lvl1pPr marL="0" indent="0">
+              <a:buNone/>
+              <a:defRPr sz="1400"/>
+            </a:lvl1pPr>
+            <a:lvl2pPr marL="457200" indent="0">
+              <a:buNone/>
+              <a:defRPr sz="1200"/>
+            </a:lvl2pPr>
+            <a:lvl3pPr marL="914400" indent="0">
+              <a:buNone/>
+              <a:defRPr sz="1000"/>
+            </a:lvl3pPr>
+            <a:lvl4pPr marL="1371600" indent="0">
+              <a:buNone/>
+              <a:defRPr sz="900"/>
+            </a:lvl4pPr>
+            <a:lvl5pPr marL="1828800" indent="0">
+              <a:buNone/>
+              <a:defRPr sz="900"/>
+            </a:lvl5pPr>
+            <a:lvl6pPr marL="2286000" indent="0">
+              <a:buNone/>
+              <a:defRPr sz="900"/>
+            </a:lvl6pPr>
+            <a:lvl7pPr marL="2743200" indent="0">
+              <a:buNone/>
+              <a:defRPr sz="900"/>
+            </a:lvl7pPr>
+            <a:lvl8pPr marL="3200400" indent="0">
+              <a:buNone/>
+              <a:defRPr sz="900"/>
+            </a:lvl8pPr>
+            <a:lvl9pPr marL="3657600" indent="0">
+              <a:buNone/>
+              <a:defRPr sz="900"/>
+            </a:lvl9pPr>
+          </a:lstStyle>
+          <a:p>
+            <a:pPr lvl="0"/>
+            <a:r>
+              <a:rPr lang="en-US" smtClean="0"/>
+              <a:t>Click to edit Master text styles</a:t>
+            </a:r>
+          </a:p>
+        </p:txBody>
+      </p:sp>
+      <p:sp>
+        <p:nvSpPr>
+          <p:cNvPr id="5" name="Text Placeholder 4"/>
+          <p:cNvSpPr>
+            <a:spLocks noGrp="1"/>
+          </p:cNvSpPr>
+          <p:nvPr>
+            <p:ph type="body" sz="quarter" idx="3"/>
+          </p:nvPr>
+        </p:nvSpPr>
+        <p:spPr>
+          <a:xfrm>
+            <a:off x="3889375" y="4250949"/>
+            <a:ext cx="2930525" cy="576262"/>
+          </a:xfrm>
+        </p:spPr>
+        <p:txBody>
+          <a:bodyPr anchor="b">
+            <a:noAutofit/>
+          </a:bodyPr>
+          <a:lstStyle>
+            <a:lvl1pPr marL="0" indent="0">
+              <a:buNone/>
+              <a:defRPr sz="2400" b="0">
                 <a:solidFill>
-                  <a:schemeClr val="tx1">
-                    <a:lumMod val="65000"/>
-                    <a:lumOff val="35000"/>
+                  <a:schemeClr val="bg2">
+                    <a:lumMod val="40000"/>
+                    <a:lumOff val="60000"/>
                   </a:schemeClr>
                 </a:solidFill>
               </a:defRPr>
             </a:lvl1pPr>
+            <a:lvl2pPr marL="457200" indent="0">
+              <a:buNone/>
+              <a:defRPr sz="2000" b="1"/>
+            </a:lvl2pPr>
+            <a:lvl3pPr marL="914400" indent="0">
+              <a:buNone/>
+              <a:defRPr sz="1800" b="1"/>
+            </a:lvl3pPr>
+            <a:lvl4pPr marL="1371600" indent="0">
+              <a:buNone/>
+              <a:defRPr sz="1600" b="1"/>
+            </a:lvl4pPr>
+            <a:lvl5pPr marL="1828800" indent="0">
+              <a:buNone/>
+              <a:defRPr sz="1600" b="1"/>
+            </a:lvl5pPr>
+            <a:lvl6pPr marL="2286000" indent="0">
+              <a:buNone/>
+              <a:defRPr sz="1600" b="1"/>
+            </a:lvl6pPr>
+            <a:lvl7pPr marL="2743200" indent="0">
+              <a:buNone/>
+              <a:defRPr sz="1600" b="1"/>
+            </a:lvl7pPr>
+            <a:lvl8pPr marL="3200400" indent="0">
+              <a:buNone/>
+              <a:defRPr sz="1600" b="1"/>
+            </a:lvl8pPr>
+            <a:lvl9pPr marL="3657600" indent="0">
+              <a:buNone/>
+              <a:defRPr sz="1600" b="1"/>
+            </a:lvl9pPr>
           </a:lstStyle>
           <a:p>
-            <a:pPr marL="0" lvl="0" indent="0">
-              <a:buNone/>
-            </a:pPr>
+            <a:pPr lvl="0"/>
             <a:r>
               <a:rPr lang="en-US" smtClean="0"/>
               <a:t>Click to edit Master text styles</a:t>
@@ -2075,7 +2412,451 @@
       </p:sp>
       <p:sp>
         <p:nvSpPr>
-          <p:cNvPr id="5" name="Date Placeholder 4"/>
+          <p:cNvPr id="30" name="Picture Placeholder 2"/>
+          <p:cNvSpPr>
+            <a:spLocks noGrp="1" noChangeAspect="1"/>
+          </p:cNvSpPr>
+          <p:nvPr>
+            <p:ph type="pic" idx="21"/>
+          </p:nvPr>
+        </p:nvSpPr>
+        <p:spPr>
+          <a:xfrm>
+            <a:off x="3889374" y="2209800"/>
+            <a:ext cx="2930525" cy="1524000"/>
+          </a:xfrm>
+          <a:prstGeom prst="roundRect">
+            <a:avLst>
+              <a:gd name="adj" fmla="val 1858"/>
+            </a:avLst>
+          </a:prstGeom>
+          <a:effectLst>
+            <a:outerShdw blurRad="50800" dist="50800" dir="5400000" algn="tl" rotWithShape="0">
+              <a:srgbClr val="000000">
+                <a:alpha val="43000"/>
+              </a:srgbClr>
+            </a:outerShdw>
+          </a:effectLst>
+        </p:spPr>
+        <p:txBody>
+          <a:bodyPr anchor="t">
+            <a:normAutofit/>
+          </a:bodyPr>
+          <a:lstStyle>
+            <a:lvl1pPr marL="0" indent="0" algn="ctr">
+              <a:buNone/>
+              <a:defRPr sz="1600"/>
+            </a:lvl1pPr>
+            <a:lvl2pPr marL="457200" indent="0">
+              <a:buNone/>
+              <a:defRPr sz="1600"/>
+            </a:lvl2pPr>
+            <a:lvl3pPr marL="914400" indent="0">
+              <a:buNone/>
+              <a:defRPr sz="1600"/>
+            </a:lvl3pPr>
+            <a:lvl4pPr marL="1371600" indent="0">
+              <a:buNone/>
+              <a:defRPr sz="1600"/>
+            </a:lvl4pPr>
+            <a:lvl5pPr marL="1828800" indent="0">
+              <a:buNone/>
+              <a:defRPr sz="1600"/>
+            </a:lvl5pPr>
+            <a:lvl6pPr marL="2286000" indent="0">
+              <a:buNone/>
+              <a:defRPr sz="1600"/>
+            </a:lvl6pPr>
+            <a:lvl7pPr marL="2743200" indent="0">
+              <a:buNone/>
+              <a:defRPr sz="1600"/>
+            </a:lvl7pPr>
+            <a:lvl8pPr marL="3200400" indent="0">
+              <a:buNone/>
+              <a:defRPr sz="1600"/>
+            </a:lvl8pPr>
+            <a:lvl9pPr marL="3657600" indent="0">
+              <a:buNone/>
+              <a:defRPr sz="1600"/>
+            </a:lvl9pPr>
+          </a:lstStyle>
+          <a:p>
+            <a:r>
+              <a:rPr lang="en-US" smtClean="0"/>
+              <a:t>Click icon to add picture</a:t>
+            </a:r>
+            <a:endParaRPr lang="en-US" dirty="0"/>
+          </a:p>
+        </p:txBody>
+      </p:sp>
+      <p:sp>
+        <p:nvSpPr>
+          <p:cNvPr id="23" name="Text Placeholder 3"/>
+          <p:cNvSpPr>
+            <a:spLocks noGrp="1"/>
+          </p:cNvSpPr>
+          <p:nvPr>
+            <p:ph type="body" sz="half" idx="19"/>
+          </p:nvPr>
+        </p:nvSpPr>
+        <p:spPr>
+          <a:xfrm>
+            <a:off x="3888022" y="4827210"/>
+            <a:ext cx="2934406" cy="659189"/>
+          </a:xfrm>
+        </p:spPr>
+        <p:txBody>
+          <a:bodyPr anchor="t">
+            <a:normAutofit/>
+          </a:bodyPr>
+          <a:lstStyle>
+            <a:lvl1pPr marL="0" indent="0">
+              <a:buNone/>
+              <a:defRPr sz="1400"/>
+            </a:lvl1pPr>
+            <a:lvl2pPr marL="457200" indent="0">
+              <a:buNone/>
+              <a:defRPr sz="1200"/>
+            </a:lvl2pPr>
+            <a:lvl3pPr marL="914400" indent="0">
+              <a:buNone/>
+              <a:defRPr sz="1000"/>
+            </a:lvl3pPr>
+            <a:lvl4pPr marL="1371600" indent="0">
+              <a:buNone/>
+              <a:defRPr sz="900"/>
+            </a:lvl4pPr>
+            <a:lvl5pPr marL="1828800" indent="0">
+              <a:buNone/>
+              <a:defRPr sz="900"/>
+            </a:lvl5pPr>
+            <a:lvl6pPr marL="2286000" indent="0">
+              <a:buNone/>
+              <a:defRPr sz="900"/>
+            </a:lvl6pPr>
+            <a:lvl7pPr marL="2743200" indent="0">
+              <a:buNone/>
+              <a:defRPr sz="900"/>
+            </a:lvl7pPr>
+            <a:lvl8pPr marL="3200400" indent="0">
+              <a:buNone/>
+              <a:defRPr sz="900"/>
+            </a:lvl8pPr>
+            <a:lvl9pPr marL="3657600" indent="0">
+              <a:buNone/>
+              <a:defRPr sz="900"/>
+            </a:lvl9pPr>
+          </a:lstStyle>
+          <a:p>
+            <a:pPr lvl="0"/>
+            <a:r>
+              <a:rPr lang="en-US" smtClean="0"/>
+              <a:t>Click to edit Master text styles</a:t>
+            </a:r>
+          </a:p>
+        </p:txBody>
+      </p:sp>
+      <p:sp>
+        <p:nvSpPr>
+          <p:cNvPr id="14" name="Text Placeholder 4"/>
+          <p:cNvSpPr>
+            <a:spLocks noGrp="1"/>
+          </p:cNvSpPr>
+          <p:nvPr>
+            <p:ph type="body" sz="quarter" idx="13"/>
+          </p:nvPr>
+        </p:nvSpPr>
+        <p:spPr>
+          <a:xfrm>
+            <a:off x="7124700" y="4250949"/>
+            <a:ext cx="2932113" cy="576262"/>
+          </a:xfrm>
+        </p:spPr>
+        <p:txBody>
+          <a:bodyPr anchor="b">
+            <a:noAutofit/>
+          </a:bodyPr>
+          <a:lstStyle>
+            <a:lvl1pPr marL="0" indent="0">
+              <a:buNone/>
+              <a:defRPr sz="2400" b="0">
+                <a:solidFill>
+                  <a:schemeClr val="bg2">
+                    <a:lumMod val="40000"/>
+                    <a:lumOff val="60000"/>
+                  </a:schemeClr>
+                </a:solidFill>
+              </a:defRPr>
+            </a:lvl1pPr>
+            <a:lvl2pPr marL="457200" indent="0">
+              <a:buNone/>
+              <a:defRPr sz="2000" b="1"/>
+            </a:lvl2pPr>
+            <a:lvl3pPr marL="914400" indent="0">
+              <a:buNone/>
+              <a:defRPr sz="1800" b="1"/>
+            </a:lvl3pPr>
+            <a:lvl4pPr marL="1371600" indent="0">
+              <a:buNone/>
+              <a:defRPr sz="1600" b="1"/>
+            </a:lvl4pPr>
+            <a:lvl5pPr marL="1828800" indent="0">
+              <a:buNone/>
+              <a:defRPr sz="1600" b="1"/>
+            </a:lvl5pPr>
+            <a:lvl6pPr marL="2286000" indent="0">
+              <a:buNone/>
+              <a:defRPr sz="1600" b="1"/>
+            </a:lvl6pPr>
+            <a:lvl7pPr marL="2743200" indent="0">
+              <a:buNone/>
+              <a:defRPr sz="1600" b="1"/>
+            </a:lvl7pPr>
+            <a:lvl8pPr marL="3200400" indent="0">
+              <a:buNone/>
+              <a:defRPr sz="1600" b="1"/>
+            </a:lvl8pPr>
+            <a:lvl9pPr marL="3657600" indent="0">
+              <a:buNone/>
+              <a:defRPr sz="1600" b="1"/>
+            </a:lvl9pPr>
+          </a:lstStyle>
+          <a:p>
+            <a:pPr lvl="0"/>
+            <a:r>
+              <a:rPr lang="en-US" smtClean="0"/>
+              <a:t>Click to edit Master text styles</a:t>
+            </a:r>
+          </a:p>
+        </p:txBody>
+      </p:sp>
+      <p:sp>
+        <p:nvSpPr>
+          <p:cNvPr id="31" name="Picture Placeholder 2"/>
+          <p:cNvSpPr>
+            <a:spLocks noGrp="1" noChangeAspect="1"/>
+          </p:cNvSpPr>
+          <p:nvPr>
+            <p:ph type="pic" idx="22"/>
+          </p:nvPr>
+        </p:nvSpPr>
+        <p:spPr>
+          <a:xfrm>
+            <a:off x="7124699" y="2209800"/>
+            <a:ext cx="2932113" cy="1524000"/>
+          </a:xfrm>
+          <a:prstGeom prst="roundRect">
+            <a:avLst>
+              <a:gd name="adj" fmla="val 1858"/>
+            </a:avLst>
+          </a:prstGeom>
+          <a:effectLst>
+            <a:outerShdw blurRad="50800" dist="50800" dir="5400000" algn="tl" rotWithShape="0">
+              <a:srgbClr val="000000">
+                <a:alpha val="43000"/>
+              </a:srgbClr>
+            </a:outerShdw>
+          </a:effectLst>
+        </p:spPr>
+        <p:txBody>
+          <a:bodyPr anchor="t">
+            <a:normAutofit/>
+          </a:bodyPr>
+          <a:lstStyle>
+            <a:lvl1pPr marL="0" indent="0" algn="ctr">
+              <a:buNone/>
+              <a:defRPr sz="1600"/>
+            </a:lvl1pPr>
+            <a:lvl2pPr marL="457200" indent="0">
+              <a:buNone/>
+              <a:defRPr sz="1600"/>
+            </a:lvl2pPr>
+            <a:lvl3pPr marL="914400" indent="0">
+              <a:buNone/>
+              <a:defRPr sz="1600"/>
+            </a:lvl3pPr>
+            <a:lvl4pPr marL="1371600" indent="0">
+              <a:buNone/>
+              <a:defRPr sz="1600"/>
+            </a:lvl4pPr>
+            <a:lvl5pPr marL="1828800" indent="0">
+              <a:buNone/>
+              <a:defRPr sz="1600"/>
+            </a:lvl5pPr>
+            <a:lvl6pPr marL="2286000" indent="0">
+              <a:buNone/>
+              <a:defRPr sz="1600"/>
+            </a:lvl6pPr>
+            <a:lvl7pPr marL="2743200" indent="0">
+              <a:buNone/>
+              <a:defRPr sz="1600"/>
+            </a:lvl7pPr>
+            <a:lvl8pPr marL="3200400" indent="0">
+              <a:buNone/>
+              <a:defRPr sz="1600"/>
+            </a:lvl8pPr>
+            <a:lvl9pPr marL="3657600" indent="0">
+              <a:buNone/>
+              <a:defRPr sz="1600"/>
+            </a:lvl9pPr>
+          </a:lstStyle>
+          <a:p>
+            <a:r>
+              <a:rPr lang="en-US" smtClean="0"/>
+              <a:t>Click icon to add picture</a:t>
+            </a:r>
+            <a:endParaRPr lang="en-US" dirty="0"/>
+          </a:p>
+        </p:txBody>
+      </p:sp>
+      <p:sp>
+        <p:nvSpPr>
+          <p:cNvPr id="24" name="Text Placeholder 3"/>
+          <p:cNvSpPr>
+            <a:spLocks noGrp="1"/>
+          </p:cNvSpPr>
+          <p:nvPr>
+            <p:ph type="body" sz="half" idx="20"/>
+          </p:nvPr>
+        </p:nvSpPr>
+        <p:spPr>
+          <a:xfrm>
+            <a:off x="7124575" y="4827208"/>
+            <a:ext cx="2935997" cy="659189"/>
+          </a:xfrm>
+        </p:spPr>
+        <p:txBody>
+          <a:bodyPr anchor="t">
+            <a:normAutofit/>
+          </a:bodyPr>
+          <a:lstStyle>
+            <a:lvl1pPr marL="0" indent="0">
+              <a:buNone/>
+              <a:defRPr sz="1400"/>
+            </a:lvl1pPr>
+            <a:lvl2pPr marL="457200" indent="0">
+              <a:buNone/>
+              <a:defRPr sz="1200"/>
+            </a:lvl2pPr>
+            <a:lvl3pPr marL="914400" indent="0">
+              <a:buNone/>
+              <a:defRPr sz="1000"/>
+            </a:lvl3pPr>
+            <a:lvl4pPr marL="1371600" indent="0">
+              <a:buNone/>
+              <a:defRPr sz="900"/>
+            </a:lvl4pPr>
+            <a:lvl5pPr marL="1828800" indent="0">
+              <a:buNone/>
+              <a:defRPr sz="900"/>
+            </a:lvl5pPr>
+            <a:lvl6pPr marL="2286000" indent="0">
+              <a:buNone/>
+              <a:defRPr sz="900"/>
+            </a:lvl6pPr>
+            <a:lvl7pPr marL="2743200" indent="0">
+              <a:buNone/>
+              <a:defRPr sz="900"/>
+            </a:lvl7pPr>
+            <a:lvl8pPr marL="3200400" indent="0">
+              <a:buNone/>
+              <a:defRPr sz="900"/>
+            </a:lvl8pPr>
+            <a:lvl9pPr marL="3657600" indent="0">
+              <a:buNone/>
+              <a:defRPr sz="900"/>
+            </a:lvl9pPr>
+          </a:lstStyle>
+          <a:p>
+            <a:pPr lvl="0"/>
+            <a:r>
+              <a:rPr lang="en-US" smtClean="0"/>
+              <a:t>Click to edit Master text styles</a:t>
+            </a:r>
+          </a:p>
+        </p:txBody>
+      </p:sp>
+      <p:cxnSp>
+        <p:nvCxnSpPr>
+          <p:cNvPr id="19" name="Straight Connector 18"/>
+          <p:cNvCxnSpPr/>
+          <p:nvPr/>
+        </p:nvCxnSpPr>
+        <p:spPr>
+          <a:xfrm>
+            <a:off x="3726142" y="2133600"/>
+            <a:ext cx="0" cy="3962400"/>
+          </a:xfrm>
+          <a:prstGeom prst="line">
+            <a:avLst/>
+          </a:prstGeom>
+          <a:ln w="12700" cmpd="sng">
+            <a:solidFill>
+              <a:schemeClr val="bg2">
+                <a:lumMod val="40000"/>
+                <a:lumOff val="60000"/>
+                <a:alpha val="40000"/>
+              </a:schemeClr>
+            </a:solidFill>
+          </a:ln>
+        </p:spPr>
+        <p:style>
+          <a:lnRef idx="2">
+            <a:schemeClr val="accent1"/>
+          </a:lnRef>
+          <a:fillRef idx="0">
+            <a:schemeClr val="accent1"/>
+          </a:fillRef>
+          <a:effectRef idx="1">
+            <a:schemeClr val="accent1"/>
+          </a:effectRef>
+          <a:fontRef idx="minor">
+            <a:schemeClr val="tx1"/>
+          </a:fontRef>
+        </p:style>
+      </p:cxnSp>
+      <p:cxnSp>
+        <p:nvCxnSpPr>
+          <p:cNvPr id="20" name="Straight Connector 19"/>
+          <p:cNvCxnSpPr/>
+          <p:nvPr/>
+        </p:nvCxnSpPr>
+        <p:spPr>
+          <a:xfrm>
+            <a:off x="6962227" y="2133600"/>
+            <a:ext cx="0" cy="3966882"/>
+          </a:xfrm>
+          <a:prstGeom prst="line">
+            <a:avLst/>
+          </a:prstGeom>
+          <a:ln w="12700" cmpd="sng">
+            <a:solidFill>
+              <a:schemeClr val="bg2">
+                <a:lumMod val="40000"/>
+                <a:lumOff val="60000"/>
+                <a:alpha val="40000"/>
+              </a:schemeClr>
+            </a:solidFill>
+          </a:ln>
+        </p:spPr>
+        <p:style>
+          <a:lnRef idx="2">
+            <a:schemeClr val="accent1"/>
+          </a:lnRef>
+          <a:fillRef idx="0">
+            <a:schemeClr val="accent1"/>
+          </a:fillRef>
+          <a:effectRef idx="1">
+            <a:schemeClr val="accent1"/>
+          </a:effectRef>
+          <a:fontRef idx="minor">
+            <a:schemeClr val="tx1"/>
+          </a:fontRef>
+        </p:style>
+      </p:cxnSp>
+      <p:sp>
+        <p:nvSpPr>
+          <p:cNvPr id="7" name="Date Placeholder 3"/>
           <p:cNvSpPr>
             <a:spLocks noGrp="1"/>
           </p:cNvSpPr>
@@ -2090,7 +2871,7 @@
           <a:p>
             <a:fld id="{5C14DCE7-D199-4F9B-A217-DE89E664B56E}" type="datetimeFigureOut">
               <a:rPr lang="en-US" smtClean="0"/>
-              <a:t>12/19/2019</a:t>
+              <a:t>28/12/2019</a:t>
             </a:fld>
             <a:endParaRPr lang="en-US"/>
           </a:p>
@@ -2098,7 +2879,7 @@
       </p:sp>
       <p:sp>
         <p:nvSpPr>
-          <p:cNvPr id="6" name="Footer Placeholder 5"/>
+          <p:cNvPr id="4" name="Footer Placeholder 4"/>
           <p:cNvSpPr>
             <a:spLocks noGrp="1"/>
           </p:cNvSpPr>
@@ -2117,89 +2898,7 @@
       </p:sp>
       <p:sp>
         <p:nvSpPr>
-          <p:cNvPr id="9" name="Freeform 11"/>
-          <p:cNvSpPr/>
-          <p:nvPr/>
-        </p:nvSpPr>
-        <p:spPr bwMode="auto">
-          <a:xfrm flipV="1">
-            <a:off x="-4189" y="4911725"/>
-            <a:ext cx="1588527" cy="507297"/>
-          </a:xfrm>
-          <a:custGeom>
-            <a:avLst/>
-            <a:gdLst/>
-            <a:ahLst/>
-            <a:cxnLst/>
-            <a:rect l="l" t="t" r="r" b="b"/>
-            <a:pathLst>
-              <a:path w="9248" h="10000">
-                <a:moveTo>
-                  <a:pt x="9248" y="4701"/>
-                </a:moveTo>
-                <a:lnTo>
-                  <a:pt x="7915" y="188"/>
-                </a:lnTo>
-                <a:cubicBezTo>
-                  <a:pt x="7906" y="156"/>
-                  <a:pt x="7895" y="126"/>
-                  <a:pt x="7886" y="94"/>
-                </a:cubicBezTo>
-                <a:cubicBezTo>
-                  <a:pt x="7859" y="0"/>
-                  <a:pt x="7831" y="0"/>
-                  <a:pt x="7803" y="0"/>
-                </a:cubicBezTo>
-                <a:lnTo>
-                  <a:pt x="7275" y="0"/>
-                </a:lnTo>
-                <a:lnTo>
-                  <a:pt x="0" y="70"/>
-                </a:lnTo>
-                <a:cubicBezTo>
-                  <a:pt x="8" y="3380"/>
-                  <a:pt x="17" y="6690"/>
-                  <a:pt x="25" y="10000"/>
-                </a:cubicBezTo>
-                <a:lnTo>
-                  <a:pt x="7275" y="9966"/>
-                </a:lnTo>
-                <a:lnTo>
-                  <a:pt x="7803" y="9966"/>
-                </a:lnTo>
-                <a:cubicBezTo>
-                  <a:pt x="7831" y="9966"/>
-                  <a:pt x="7859" y="9872"/>
-                  <a:pt x="7886" y="9872"/>
-                </a:cubicBezTo>
-                <a:cubicBezTo>
-                  <a:pt x="7886" y="9778"/>
-                  <a:pt x="7915" y="9778"/>
-                  <a:pt x="7915" y="9778"/>
-                </a:cubicBezTo>
-                <a:lnTo>
-                  <a:pt x="9248" y="5265"/>
-                </a:lnTo>
-                <a:cubicBezTo>
-                  <a:pt x="9303" y="5077"/>
-                  <a:pt x="9303" y="4889"/>
-                  <a:pt x="9248" y="4701"/>
-                </a:cubicBezTo>
-                <a:close/>
-              </a:path>
-            </a:pathLst>
-          </a:custGeom>
-          <a:solidFill>
-            <a:schemeClr val="accent1"/>
-          </a:solidFill>
-          <a:ln>
-            <a:noFill/>
-          </a:ln>
-        </p:spPr>
-      </p:sp>
-      <p:sp>
-        <p:nvSpPr>
-          <p:cNvPr id="7" name="Slide Number Placeholder 6"/>
+          <p:cNvPr id="6" name="Slide Number Placeholder 5"/>
           <p:cNvSpPr>
             <a:spLocks noGrp="1"/>
           </p:cNvSpPr>
@@ -2207,12 +2906,7 @@
             <p:ph type="sldNum" sz="quarter" idx="12"/>
           </p:nvPr>
         </p:nvSpPr>
-        <p:spPr>
-          <a:xfrm>
-            <a:off x="531812" y="4983087"/>
-            <a:ext cx="779767" cy="365125"/>
-          </a:xfrm>
-        </p:spPr>
+        <p:spPr/>
         <p:txBody>
           <a:bodyPr/>
           <a:lstStyle/>
@@ -2228,7 +2922,7 @@
     </p:spTree>
     <p:extLst>
       <p:ext uri="{BB962C8B-B14F-4D97-AF65-F5344CB8AC3E}">
-        <p14:creationId xmlns:p14="http://schemas.microsoft.com/office/powerpoint/2010/main" val="4191680694"/>
+        <p14:creationId xmlns:p14="http://schemas.microsoft.com/office/powerpoint/2010/main" val="1602181310"/>
       </p:ext>
     </p:extLst>
   </p:cSld>
@@ -2238,7 +2932,7 @@
 </p:sldLayout>
 </file>
 
-<file path=ppt/slideLayouts/slideLayout15.xml><?xml version="1.0" encoding="utf-8"?>
+<file path=ppt/slideLayouts/slideLayout16.xml><?xml version="1.0" encoding="utf-8"?>
 <p:sldLayout xmlns:a="http://schemas.openxmlformats.org/drawingml/2006/main" xmlns:r="http://schemas.openxmlformats.org/officeDocument/2006/relationships" xmlns:p="http://schemas.openxmlformats.org/presentationml/2006/main" type="vertTx" preserve="1">
   <p:cSld name="Title and Vertical Text">
     <p:spTree>
@@ -2290,7 +2984,7 @@
         </p:nvSpPr>
         <p:spPr/>
         <p:txBody>
-          <a:bodyPr vert="eaVert" anchor="t"/>
+          <a:bodyPr vert="eaVert" anchor="t" anchorCtr="0"/>
           <a:lstStyle/>
           <a:p>
             <a:pPr lvl="0"/>
@@ -2347,7 +3041,7 @@
           <a:p>
             <a:fld id="{5C14DCE7-D199-4F9B-A217-DE89E664B56E}" type="datetimeFigureOut">
               <a:rPr lang="en-US" smtClean="0"/>
-              <a:t>12/19/2019</a:t>
+              <a:t>28/12/2019</a:t>
             </a:fld>
             <a:endParaRPr lang="en-US"/>
           </a:p>
@@ -2371,88 +3065,6 @@
             <a:endParaRPr lang="en-US"/>
           </a:p>
         </p:txBody>
-      </p:sp>
-      <p:sp>
-        <p:nvSpPr>
-          <p:cNvPr id="8" name="Freeform 11"/>
-          <p:cNvSpPr/>
-          <p:nvPr/>
-        </p:nvSpPr>
-        <p:spPr bwMode="auto">
-          <a:xfrm flipV="1">
-            <a:off x="-4189" y="714375"/>
-            <a:ext cx="1588527" cy="507297"/>
-          </a:xfrm>
-          <a:custGeom>
-            <a:avLst/>
-            <a:gdLst/>
-            <a:ahLst/>
-            <a:cxnLst/>
-            <a:rect l="l" t="t" r="r" b="b"/>
-            <a:pathLst>
-              <a:path w="9248" h="10000">
-                <a:moveTo>
-                  <a:pt x="9248" y="4701"/>
-                </a:moveTo>
-                <a:lnTo>
-                  <a:pt x="7915" y="188"/>
-                </a:lnTo>
-                <a:cubicBezTo>
-                  <a:pt x="7906" y="156"/>
-                  <a:pt x="7895" y="126"/>
-                  <a:pt x="7886" y="94"/>
-                </a:cubicBezTo>
-                <a:cubicBezTo>
-                  <a:pt x="7859" y="0"/>
-                  <a:pt x="7831" y="0"/>
-                  <a:pt x="7803" y="0"/>
-                </a:cubicBezTo>
-                <a:lnTo>
-                  <a:pt x="7275" y="0"/>
-                </a:lnTo>
-                <a:lnTo>
-                  <a:pt x="0" y="70"/>
-                </a:lnTo>
-                <a:cubicBezTo>
-                  <a:pt x="8" y="3380"/>
-                  <a:pt x="17" y="6690"/>
-                  <a:pt x="25" y="10000"/>
-                </a:cubicBezTo>
-                <a:lnTo>
-                  <a:pt x="7275" y="9966"/>
-                </a:lnTo>
-                <a:lnTo>
-                  <a:pt x="7803" y="9966"/>
-                </a:lnTo>
-                <a:cubicBezTo>
-                  <a:pt x="7831" y="9966"/>
-                  <a:pt x="7859" y="9872"/>
-                  <a:pt x="7886" y="9872"/>
-                </a:cubicBezTo>
-                <a:cubicBezTo>
-                  <a:pt x="7886" y="9778"/>
-                  <a:pt x="7915" y="9778"/>
-                  <a:pt x="7915" y="9778"/>
-                </a:cubicBezTo>
-                <a:lnTo>
-                  <a:pt x="9248" y="5265"/>
-                </a:lnTo>
-                <a:cubicBezTo>
-                  <a:pt x="9303" y="5077"/>
-                  <a:pt x="9303" y="4889"/>
-                  <a:pt x="9248" y="4701"/>
-                </a:cubicBezTo>
-                <a:close/>
-              </a:path>
-            </a:pathLst>
-          </a:custGeom>
-          <a:solidFill>
-            <a:schemeClr val="accent1"/>
-          </a:solidFill>
-          <a:ln>
-            <a:noFill/>
-          </a:ln>
-        </p:spPr>
       </p:sp>
       <p:sp>
         <p:nvSpPr>
@@ -2480,7 +3092,7 @@
     </p:spTree>
     <p:extLst>
       <p:ext uri="{BB962C8B-B14F-4D97-AF65-F5344CB8AC3E}">
-        <p14:creationId xmlns:p14="http://schemas.microsoft.com/office/powerpoint/2010/main" val="3224006168"/>
+        <p14:creationId xmlns:p14="http://schemas.microsoft.com/office/powerpoint/2010/main" val="2918793733"/>
       </p:ext>
     </p:extLst>
   </p:cSld>
@@ -2490,7 +3102,7 @@
 </p:sldLayout>
 </file>
 
-<file path=ppt/slideLayouts/slideLayout16.xml><?xml version="1.0" encoding="utf-8"?>
+<file path=ppt/slideLayouts/slideLayout17.xml><?xml version="1.0" encoding="utf-8"?>
 <p:sldLayout xmlns:a="http://schemas.openxmlformats.org/drawingml/2006/main" xmlns:r="http://schemas.openxmlformats.org/officeDocument/2006/relationships" xmlns:p="http://schemas.openxmlformats.org/presentationml/2006/main" type="vertTitleAndTx" preserve="1">
   <p:cSld name="Vertical Title and Text">
     <p:spTree>
@@ -2519,12 +3131,12 @@
         </p:nvSpPr>
         <p:spPr>
           <a:xfrm>
-            <a:off x="9294812" y="627405"/>
-            <a:ext cx="2207601" cy="5283817"/>
+            <a:off x="8304212" y="430213"/>
+            <a:ext cx="1752601" cy="5826125"/>
           </a:xfrm>
         </p:spPr>
         <p:txBody>
-          <a:bodyPr vert="eaVert" anchor="ctr"/>
+          <a:bodyPr vert="eaVert" anchor="b" anchorCtr="0"/>
           <a:lstStyle/>
           <a:p>
             <a:r>
@@ -2547,8 +3159,8 @@
         </p:nvSpPr>
         <p:spPr>
           <a:xfrm>
-            <a:off x="2589212" y="627405"/>
-            <a:ext cx="6477000" cy="5283817"/>
+            <a:off x="652463" y="887414"/>
+            <a:ext cx="7423149" cy="5368924"/>
           </a:xfrm>
         </p:spPr>
         <p:txBody>
@@ -2609,7 +3221,7 @@
           <a:p>
             <a:fld id="{5C14DCE7-D199-4F9B-A217-DE89E664B56E}" type="datetimeFigureOut">
               <a:rPr lang="en-US" smtClean="0"/>
-              <a:t>12/19/2019</a:t>
+              <a:t>28/12/2019</a:t>
             </a:fld>
             <a:endParaRPr lang="en-US"/>
           </a:p>
@@ -2633,88 +3245,6 @@
             <a:endParaRPr lang="en-US"/>
           </a:p>
         </p:txBody>
-      </p:sp>
-      <p:sp>
-        <p:nvSpPr>
-          <p:cNvPr id="8" name="Freeform 11"/>
-          <p:cNvSpPr/>
-          <p:nvPr/>
-        </p:nvSpPr>
-        <p:spPr bwMode="auto">
-          <a:xfrm flipV="1">
-            <a:off x="-4189" y="714375"/>
-            <a:ext cx="1588527" cy="507297"/>
-          </a:xfrm>
-          <a:custGeom>
-            <a:avLst/>
-            <a:gdLst/>
-            <a:ahLst/>
-            <a:cxnLst/>
-            <a:rect l="l" t="t" r="r" b="b"/>
-            <a:pathLst>
-              <a:path w="9248" h="10000">
-                <a:moveTo>
-                  <a:pt x="9248" y="4701"/>
-                </a:moveTo>
-                <a:lnTo>
-                  <a:pt x="7915" y="188"/>
-                </a:lnTo>
-                <a:cubicBezTo>
-                  <a:pt x="7906" y="156"/>
-                  <a:pt x="7895" y="126"/>
-                  <a:pt x="7886" y="94"/>
-                </a:cubicBezTo>
-                <a:cubicBezTo>
-                  <a:pt x="7859" y="0"/>
-                  <a:pt x="7831" y="0"/>
-                  <a:pt x="7803" y="0"/>
-                </a:cubicBezTo>
-                <a:lnTo>
-                  <a:pt x="7275" y="0"/>
-                </a:lnTo>
-                <a:lnTo>
-                  <a:pt x="0" y="70"/>
-                </a:lnTo>
-                <a:cubicBezTo>
-                  <a:pt x="8" y="3380"/>
-                  <a:pt x="17" y="6690"/>
-                  <a:pt x="25" y="10000"/>
-                </a:cubicBezTo>
-                <a:lnTo>
-                  <a:pt x="7275" y="9966"/>
-                </a:lnTo>
-                <a:lnTo>
-                  <a:pt x="7803" y="9966"/>
-                </a:lnTo>
-                <a:cubicBezTo>
-                  <a:pt x="7831" y="9966"/>
-                  <a:pt x="7859" y="9872"/>
-                  <a:pt x="7886" y="9872"/>
-                </a:cubicBezTo>
-                <a:cubicBezTo>
-                  <a:pt x="7886" y="9778"/>
-                  <a:pt x="7915" y="9778"/>
-                  <a:pt x="7915" y="9778"/>
-                </a:cubicBezTo>
-                <a:lnTo>
-                  <a:pt x="9248" y="5265"/>
-                </a:lnTo>
-                <a:cubicBezTo>
-                  <a:pt x="9303" y="5077"/>
-                  <a:pt x="9303" y="4889"/>
-                  <a:pt x="9248" y="4701"/>
-                </a:cubicBezTo>
-                <a:close/>
-              </a:path>
-            </a:pathLst>
-          </a:custGeom>
-          <a:solidFill>
-            <a:schemeClr val="accent1"/>
-          </a:solidFill>
-          <a:ln>
-            <a:noFill/>
-          </a:ln>
-        </p:spPr>
       </p:sp>
       <p:sp>
         <p:nvSpPr>
@@ -2742,7 +3272,7 @@
     </p:spTree>
     <p:extLst>
       <p:ext uri="{BB962C8B-B14F-4D97-AF65-F5344CB8AC3E}">
-        <p14:creationId xmlns:p14="http://schemas.microsoft.com/office/powerpoint/2010/main" val="3647969650"/>
+        <p14:creationId xmlns:p14="http://schemas.microsoft.com/office/powerpoint/2010/main" val="3760234296"/>
       </p:ext>
     </p:extLst>
   </p:cSld>
@@ -2779,12 +3309,7 @@
             <p:ph type="title"/>
           </p:nvPr>
         </p:nvSpPr>
-        <p:spPr>
-          <a:xfrm>
-            <a:off x="2592925" y="624110"/>
-            <a:ext cx="8911687" cy="1280890"/>
-          </a:xfrm>
-        </p:spPr>
+        <p:spPr/>
         <p:txBody>
           <a:bodyPr/>
           <a:lstStyle/>
@@ -2807,12 +3332,7 @@
             <p:ph idx="1"/>
           </p:nvPr>
         </p:nvSpPr>
-        <p:spPr>
-          <a:xfrm>
-            <a:off x="2589212" y="2133600"/>
-            <a:ext cx="8915400" cy="3777622"/>
-          </a:xfrm>
-        </p:spPr>
+        <p:spPr/>
         <p:txBody>
           <a:bodyPr/>
           <a:lstStyle/>
@@ -2856,7 +3376,7 @@
       </p:sp>
       <p:sp>
         <p:nvSpPr>
-          <p:cNvPr id="4" name="Date Placeholder 3"/>
+          <p:cNvPr id="7" name="Date Placeholder 3"/>
           <p:cNvSpPr>
             <a:spLocks noGrp="1"/>
           </p:cNvSpPr>
@@ -2871,7 +3391,7 @@
           <a:p>
             <a:fld id="{5C14DCE7-D199-4F9B-A217-DE89E664B56E}" type="datetimeFigureOut">
               <a:rPr lang="en-US" smtClean="0"/>
-              <a:t>12/19/2019</a:t>
+              <a:t>28/12/2019</a:t>
             </a:fld>
             <a:endParaRPr lang="en-US"/>
           </a:p>
@@ -2895,88 +3415,6 @@
             <a:endParaRPr lang="en-US"/>
           </a:p>
         </p:txBody>
-      </p:sp>
-      <p:sp>
-        <p:nvSpPr>
-          <p:cNvPr id="8" name="Freeform 11"/>
-          <p:cNvSpPr/>
-          <p:nvPr/>
-        </p:nvSpPr>
-        <p:spPr bwMode="auto">
-          <a:xfrm flipV="1">
-            <a:off x="-4189" y="714375"/>
-            <a:ext cx="1588527" cy="507297"/>
-          </a:xfrm>
-          <a:custGeom>
-            <a:avLst/>
-            <a:gdLst/>
-            <a:ahLst/>
-            <a:cxnLst/>
-            <a:rect l="l" t="t" r="r" b="b"/>
-            <a:pathLst>
-              <a:path w="9248" h="10000">
-                <a:moveTo>
-                  <a:pt x="9248" y="4701"/>
-                </a:moveTo>
-                <a:lnTo>
-                  <a:pt x="7915" y="188"/>
-                </a:lnTo>
-                <a:cubicBezTo>
-                  <a:pt x="7906" y="156"/>
-                  <a:pt x="7895" y="126"/>
-                  <a:pt x="7886" y="94"/>
-                </a:cubicBezTo>
-                <a:cubicBezTo>
-                  <a:pt x="7859" y="0"/>
-                  <a:pt x="7831" y="0"/>
-                  <a:pt x="7803" y="0"/>
-                </a:cubicBezTo>
-                <a:lnTo>
-                  <a:pt x="7275" y="0"/>
-                </a:lnTo>
-                <a:lnTo>
-                  <a:pt x="0" y="70"/>
-                </a:lnTo>
-                <a:cubicBezTo>
-                  <a:pt x="8" y="3380"/>
-                  <a:pt x="17" y="6690"/>
-                  <a:pt x="25" y="10000"/>
-                </a:cubicBezTo>
-                <a:lnTo>
-                  <a:pt x="7275" y="9966"/>
-                </a:lnTo>
-                <a:lnTo>
-                  <a:pt x="7803" y="9966"/>
-                </a:lnTo>
-                <a:cubicBezTo>
-                  <a:pt x="7831" y="9966"/>
-                  <a:pt x="7859" y="9872"/>
-                  <a:pt x="7886" y="9872"/>
-                </a:cubicBezTo>
-                <a:cubicBezTo>
-                  <a:pt x="7886" y="9778"/>
-                  <a:pt x="7915" y="9778"/>
-                  <a:pt x="7915" y="9778"/>
-                </a:cubicBezTo>
-                <a:lnTo>
-                  <a:pt x="9248" y="5265"/>
-                </a:lnTo>
-                <a:cubicBezTo>
-                  <a:pt x="9303" y="5077"/>
-                  <a:pt x="9303" y="4889"/>
-                  <a:pt x="9248" y="4701"/>
-                </a:cubicBezTo>
-                <a:close/>
-              </a:path>
-            </a:pathLst>
-          </a:custGeom>
-          <a:solidFill>
-            <a:schemeClr val="accent1"/>
-          </a:solidFill>
-          <a:ln>
-            <a:noFill/>
-          </a:ln>
-        </p:spPr>
       </p:sp>
       <p:sp>
         <p:nvSpPr>
@@ -3004,7 +3442,7 @@
     </p:spTree>
     <p:extLst>
       <p:ext uri="{BB962C8B-B14F-4D97-AF65-F5344CB8AC3E}">
-        <p14:creationId xmlns:p14="http://schemas.microsoft.com/office/powerpoint/2010/main" val="2328000341"/>
+        <p14:creationId xmlns:p14="http://schemas.microsoft.com/office/powerpoint/2010/main" val="1021859045"/>
       </p:ext>
     </p:extLst>
   </p:cSld>
@@ -3043,8 +3481,8 @@
         </p:nvSpPr>
         <p:spPr>
           <a:xfrm>
-            <a:off x="2589212" y="2058750"/>
-            <a:ext cx="8915399" cy="1468800"/>
+            <a:off x="1154956" y="2861733"/>
+            <a:ext cx="8825657" cy="1915647"/>
           </a:xfrm>
         </p:spPr>
         <p:txBody>
@@ -3075,8 +3513,8 @@
         </p:nvSpPr>
         <p:spPr>
           <a:xfrm>
-            <a:off x="2589212" y="3530129"/>
-            <a:ext cx="8915399" cy="860400"/>
+            <a:off x="1154955" y="4777381"/>
+            <a:ext cx="8825658" cy="860400"/>
           </a:xfrm>
         </p:spPr>
         <p:txBody>
@@ -3084,11 +3522,11 @@
           <a:lstStyle>
             <a:lvl1pPr marL="0" indent="0" algn="l">
               <a:buNone/>
-              <a:defRPr sz="2000">
+              <a:defRPr sz="2000" cap="all">
                 <a:solidFill>
-                  <a:schemeClr val="tx1">
-                    <a:lumMod val="65000"/>
-                    <a:lumOff val="35000"/>
+                  <a:schemeClr val="bg2">
+                    <a:lumMod val="40000"/>
+                    <a:lumOff val="60000"/>
                   </a:schemeClr>
                 </a:solidFill>
               </a:defRPr>
@@ -3200,7 +3638,7 @@
           <a:p>
             <a:fld id="{5C14DCE7-D199-4F9B-A217-DE89E664B56E}" type="datetimeFigureOut">
               <a:rPr lang="en-US" smtClean="0"/>
-              <a:t>12/19/2019</a:t>
+              <a:t>28/12/2019</a:t>
             </a:fld>
             <a:endParaRPr lang="en-US"/>
           </a:p>
@@ -3227,88 +3665,6 @@
       </p:sp>
       <p:sp>
         <p:nvSpPr>
-          <p:cNvPr id="9" name="Freeform 11"/>
-          <p:cNvSpPr/>
-          <p:nvPr/>
-        </p:nvSpPr>
-        <p:spPr bwMode="auto">
-          <a:xfrm flipV="1">
-            <a:off x="-4189" y="3178175"/>
-            <a:ext cx="1588527" cy="507297"/>
-          </a:xfrm>
-          <a:custGeom>
-            <a:avLst/>
-            <a:gdLst/>
-            <a:ahLst/>
-            <a:cxnLst/>
-            <a:rect l="l" t="t" r="r" b="b"/>
-            <a:pathLst>
-              <a:path w="9248" h="10000">
-                <a:moveTo>
-                  <a:pt x="9248" y="4701"/>
-                </a:moveTo>
-                <a:lnTo>
-                  <a:pt x="7915" y="188"/>
-                </a:lnTo>
-                <a:cubicBezTo>
-                  <a:pt x="7906" y="156"/>
-                  <a:pt x="7895" y="126"/>
-                  <a:pt x="7886" y="94"/>
-                </a:cubicBezTo>
-                <a:cubicBezTo>
-                  <a:pt x="7859" y="0"/>
-                  <a:pt x="7831" y="0"/>
-                  <a:pt x="7803" y="0"/>
-                </a:cubicBezTo>
-                <a:lnTo>
-                  <a:pt x="7275" y="0"/>
-                </a:lnTo>
-                <a:lnTo>
-                  <a:pt x="0" y="70"/>
-                </a:lnTo>
-                <a:cubicBezTo>
-                  <a:pt x="8" y="3380"/>
-                  <a:pt x="17" y="6690"/>
-                  <a:pt x="25" y="10000"/>
-                </a:cubicBezTo>
-                <a:lnTo>
-                  <a:pt x="7275" y="9966"/>
-                </a:lnTo>
-                <a:lnTo>
-                  <a:pt x="7803" y="9966"/>
-                </a:lnTo>
-                <a:cubicBezTo>
-                  <a:pt x="7831" y="9966"/>
-                  <a:pt x="7859" y="9872"/>
-                  <a:pt x="7886" y="9872"/>
-                </a:cubicBezTo>
-                <a:cubicBezTo>
-                  <a:pt x="7886" y="9778"/>
-                  <a:pt x="7915" y="9778"/>
-                  <a:pt x="7915" y="9778"/>
-                </a:cubicBezTo>
-                <a:lnTo>
-                  <a:pt x="9248" y="5265"/>
-                </a:lnTo>
-                <a:cubicBezTo>
-                  <a:pt x="9303" y="5077"/>
-                  <a:pt x="9303" y="4889"/>
-                  <a:pt x="9248" y="4701"/>
-                </a:cubicBezTo>
-                <a:close/>
-              </a:path>
-            </a:pathLst>
-          </a:custGeom>
-          <a:solidFill>
-            <a:schemeClr val="accent1"/>
-          </a:solidFill>
-          <a:ln>
-            <a:noFill/>
-          </a:ln>
-        </p:spPr>
-      </p:sp>
-      <p:sp>
-        <p:nvSpPr>
           <p:cNvPr id="6" name="Slide Number Placeholder 5"/>
           <p:cNvSpPr>
             <a:spLocks noGrp="1"/>
@@ -3317,12 +3673,7 @@
             <p:ph type="sldNum" sz="quarter" idx="12"/>
           </p:nvPr>
         </p:nvSpPr>
-        <p:spPr>
-          <a:xfrm>
-            <a:off x="531812" y="3244139"/>
-            <a:ext cx="779767" cy="365125"/>
-          </a:xfrm>
-        </p:spPr>
+        <p:spPr/>
         <p:txBody>
           <a:bodyPr/>
           <a:lstStyle/>
@@ -3338,7 +3689,7 @@
     </p:spTree>
     <p:extLst>
       <p:ext uri="{BB962C8B-B14F-4D97-AF65-F5344CB8AC3E}">
-        <p14:creationId xmlns:p14="http://schemas.microsoft.com/office/powerpoint/2010/main" val="3655791675"/>
+        <p14:creationId xmlns:p14="http://schemas.microsoft.com/office/powerpoint/2010/main" val="3284032915"/>
       </p:ext>
     </p:extLst>
   </p:cSld>
@@ -3367,7 +3718,7 @@
       </p:grpSpPr>
       <p:sp>
         <p:nvSpPr>
-          <p:cNvPr id="8" name="Title 7"/>
+          <p:cNvPr id="2" name="Title 1"/>
           <p:cNvSpPr>
             <a:spLocks noGrp="1"/>
           </p:cNvSpPr>
@@ -3400,15 +3751,43 @@
         </p:nvSpPr>
         <p:spPr>
           <a:xfrm>
-            <a:off x="2589212" y="2133600"/>
-            <a:ext cx="4313864" cy="3777622"/>
+            <a:off x="1103312" y="2060575"/>
+            <a:ext cx="4396339" cy="4195763"/>
           </a:xfrm>
         </p:spPr>
         <p:txBody>
           <a:bodyPr>
             <a:normAutofit/>
           </a:bodyPr>
-          <a:lstStyle/>
+          <a:lstStyle>
+            <a:lvl1pPr>
+              <a:defRPr sz="1800"/>
+            </a:lvl1pPr>
+            <a:lvl2pPr>
+              <a:defRPr sz="1600"/>
+            </a:lvl2pPr>
+            <a:lvl3pPr>
+              <a:defRPr sz="1400"/>
+            </a:lvl3pPr>
+            <a:lvl4pPr>
+              <a:defRPr sz="1200"/>
+            </a:lvl4pPr>
+            <a:lvl5pPr>
+              <a:defRPr sz="1200"/>
+            </a:lvl5pPr>
+            <a:lvl6pPr>
+              <a:defRPr sz="1200"/>
+            </a:lvl6pPr>
+            <a:lvl7pPr>
+              <a:defRPr sz="1200"/>
+            </a:lvl7pPr>
+            <a:lvl8pPr>
+              <a:defRPr sz="1200"/>
+            </a:lvl8pPr>
+            <a:lvl9pPr>
+              <a:defRPr sz="1200"/>
+            </a:lvl9pPr>
+          </a:lstStyle>
           <a:p>
             <a:pPr lvl="0"/>
             <a:r>
@@ -3459,15 +3838,43 @@
         </p:nvSpPr>
         <p:spPr>
           <a:xfrm>
-            <a:off x="7190747" y="2126222"/>
-            <a:ext cx="4313864" cy="3777622"/>
+            <a:off x="5654493" y="2056092"/>
+            <a:ext cx="4396341" cy="4200245"/>
           </a:xfrm>
         </p:spPr>
         <p:txBody>
           <a:bodyPr>
             <a:normAutofit/>
           </a:bodyPr>
-          <a:lstStyle/>
+          <a:lstStyle>
+            <a:lvl1pPr>
+              <a:defRPr sz="1800"/>
+            </a:lvl1pPr>
+            <a:lvl2pPr>
+              <a:defRPr sz="1600"/>
+            </a:lvl2pPr>
+            <a:lvl3pPr>
+              <a:defRPr sz="1400"/>
+            </a:lvl3pPr>
+            <a:lvl4pPr>
+              <a:defRPr sz="1200"/>
+            </a:lvl4pPr>
+            <a:lvl5pPr>
+              <a:defRPr sz="1200"/>
+            </a:lvl5pPr>
+            <a:lvl6pPr>
+              <a:defRPr sz="1200"/>
+            </a:lvl6pPr>
+            <a:lvl7pPr>
+              <a:defRPr sz="1200"/>
+            </a:lvl7pPr>
+            <a:lvl8pPr>
+              <a:defRPr sz="1200"/>
+            </a:lvl8pPr>
+            <a:lvl9pPr>
+              <a:defRPr sz="1200"/>
+            </a:lvl9pPr>
+          </a:lstStyle>
           <a:p>
             <a:pPr lvl="0"/>
             <a:r>
@@ -3523,7 +3930,7 @@
           <a:p>
             <a:fld id="{5C14DCE7-D199-4F9B-A217-DE89E664B56E}" type="datetimeFigureOut">
               <a:rPr lang="en-US" smtClean="0"/>
-              <a:t>12/19/2019</a:t>
+              <a:t>28/12/2019</a:t>
             </a:fld>
             <a:endParaRPr lang="en-US"/>
           </a:p>
@@ -3550,89 +3957,7 @@
       </p:sp>
       <p:sp>
         <p:nvSpPr>
-          <p:cNvPr id="10" name="Freeform 11"/>
-          <p:cNvSpPr/>
-          <p:nvPr/>
-        </p:nvSpPr>
-        <p:spPr bwMode="auto">
-          <a:xfrm flipV="1">
-            <a:off x="-4189" y="714375"/>
-            <a:ext cx="1588527" cy="507297"/>
-          </a:xfrm>
-          <a:custGeom>
-            <a:avLst/>
-            <a:gdLst/>
-            <a:ahLst/>
-            <a:cxnLst/>
-            <a:rect l="l" t="t" r="r" b="b"/>
-            <a:pathLst>
-              <a:path w="9248" h="10000">
-                <a:moveTo>
-                  <a:pt x="9248" y="4701"/>
-                </a:moveTo>
-                <a:lnTo>
-                  <a:pt x="7915" y="188"/>
-                </a:lnTo>
-                <a:cubicBezTo>
-                  <a:pt x="7906" y="156"/>
-                  <a:pt x="7895" y="126"/>
-                  <a:pt x="7886" y="94"/>
-                </a:cubicBezTo>
-                <a:cubicBezTo>
-                  <a:pt x="7859" y="0"/>
-                  <a:pt x="7831" y="0"/>
-                  <a:pt x="7803" y="0"/>
-                </a:cubicBezTo>
-                <a:lnTo>
-                  <a:pt x="7275" y="0"/>
-                </a:lnTo>
-                <a:lnTo>
-                  <a:pt x="0" y="70"/>
-                </a:lnTo>
-                <a:cubicBezTo>
-                  <a:pt x="8" y="3380"/>
-                  <a:pt x="17" y="6690"/>
-                  <a:pt x="25" y="10000"/>
-                </a:cubicBezTo>
-                <a:lnTo>
-                  <a:pt x="7275" y="9966"/>
-                </a:lnTo>
-                <a:lnTo>
-                  <a:pt x="7803" y="9966"/>
-                </a:lnTo>
-                <a:cubicBezTo>
-                  <a:pt x="7831" y="9966"/>
-                  <a:pt x="7859" y="9872"/>
-                  <a:pt x="7886" y="9872"/>
-                </a:cubicBezTo>
-                <a:cubicBezTo>
-                  <a:pt x="7886" y="9778"/>
-                  <a:pt x="7915" y="9778"/>
-                  <a:pt x="7915" y="9778"/>
-                </a:cubicBezTo>
-                <a:lnTo>
-                  <a:pt x="9248" y="5265"/>
-                </a:lnTo>
-                <a:cubicBezTo>
-                  <a:pt x="9303" y="5077"/>
-                  <a:pt x="9303" y="4889"/>
-                  <a:pt x="9248" y="4701"/>
-                </a:cubicBezTo>
-                <a:close/>
-              </a:path>
-            </a:pathLst>
-          </a:custGeom>
-          <a:solidFill>
-            <a:schemeClr val="accent1"/>
-          </a:solidFill>
-          <a:ln>
-            <a:noFill/>
-          </a:ln>
-        </p:spPr>
-      </p:sp>
-      <p:sp>
-        <p:nvSpPr>
-          <p:cNvPr id="11" name="Slide Number Placeholder 5"/>
+          <p:cNvPr id="7" name="Slide Number Placeholder 6"/>
           <p:cNvSpPr>
             <a:spLocks noGrp="1"/>
           </p:cNvSpPr>
@@ -3640,12 +3965,7 @@
             <p:ph type="sldNum" sz="quarter" idx="12"/>
           </p:nvPr>
         </p:nvSpPr>
-        <p:spPr>
-          <a:xfrm>
-            <a:off x="531812" y="787782"/>
-            <a:ext cx="779767" cy="365125"/>
-          </a:xfrm>
-        </p:spPr>
+        <p:spPr/>
         <p:txBody>
           <a:bodyPr/>
           <a:lstStyle/>
@@ -3661,7 +3981,7 @@
     </p:spTree>
     <p:extLst>
       <p:ext uri="{BB962C8B-B14F-4D97-AF65-F5344CB8AC3E}">
-        <p14:creationId xmlns:p14="http://schemas.microsoft.com/office/powerpoint/2010/main" val="3106449960"/>
+        <p14:creationId xmlns:p14="http://schemas.microsoft.com/office/powerpoint/2010/main" val="1371818010"/>
       </p:ext>
     </p:extLst>
   </p:cSld>
@@ -3695,7 +4015,7 @@
       </p:grpSpPr>
       <p:sp>
         <p:nvSpPr>
-          <p:cNvPr id="10" name="Title 9"/>
+          <p:cNvPr id="2" name="Title 1"/>
           <p:cNvSpPr>
             <a:spLocks noGrp="1"/>
           </p:cNvSpPr>
@@ -3706,7 +4026,11 @@
         <p:spPr/>
         <p:txBody>
           <a:bodyPr/>
-          <a:lstStyle/>
+          <a:lstStyle>
+            <a:lvl1pPr>
+              <a:defRPr/>
+            </a:lvl1pPr>
+          </a:lstStyle>
           <a:p>
             <a:r>
               <a:rPr lang="en-US" smtClean="0"/>
@@ -3728,8 +4052,8 @@
         </p:nvSpPr>
         <p:spPr>
           <a:xfrm>
-            <a:off x="2939373" y="1972703"/>
-            <a:ext cx="3992732" cy="576262"/>
+            <a:off x="1103313" y="1905000"/>
+            <a:ext cx="4396338" cy="576262"/>
           </a:xfrm>
         </p:spPr>
         <p:txBody>
@@ -3739,7 +4063,14 @@
           <a:lstStyle>
             <a:lvl1pPr marL="0" indent="0">
               <a:buNone/>
-              <a:defRPr sz="2400" b="0"/>
+              <a:defRPr sz="2400" b="0">
+                <a:solidFill>
+                  <a:schemeClr val="bg2">
+                    <a:lumMod val="40000"/>
+                    <a:lumOff val="60000"/>
+                  </a:schemeClr>
+                </a:solidFill>
+              </a:defRPr>
             </a:lvl1pPr>
             <a:lvl2pPr marL="457200" indent="0">
               <a:buNone/>
@@ -3795,15 +4126,43 @@
         </p:nvSpPr>
         <p:spPr>
           <a:xfrm>
-            <a:off x="2589212" y="2548966"/>
-            <a:ext cx="4342893" cy="3354060"/>
+            <a:off x="1103312" y="2514600"/>
+            <a:ext cx="4396339" cy="3741738"/>
           </a:xfrm>
         </p:spPr>
         <p:txBody>
           <a:bodyPr>
             <a:normAutofit/>
           </a:bodyPr>
-          <a:lstStyle/>
+          <a:lstStyle>
+            <a:lvl1pPr>
+              <a:defRPr sz="1800"/>
+            </a:lvl1pPr>
+            <a:lvl2pPr>
+              <a:defRPr sz="1600"/>
+            </a:lvl2pPr>
+            <a:lvl3pPr>
+              <a:defRPr sz="1400"/>
+            </a:lvl3pPr>
+            <a:lvl4pPr>
+              <a:defRPr sz="1200"/>
+            </a:lvl4pPr>
+            <a:lvl5pPr>
+              <a:defRPr sz="1200"/>
+            </a:lvl5pPr>
+            <a:lvl6pPr>
+              <a:defRPr sz="1200"/>
+            </a:lvl6pPr>
+            <a:lvl7pPr>
+              <a:defRPr sz="1200"/>
+            </a:lvl7pPr>
+            <a:lvl8pPr>
+              <a:defRPr sz="1200"/>
+            </a:lvl8pPr>
+            <a:lvl9pPr>
+              <a:defRPr sz="1200"/>
+            </a:lvl9pPr>
+          </a:lstStyle>
           <a:p>
             <a:pPr lvl="0"/>
             <a:r>
@@ -3854,8 +4213,8 @@
         </p:nvSpPr>
         <p:spPr>
           <a:xfrm>
-            <a:off x="7506629" y="1969475"/>
-            <a:ext cx="3999001" cy="576262"/>
+            <a:off x="5654495" y="1905000"/>
+            <a:ext cx="4396339" cy="576262"/>
           </a:xfrm>
         </p:spPr>
         <p:txBody>
@@ -3865,7 +4224,14 @@
           <a:lstStyle>
             <a:lvl1pPr marL="0" indent="0">
               <a:buNone/>
-              <a:defRPr sz="2400" b="0"/>
+              <a:defRPr sz="2400" b="0">
+                <a:solidFill>
+                  <a:schemeClr val="bg2">
+                    <a:lumMod val="40000"/>
+                    <a:lumOff val="60000"/>
+                  </a:schemeClr>
+                </a:solidFill>
+              </a:defRPr>
             </a:lvl1pPr>
             <a:lvl2pPr marL="457200" indent="0">
               <a:buNone/>
@@ -3921,15 +4287,43 @@
         </p:nvSpPr>
         <p:spPr>
           <a:xfrm>
-            <a:off x="7166957" y="2545738"/>
-            <a:ext cx="4338674" cy="3354060"/>
+            <a:off x="5654495" y="2514600"/>
+            <a:ext cx="4396339" cy="3741738"/>
           </a:xfrm>
         </p:spPr>
         <p:txBody>
           <a:bodyPr>
             <a:normAutofit/>
           </a:bodyPr>
-          <a:lstStyle/>
+          <a:lstStyle>
+            <a:lvl1pPr>
+              <a:defRPr sz="1800"/>
+            </a:lvl1pPr>
+            <a:lvl2pPr>
+              <a:defRPr sz="1600"/>
+            </a:lvl2pPr>
+            <a:lvl3pPr>
+              <a:defRPr sz="1400"/>
+            </a:lvl3pPr>
+            <a:lvl4pPr>
+              <a:defRPr sz="1200"/>
+            </a:lvl4pPr>
+            <a:lvl5pPr>
+              <a:defRPr sz="1200"/>
+            </a:lvl5pPr>
+            <a:lvl6pPr>
+              <a:defRPr sz="1200"/>
+            </a:lvl6pPr>
+            <a:lvl7pPr>
+              <a:defRPr sz="1200"/>
+            </a:lvl7pPr>
+            <a:lvl8pPr>
+              <a:defRPr sz="1200"/>
+            </a:lvl8pPr>
+            <a:lvl9pPr>
+              <a:defRPr sz="1200"/>
+            </a:lvl9pPr>
+          </a:lstStyle>
           <a:p>
             <a:pPr lvl="0"/>
             <a:r>
@@ -3985,7 +4379,7 @@
           <a:p>
             <a:fld id="{5C14DCE7-D199-4F9B-A217-DE89E664B56E}" type="datetimeFigureOut">
               <a:rPr lang="en-US" smtClean="0"/>
-              <a:t>12/19/2019</a:t>
+              <a:t>28/12/2019</a:t>
             </a:fld>
             <a:endParaRPr lang="en-US"/>
           </a:p>
@@ -4012,89 +4406,7 @@
       </p:sp>
       <p:sp>
         <p:nvSpPr>
-          <p:cNvPr id="12" name="Freeform 11"/>
-          <p:cNvSpPr/>
-          <p:nvPr/>
-        </p:nvSpPr>
-        <p:spPr bwMode="auto">
-          <a:xfrm flipV="1">
-            <a:off x="-4189" y="714375"/>
-            <a:ext cx="1588527" cy="507297"/>
-          </a:xfrm>
-          <a:custGeom>
-            <a:avLst/>
-            <a:gdLst/>
-            <a:ahLst/>
-            <a:cxnLst/>
-            <a:rect l="l" t="t" r="r" b="b"/>
-            <a:pathLst>
-              <a:path w="9248" h="10000">
-                <a:moveTo>
-                  <a:pt x="9248" y="4701"/>
-                </a:moveTo>
-                <a:lnTo>
-                  <a:pt x="7915" y="188"/>
-                </a:lnTo>
-                <a:cubicBezTo>
-                  <a:pt x="7906" y="156"/>
-                  <a:pt x="7895" y="126"/>
-                  <a:pt x="7886" y="94"/>
-                </a:cubicBezTo>
-                <a:cubicBezTo>
-                  <a:pt x="7859" y="0"/>
-                  <a:pt x="7831" y="0"/>
-                  <a:pt x="7803" y="0"/>
-                </a:cubicBezTo>
-                <a:lnTo>
-                  <a:pt x="7275" y="0"/>
-                </a:lnTo>
-                <a:lnTo>
-                  <a:pt x="0" y="70"/>
-                </a:lnTo>
-                <a:cubicBezTo>
-                  <a:pt x="8" y="3380"/>
-                  <a:pt x="17" y="6690"/>
-                  <a:pt x="25" y="10000"/>
-                </a:cubicBezTo>
-                <a:lnTo>
-                  <a:pt x="7275" y="9966"/>
-                </a:lnTo>
-                <a:lnTo>
-                  <a:pt x="7803" y="9966"/>
-                </a:lnTo>
-                <a:cubicBezTo>
-                  <a:pt x="7831" y="9966"/>
-                  <a:pt x="7859" y="9872"/>
-                  <a:pt x="7886" y="9872"/>
-                </a:cubicBezTo>
-                <a:cubicBezTo>
-                  <a:pt x="7886" y="9778"/>
-                  <a:pt x="7915" y="9778"/>
-                  <a:pt x="7915" y="9778"/>
-                </a:cubicBezTo>
-                <a:lnTo>
-                  <a:pt x="9248" y="5265"/>
-                </a:lnTo>
-                <a:cubicBezTo>
-                  <a:pt x="9303" y="5077"/>
-                  <a:pt x="9303" y="4889"/>
-                  <a:pt x="9248" y="4701"/>
-                </a:cubicBezTo>
-                <a:close/>
-              </a:path>
-            </a:pathLst>
-          </a:custGeom>
-          <a:solidFill>
-            <a:schemeClr val="accent1"/>
-          </a:solidFill>
-          <a:ln>
-            <a:noFill/>
-          </a:ln>
-        </p:spPr>
-      </p:sp>
-      <p:sp>
-        <p:nvSpPr>
-          <p:cNvPr id="13" name="Slide Number Placeholder 5"/>
+          <p:cNvPr id="9" name="Slide Number Placeholder 8"/>
           <p:cNvSpPr>
             <a:spLocks noGrp="1"/>
           </p:cNvSpPr>
@@ -4102,12 +4414,7 @@
             <p:ph type="sldNum" sz="quarter" idx="12"/>
           </p:nvPr>
         </p:nvSpPr>
-        <p:spPr>
-          <a:xfrm>
-            <a:off x="531812" y="787782"/>
-            <a:ext cx="779767" cy="365125"/>
-          </a:xfrm>
-        </p:spPr>
+        <p:spPr/>
         <p:txBody>
           <a:bodyPr/>
           <a:lstStyle/>
@@ -4123,7 +4430,7 @@
     </p:spTree>
     <p:extLst>
       <p:ext uri="{BB962C8B-B14F-4D97-AF65-F5344CB8AC3E}">
-        <p14:creationId xmlns:p14="http://schemas.microsoft.com/office/powerpoint/2010/main" val="2126536558"/>
+        <p14:creationId xmlns:p14="http://schemas.microsoft.com/office/powerpoint/2010/main" val="4245117995"/>
       </p:ext>
     </p:extLst>
   </p:cSld>
@@ -4180,7 +4487,7 @@
       </p:sp>
       <p:sp>
         <p:nvSpPr>
-          <p:cNvPr id="3" name="Date Placeholder 2"/>
+          <p:cNvPr id="7" name="Date Placeholder 2"/>
           <p:cNvSpPr>
             <a:spLocks noGrp="1"/>
           </p:cNvSpPr>
@@ -4195,7 +4502,7 @@
           <a:p>
             <a:fld id="{5C14DCE7-D199-4F9B-A217-DE89E664B56E}" type="datetimeFigureOut">
               <a:rPr lang="en-US" smtClean="0"/>
-              <a:t>12/19/2019</a:t>
+              <a:t>28/12/2019</a:t>
             </a:fld>
             <a:endParaRPr lang="en-US"/>
           </a:p>
@@ -4203,7 +4510,7 @@
       </p:sp>
       <p:sp>
         <p:nvSpPr>
-          <p:cNvPr id="4" name="Footer Placeholder 3"/>
+          <p:cNvPr id="5" name="Footer Placeholder 3"/>
           <p:cNvSpPr>
             <a:spLocks noGrp="1"/>
           </p:cNvSpPr>
@@ -4222,89 +4529,7 @@
       </p:sp>
       <p:sp>
         <p:nvSpPr>
-          <p:cNvPr id="7" name="Freeform 11"/>
-          <p:cNvSpPr/>
-          <p:nvPr/>
-        </p:nvSpPr>
-        <p:spPr bwMode="auto">
-          <a:xfrm flipV="1">
-            <a:off x="-4189" y="714375"/>
-            <a:ext cx="1588527" cy="507297"/>
-          </a:xfrm>
-          <a:custGeom>
-            <a:avLst/>
-            <a:gdLst/>
-            <a:ahLst/>
-            <a:cxnLst/>
-            <a:rect l="l" t="t" r="r" b="b"/>
-            <a:pathLst>
-              <a:path w="9248" h="10000">
-                <a:moveTo>
-                  <a:pt x="9248" y="4701"/>
-                </a:moveTo>
-                <a:lnTo>
-                  <a:pt x="7915" y="188"/>
-                </a:lnTo>
-                <a:cubicBezTo>
-                  <a:pt x="7906" y="156"/>
-                  <a:pt x="7895" y="126"/>
-                  <a:pt x="7886" y="94"/>
-                </a:cubicBezTo>
-                <a:cubicBezTo>
-                  <a:pt x="7859" y="0"/>
-                  <a:pt x="7831" y="0"/>
-                  <a:pt x="7803" y="0"/>
-                </a:cubicBezTo>
-                <a:lnTo>
-                  <a:pt x="7275" y="0"/>
-                </a:lnTo>
-                <a:lnTo>
-                  <a:pt x="0" y="70"/>
-                </a:lnTo>
-                <a:cubicBezTo>
-                  <a:pt x="8" y="3380"/>
-                  <a:pt x="17" y="6690"/>
-                  <a:pt x="25" y="10000"/>
-                </a:cubicBezTo>
-                <a:lnTo>
-                  <a:pt x="7275" y="9966"/>
-                </a:lnTo>
-                <a:lnTo>
-                  <a:pt x="7803" y="9966"/>
-                </a:lnTo>
-                <a:cubicBezTo>
-                  <a:pt x="7831" y="9966"/>
-                  <a:pt x="7859" y="9872"/>
-                  <a:pt x="7886" y="9872"/>
-                </a:cubicBezTo>
-                <a:cubicBezTo>
-                  <a:pt x="7886" y="9778"/>
-                  <a:pt x="7915" y="9778"/>
-                  <a:pt x="7915" y="9778"/>
-                </a:cubicBezTo>
-                <a:lnTo>
-                  <a:pt x="9248" y="5265"/>
-                </a:lnTo>
-                <a:cubicBezTo>
-                  <a:pt x="9303" y="5077"/>
-                  <a:pt x="9303" y="4889"/>
-                  <a:pt x="9248" y="4701"/>
-                </a:cubicBezTo>
-                <a:close/>
-              </a:path>
-            </a:pathLst>
-          </a:custGeom>
-          <a:solidFill>
-            <a:schemeClr val="accent1"/>
-          </a:solidFill>
-          <a:ln>
-            <a:noFill/>
-          </a:ln>
-        </p:spPr>
-      </p:sp>
-      <p:sp>
-        <p:nvSpPr>
-          <p:cNvPr id="5" name="Slide Number Placeholder 4"/>
+          <p:cNvPr id="6" name="Slide Number Placeholder 4"/>
           <p:cNvSpPr>
             <a:spLocks noGrp="1"/>
           </p:cNvSpPr>
@@ -4328,7 +4553,7 @@
     </p:spTree>
     <p:extLst>
       <p:ext uri="{BB962C8B-B14F-4D97-AF65-F5344CB8AC3E}">
-        <p14:creationId xmlns:p14="http://schemas.microsoft.com/office/powerpoint/2010/main" val="2552833644"/>
+        <p14:creationId xmlns:p14="http://schemas.microsoft.com/office/powerpoint/2010/main" val="1180022530"/>
       </p:ext>
     </p:extLst>
   </p:cSld>
@@ -4357,7 +4582,7 @@
       </p:grpSpPr>
       <p:sp>
         <p:nvSpPr>
-          <p:cNvPr id="2" name="Date Placeholder 1"/>
+          <p:cNvPr id="7" name="Date Placeholder 1"/>
           <p:cNvSpPr>
             <a:spLocks noGrp="1"/>
           </p:cNvSpPr>
@@ -4372,7 +4597,7 @@
           <a:p>
             <a:fld id="{5C14DCE7-D199-4F9B-A217-DE89E664B56E}" type="datetimeFigureOut">
               <a:rPr lang="en-US" smtClean="0"/>
-              <a:t>12/19/2019</a:t>
+              <a:t>28/12/2019</a:t>
             </a:fld>
             <a:endParaRPr lang="en-US"/>
           </a:p>
@@ -4380,7 +4605,7 @@
       </p:sp>
       <p:sp>
         <p:nvSpPr>
-          <p:cNvPr id="3" name="Footer Placeholder 2"/>
+          <p:cNvPr id="5" name="Footer Placeholder 2"/>
           <p:cNvSpPr>
             <a:spLocks noGrp="1"/>
           </p:cNvSpPr>
@@ -4399,89 +4624,7 @@
       </p:sp>
       <p:sp>
         <p:nvSpPr>
-          <p:cNvPr id="6" name="Freeform 11"/>
-          <p:cNvSpPr/>
-          <p:nvPr/>
-        </p:nvSpPr>
-        <p:spPr bwMode="auto">
-          <a:xfrm flipV="1">
-            <a:off x="-4189" y="714375"/>
-            <a:ext cx="1588527" cy="507297"/>
-          </a:xfrm>
-          <a:custGeom>
-            <a:avLst/>
-            <a:gdLst/>
-            <a:ahLst/>
-            <a:cxnLst/>
-            <a:rect l="l" t="t" r="r" b="b"/>
-            <a:pathLst>
-              <a:path w="9248" h="10000">
-                <a:moveTo>
-                  <a:pt x="9248" y="4701"/>
-                </a:moveTo>
-                <a:lnTo>
-                  <a:pt x="7915" y="188"/>
-                </a:lnTo>
-                <a:cubicBezTo>
-                  <a:pt x="7906" y="156"/>
-                  <a:pt x="7895" y="126"/>
-                  <a:pt x="7886" y="94"/>
-                </a:cubicBezTo>
-                <a:cubicBezTo>
-                  <a:pt x="7859" y="0"/>
-                  <a:pt x="7831" y="0"/>
-                  <a:pt x="7803" y="0"/>
-                </a:cubicBezTo>
-                <a:lnTo>
-                  <a:pt x="7275" y="0"/>
-                </a:lnTo>
-                <a:lnTo>
-                  <a:pt x="0" y="70"/>
-                </a:lnTo>
-                <a:cubicBezTo>
-                  <a:pt x="8" y="3380"/>
-                  <a:pt x="17" y="6690"/>
-                  <a:pt x="25" y="10000"/>
-                </a:cubicBezTo>
-                <a:lnTo>
-                  <a:pt x="7275" y="9966"/>
-                </a:lnTo>
-                <a:lnTo>
-                  <a:pt x="7803" y="9966"/>
-                </a:lnTo>
-                <a:cubicBezTo>
-                  <a:pt x="7831" y="9966"/>
-                  <a:pt x="7859" y="9872"/>
-                  <a:pt x="7886" y="9872"/>
-                </a:cubicBezTo>
-                <a:cubicBezTo>
-                  <a:pt x="7886" y="9778"/>
-                  <a:pt x="7915" y="9778"/>
-                  <a:pt x="7915" y="9778"/>
-                </a:cubicBezTo>
-                <a:lnTo>
-                  <a:pt x="9248" y="5265"/>
-                </a:lnTo>
-                <a:cubicBezTo>
-                  <a:pt x="9303" y="5077"/>
-                  <a:pt x="9303" y="4889"/>
-                  <a:pt x="9248" y="4701"/>
-                </a:cubicBezTo>
-                <a:close/>
-              </a:path>
-            </a:pathLst>
-          </a:custGeom>
-          <a:solidFill>
-            <a:schemeClr val="accent1"/>
-          </a:solidFill>
-          <a:ln>
-            <a:noFill/>
-          </a:ln>
-        </p:spPr>
-      </p:sp>
-      <p:sp>
-        <p:nvSpPr>
-          <p:cNvPr id="4" name="Slide Number Placeholder 3"/>
+          <p:cNvPr id="6" name="Slide Number Placeholder 3"/>
           <p:cNvSpPr>
             <a:spLocks noGrp="1"/>
           </p:cNvSpPr>
@@ -4505,7 +4648,7 @@
     </p:spTree>
     <p:extLst>
       <p:ext uri="{BB962C8B-B14F-4D97-AF65-F5344CB8AC3E}">
-        <p14:creationId xmlns:p14="http://schemas.microsoft.com/office/powerpoint/2010/main" val="1971062854"/>
+        <p14:creationId xmlns:p14="http://schemas.microsoft.com/office/powerpoint/2010/main" val="3764106567"/>
       </p:ext>
     </p:extLst>
   </p:cSld>
@@ -4544,15 +4687,15 @@
         </p:nvSpPr>
         <p:spPr>
           <a:xfrm>
-            <a:off x="2589212" y="446088"/>
-            <a:ext cx="3505199" cy="976312"/>
+            <a:off x="1154953" y="1447800"/>
+            <a:ext cx="3401064" cy="1447800"/>
           </a:xfrm>
         </p:spPr>
         <p:txBody>
           <a:bodyPr anchor="b"/>
           <a:lstStyle>
             <a:lvl1pPr algn="l">
-              <a:defRPr sz="2000" b="0"/>
+              <a:defRPr sz="2400" b="0"/>
             </a:lvl1pPr>
           </a:lstStyle>
           <a:p>
@@ -4576,15 +4719,43 @@
         </p:nvSpPr>
         <p:spPr>
           <a:xfrm>
-            <a:off x="6323012" y="446088"/>
-            <a:ext cx="5181600" cy="5414963"/>
+            <a:off x="4784616" y="1447800"/>
+            <a:ext cx="5195997" cy="4572000"/>
           </a:xfrm>
         </p:spPr>
         <p:txBody>
           <a:bodyPr anchor="ctr">
             <a:normAutofit/>
           </a:bodyPr>
-          <a:lstStyle/>
+          <a:lstStyle>
+            <a:lvl1pPr>
+              <a:defRPr sz="2000"/>
+            </a:lvl1pPr>
+            <a:lvl2pPr>
+              <a:defRPr sz="1800"/>
+            </a:lvl2pPr>
+            <a:lvl3pPr>
+              <a:defRPr sz="1600"/>
+            </a:lvl3pPr>
+            <a:lvl4pPr>
+              <a:defRPr sz="1400"/>
+            </a:lvl4pPr>
+            <a:lvl5pPr>
+              <a:defRPr sz="1400"/>
+            </a:lvl5pPr>
+            <a:lvl6pPr>
+              <a:defRPr sz="1400"/>
+            </a:lvl6pPr>
+            <a:lvl7pPr>
+              <a:defRPr sz="1400"/>
+            </a:lvl7pPr>
+            <a:lvl8pPr>
+              <a:defRPr sz="1400"/>
+            </a:lvl8pPr>
+            <a:lvl9pPr>
+              <a:defRPr sz="1400"/>
+            </a:lvl9pPr>
+          </a:lstStyle>
           <a:p>
             <a:pPr lvl="0"/>
             <a:r>
@@ -4635,8 +4806,8 @@
         </p:nvSpPr>
         <p:spPr>
           <a:xfrm>
-            <a:off x="2589212" y="1598613"/>
-            <a:ext cx="3505199" cy="4262436"/>
+            <a:off x="1154953" y="3129280"/>
+            <a:ext cx="3401063" cy="2895599"/>
           </a:xfrm>
         </p:spPr>
         <p:txBody>
@@ -4690,7 +4861,7 @@
       </p:sp>
       <p:sp>
         <p:nvSpPr>
-          <p:cNvPr id="5" name="Date Placeholder 4"/>
+          <p:cNvPr id="7" name="Date Placeholder 4"/>
           <p:cNvSpPr>
             <a:spLocks noGrp="1"/>
           </p:cNvSpPr>
@@ -4705,7 +4876,7 @@
           <a:p>
             <a:fld id="{5C14DCE7-D199-4F9B-A217-DE89E664B56E}" type="datetimeFigureOut">
               <a:rPr lang="en-US" smtClean="0"/>
-              <a:t>12/19/2019</a:t>
+              <a:t>28/12/2019</a:t>
             </a:fld>
             <a:endParaRPr lang="en-US"/>
           </a:p>
@@ -4713,7 +4884,7 @@
       </p:sp>
       <p:sp>
         <p:nvSpPr>
-          <p:cNvPr id="6" name="Footer Placeholder 5"/>
+          <p:cNvPr id="5" name="Footer Placeholder 5"/>
           <p:cNvSpPr>
             <a:spLocks noGrp="1"/>
           </p:cNvSpPr>
@@ -4732,89 +4903,7 @@
       </p:sp>
       <p:sp>
         <p:nvSpPr>
-          <p:cNvPr id="9" name="Freeform 11"/>
-          <p:cNvSpPr/>
-          <p:nvPr/>
-        </p:nvSpPr>
-        <p:spPr bwMode="auto">
-          <a:xfrm flipV="1">
-            <a:off x="-4189" y="714375"/>
-            <a:ext cx="1588527" cy="507297"/>
-          </a:xfrm>
-          <a:custGeom>
-            <a:avLst/>
-            <a:gdLst/>
-            <a:ahLst/>
-            <a:cxnLst/>
-            <a:rect l="l" t="t" r="r" b="b"/>
-            <a:pathLst>
-              <a:path w="9248" h="10000">
-                <a:moveTo>
-                  <a:pt x="9248" y="4701"/>
-                </a:moveTo>
-                <a:lnTo>
-                  <a:pt x="7915" y="188"/>
-                </a:lnTo>
-                <a:cubicBezTo>
-                  <a:pt x="7906" y="156"/>
-                  <a:pt x="7895" y="126"/>
-                  <a:pt x="7886" y="94"/>
-                </a:cubicBezTo>
-                <a:cubicBezTo>
-                  <a:pt x="7859" y="0"/>
-                  <a:pt x="7831" y="0"/>
-                  <a:pt x="7803" y="0"/>
-                </a:cubicBezTo>
-                <a:lnTo>
-                  <a:pt x="7275" y="0"/>
-                </a:lnTo>
-                <a:lnTo>
-                  <a:pt x="0" y="70"/>
-                </a:lnTo>
-                <a:cubicBezTo>
-                  <a:pt x="8" y="3380"/>
-                  <a:pt x="17" y="6690"/>
-                  <a:pt x="25" y="10000"/>
-                </a:cubicBezTo>
-                <a:lnTo>
-                  <a:pt x="7275" y="9966"/>
-                </a:lnTo>
-                <a:lnTo>
-                  <a:pt x="7803" y="9966"/>
-                </a:lnTo>
-                <a:cubicBezTo>
-                  <a:pt x="7831" y="9966"/>
-                  <a:pt x="7859" y="9872"/>
-                  <a:pt x="7886" y="9872"/>
-                </a:cubicBezTo>
-                <a:cubicBezTo>
-                  <a:pt x="7886" y="9778"/>
-                  <a:pt x="7915" y="9778"/>
-                  <a:pt x="7915" y="9778"/>
-                </a:cubicBezTo>
-                <a:lnTo>
-                  <a:pt x="9248" y="5265"/>
-                </a:lnTo>
-                <a:cubicBezTo>
-                  <a:pt x="9303" y="5077"/>
-                  <a:pt x="9303" y="4889"/>
-                  <a:pt x="9248" y="4701"/>
-                </a:cubicBezTo>
-                <a:close/>
-              </a:path>
-            </a:pathLst>
-          </a:custGeom>
-          <a:solidFill>
-            <a:schemeClr val="accent1"/>
-          </a:solidFill>
-          <a:ln>
-            <a:noFill/>
-          </a:ln>
-        </p:spPr>
-      </p:sp>
-      <p:sp>
-        <p:nvSpPr>
-          <p:cNvPr id="7" name="Slide Number Placeholder 6"/>
+          <p:cNvPr id="6" name="Slide Number Placeholder 6"/>
           <p:cNvSpPr>
             <a:spLocks noGrp="1"/>
           </p:cNvSpPr>
@@ -4838,7 +4927,7 @@
     </p:spTree>
     <p:extLst>
       <p:ext uri="{BB962C8B-B14F-4D97-AF65-F5344CB8AC3E}">
-        <p14:creationId xmlns:p14="http://schemas.microsoft.com/office/powerpoint/2010/main" val="4257623290"/>
+        <p14:creationId xmlns:p14="http://schemas.microsoft.com/office/powerpoint/2010/main" val="1262572169"/>
       </p:ext>
     </p:extLst>
   </p:cSld>
@@ -4882,8 +4971,8 @@
         </p:nvSpPr>
         <p:spPr>
           <a:xfrm>
-            <a:off x="2589213" y="4800600"/>
-            <a:ext cx="8915400" cy="566738"/>
+            <a:off x="1153907" y="1854192"/>
+            <a:ext cx="5092906" cy="1574808"/>
           </a:xfrm>
         </p:spPr>
         <p:txBody>
@@ -4892,7 +4981,7 @@
           </a:bodyPr>
           <a:lstStyle>
             <a:lvl1pPr algn="l">
-              <a:defRPr sz="2400" b="0"/>
+              <a:defRPr sz="3600" b="0"/>
             </a:lvl1pPr>
           </a:lstStyle>
           <a:p>
@@ -4916,9 +5005,21 @@
         </p:nvSpPr>
         <p:spPr>
           <a:xfrm>
-            <a:off x="2589212" y="634965"/>
-            <a:ext cx="8915400" cy="3854970"/>
+            <a:off x="6949546" y="1143000"/>
+            <a:ext cx="3200400" cy="4572000"/>
           </a:xfrm>
+          <a:prstGeom prst="roundRect">
+            <a:avLst>
+              <a:gd name="adj" fmla="val 1858"/>
+            </a:avLst>
+          </a:prstGeom>
+          <a:effectLst>
+            <a:outerShdw blurRad="50800" dist="50800" dir="5400000" algn="tl" rotWithShape="0">
+              <a:srgbClr val="000000">
+                <a:alpha val="43000"/>
+              </a:srgbClr>
+            </a:outerShdw>
+          </a:effectLst>
         </p:spPr>
         <p:txBody>
           <a:bodyPr anchor="t">
@@ -4983,8 +5084,8 @@
         </p:nvSpPr>
         <p:spPr>
           <a:xfrm>
-            <a:off x="2589213" y="5367338"/>
-            <a:ext cx="8915400" cy="493712"/>
+            <a:off x="1154954" y="3657600"/>
+            <a:ext cx="5084979" cy="1371600"/>
           </a:xfrm>
         </p:spPr>
         <p:txBody>
@@ -4994,7 +5095,7 @@
           <a:lstStyle>
             <a:lvl1pPr marL="0" indent="0">
               <a:buNone/>
-              <a:defRPr sz="1200"/>
+              <a:defRPr sz="1400"/>
             </a:lvl1pPr>
             <a:lvl2pPr marL="457200" indent="0">
               <a:buNone/>
@@ -5055,7 +5156,7 @@
           <a:p>
             <a:fld id="{5C14DCE7-D199-4F9B-A217-DE89E664B56E}" type="datetimeFigureOut">
               <a:rPr lang="en-US" smtClean="0"/>
-              <a:t>12/19/2019</a:t>
+              <a:t>28/12/2019</a:t>
             </a:fld>
             <a:endParaRPr lang="en-US"/>
           </a:p>
@@ -5082,88 +5183,6 @@
       </p:sp>
       <p:sp>
         <p:nvSpPr>
-          <p:cNvPr id="9" name="Freeform 11"/>
-          <p:cNvSpPr/>
-          <p:nvPr/>
-        </p:nvSpPr>
-        <p:spPr bwMode="auto">
-          <a:xfrm flipV="1">
-            <a:off x="-4189" y="4911725"/>
-            <a:ext cx="1588527" cy="507297"/>
-          </a:xfrm>
-          <a:custGeom>
-            <a:avLst/>
-            <a:gdLst/>
-            <a:ahLst/>
-            <a:cxnLst/>
-            <a:rect l="l" t="t" r="r" b="b"/>
-            <a:pathLst>
-              <a:path w="9248" h="10000">
-                <a:moveTo>
-                  <a:pt x="9248" y="4701"/>
-                </a:moveTo>
-                <a:lnTo>
-                  <a:pt x="7915" y="188"/>
-                </a:lnTo>
-                <a:cubicBezTo>
-                  <a:pt x="7906" y="156"/>
-                  <a:pt x="7895" y="126"/>
-                  <a:pt x="7886" y="94"/>
-                </a:cubicBezTo>
-                <a:cubicBezTo>
-                  <a:pt x="7859" y="0"/>
-                  <a:pt x="7831" y="0"/>
-                  <a:pt x="7803" y="0"/>
-                </a:cubicBezTo>
-                <a:lnTo>
-                  <a:pt x="7275" y="0"/>
-                </a:lnTo>
-                <a:lnTo>
-                  <a:pt x="0" y="70"/>
-                </a:lnTo>
-                <a:cubicBezTo>
-                  <a:pt x="8" y="3380"/>
-                  <a:pt x="17" y="6690"/>
-                  <a:pt x="25" y="10000"/>
-                </a:cubicBezTo>
-                <a:lnTo>
-                  <a:pt x="7275" y="9966"/>
-                </a:lnTo>
-                <a:lnTo>
-                  <a:pt x="7803" y="9966"/>
-                </a:lnTo>
-                <a:cubicBezTo>
-                  <a:pt x="7831" y="9966"/>
-                  <a:pt x="7859" y="9872"/>
-                  <a:pt x="7886" y="9872"/>
-                </a:cubicBezTo>
-                <a:cubicBezTo>
-                  <a:pt x="7886" y="9778"/>
-                  <a:pt x="7915" y="9778"/>
-                  <a:pt x="7915" y="9778"/>
-                </a:cubicBezTo>
-                <a:lnTo>
-                  <a:pt x="9248" y="5265"/>
-                </a:lnTo>
-                <a:cubicBezTo>
-                  <a:pt x="9303" y="5077"/>
-                  <a:pt x="9303" y="4889"/>
-                  <a:pt x="9248" y="4701"/>
-                </a:cubicBezTo>
-                <a:close/>
-              </a:path>
-            </a:pathLst>
-          </a:custGeom>
-          <a:solidFill>
-            <a:schemeClr val="accent1"/>
-          </a:solidFill>
-          <a:ln>
-            <a:noFill/>
-          </a:ln>
-        </p:spPr>
-      </p:sp>
-      <p:sp>
-        <p:nvSpPr>
           <p:cNvPr id="7" name="Slide Number Placeholder 6"/>
           <p:cNvSpPr>
             <a:spLocks noGrp="1"/>
@@ -5172,12 +5191,7 @@
             <p:ph type="sldNum" sz="quarter" idx="12"/>
           </p:nvPr>
         </p:nvSpPr>
-        <p:spPr>
-          <a:xfrm>
-            <a:off x="531812" y="4983087"/>
-            <a:ext cx="779767" cy="365125"/>
-          </a:xfrm>
-        </p:spPr>
+        <p:spPr/>
         <p:txBody>
           <a:bodyPr/>
           <a:lstStyle/>
@@ -5193,7 +5207,7 @@
     </p:spTree>
     <p:extLst>
       <p:ext uri="{BB962C8B-B14F-4D97-AF65-F5344CB8AC3E}">
-        <p14:creationId xmlns:p14="http://schemas.microsoft.com/office/powerpoint/2010/main" val="3629815365"/>
+        <p14:creationId xmlns:p14="http://schemas.microsoft.com/office/powerpoint/2010/main" val="924321850"/>
       </p:ext>
     </p:extLst>
   </p:cSld>
@@ -5225,1803 +5239,107 @@
           <a:chExt cx="0" cy="0"/>
         </a:xfrm>
       </p:grpSpPr>
-      <p:grpSp>
-        <p:nvGrpSpPr>
-          <p:cNvPr id="23" name="Group 22"/>
-          <p:cNvGrpSpPr/>
+      <p:pic>
+        <p:nvPicPr>
+          <p:cNvPr id="8" name="Picture 7"/>
+          <p:cNvPicPr>
+            <a:picLocks noChangeAspect="1"/>
+          </p:cNvPicPr>
           <p:nvPr/>
-        </p:nvGrpSpPr>
-        <p:grpSpPr>
-          <a:xfrm>
-            <a:off x="1" y="228600"/>
-            <a:ext cx="2851516" cy="6638628"/>
-            <a:chOff x="2487613" y="285750"/>
-            <a:chExt cx="2428875" cy="5654676"/>
-          </a:xfrm>
-        </p:grpSpPr>
-        <p:sp>
-          <p:nvSpPr>
-            <p:cNvPr id="24" name="Freeform 11"/>
-            <p:cNvSpPr/>
-            <p:nvPr/>
-          </p:nvSpPr>
-          <p:spPr bwMode="auto">
-            <a:xfrm>
-              <a:off x="2487613" y="2284413"/>
-              <a:ext cx="85725" cy="533400"/>
-            </a:xfrm>
-            <a:custGeom>
-              <a:avLst/>
-              <a:gdLst/>
-              <a:ahLst/>
-              <a:cxnLst/>
-              <a:rect l="0" t="0" r="r" b="b"/>
-              <a:pathLst>
-                <a:path w="22" h="136">
-                  <a:moveTo>
-                    <a:pt x="22" y="136"/>
-                  </a:moveTo>
-                  <a:cubicBezTo>
-                    <a:pt x="20" y="117"/>
-                    <a:pt x="19" y="99"/>
-                    <a:pt x="17" y="80"/>
-                  </a:cubicBezTo>
-                  <a:cubicBezTo>
-                    <a:pt x="11" y="54"/>
-                    <a:pt x="6" y="27"/>
-                    <a:pt x="0" y="0"/>
-                  </a:cubicBezTo>
-                  <a:cubicBezTo>
-                    <a:pt x="0" y="35"/>
-                    <a:pt x="0" y="35"/>
-                    <a:pt x="0" y="35"/>
-                  </a:cubicBezTo>
-                  <a:cubicBezTo>
-                    <a:pt x="6" y="64"/>
-                    <a:pt x="13" y="94"/>
-                    <a:pt x="20" y="124"/>
-                  </a:cubicBezTo>
-                  <a:cubicBezTo>
-                    <a:pt x="20" y="128"/>
-                    <a:pt x="21" y="132"/>
-                    <a:pt x="22" y="136"/>
-                  </a:cubicBezTo>
-                  <a:close/>
-                </a:path>
-              </a:pathLst>
-            </a:custGeom>
-            <a:solidFill>
-              <a:schemeClr val="tx2">
-                <a:alpha val="20000"/>
-              </a:schemeClr>
-            </a:solidFill>
-            <a:ln>
-              <a:noFill/>
-            </a:ln>
-          </p:spPr>
-        </p:sp>
-        <p:sp>
-          <p:nvSpPr>
-            <p:cNvPr id="25" name="Freeform 12"/>
-            <p:cNvSpPr/>
-            <p:nvPr/>
-          </p:nvSpPr>
-          <p:spPr bwMode="auto">
-            <a:xfrm>
-              <a:off x="2597151" y="2779713"/>
-              <a:ext cx="550863" cy="1978025"/>
-            </a:xfrm>
-            <a:custGeom>
-              <a:avLst/>
-              <a:gdLst/>
-              <a:ahLst/>
-              <a:cxnLst/>
-              <a:rect l="0" t="0" r="r" b="b"/>
-              <a:pathLst>
-                <a:path w="140" h="504">
-                  <a:moveTo>
-                    <a:pt x="86" y="350"/>
-                  </a:moveTo>
-                  <a:cubicBezTo>
-                    <a:pt x="103" y="402"/>
-                    <a:pt x="120" y="453"/>
-                    <a:pt x="139" y="504"/>
-                  </a:cubicBezTo>
-                  <a:cubicBezTo>
-                    <a:pt x="139" y="495"/>
-                    <a:pt x="139" y="487"/>
-                    <a:pt x="140" y="478"/>
-                  </a:cubicBezTo>
-                  <a:cubicBezTo>
-                    <a:pt x="124" y="435"/>
-                    <a:pt x="109" y="391"/>
-                    <a:pt x="95" y="347"/>
-                  </a:cubicBezTo>
-                  <a:cubicBezTo>
-                    <a:pt x="58" y="233"/>
-                    <a:pt x="27" y="117"/>
-                    <a:pt x="0" y="0"/>
-                  </a:cubicBezTo>
-                  <a:cubicBezTo>
-                    <a:pt x="2" y="20"/>
-                    <a:pt x="4" y="41"/>
-                    <a:pt x="6" y="61"/>
-                  </a:cubicBezTo>
-                  <a:cubicBezTo>
-                    <a:pt x="30" y="158"/>
-                    <a:pt x="56" y="255"/>
-                    <a:pt x="86" y="350"/>
-                  </a:cubicBezTo>
-                  <a:close/>
-                </a:path>
-              </a:pathLst>
-            </a:custGeom>
-            <a:solidFill>
-              <a:schemeClr val="tx2">
-                <a:alpha val="20000"/>
-              </a:schemeClr>
-            </a:solidFill>
-            <a:ln>
-              <a:noFill/>
-            </a:ln>
-          </p:spPr>
-        </p:sp>
-        <p:sp>
-          <p:nvSpPr>
-            <p:cNvPr id="26" name="Freeform 13"/>
-            <p:cNvSpPr/>
-            <p:nvPr/>
-          </p:nvSpPr>
-          <p:spPr bwMode="auto">
-            <a:xfrm>
-              <a:off x="3175001" y="4730750"/>
-              <a:ext cx="519113" cy="1209675"/>
-            </a:xfrm>
-            <a:custGeom>
-              <a:avLst/>
-              <a:gdLst/>
-              <a:ahLst/>
-              <a:cxnLst/>
-              <a:rect l="0" t="0" r="r" b="b"/>
-              <a:pathLst>
-                <a:path w="132" h="308">
-                  <a:moveTo>
-                    <a:pt x="8" y="22"/>
-                  </a:moveTo>
-                  <a:cubicBezTo>
-                    <a:pt x="5" y="15"/>
-                    <a:pt x="2" y="8"/>
-                    <a:pt x="0" y="0"/>
-                  </a:cubicBezTo>
-                  <a:cubicBezTo>
-                    <a:pt x="0" y="10"/>
-                    <a:pt x="0" y="19"/>
-                    <a:pt x="0" y="29"/>
-                  </a:cubicBezTo>
-                  <a:cubicBezTo>
-                    <a:pt x="21" y="85"/>
-                    <a:pt x="44" y="140"/>
-                    <a:pt x="68" y="194"/>
-                  </a:cubicBezTo>
-                  <a:cubicBezTo>
-                    <a:pt x="85" y="232"/>
-                    <a:pt x="104" y="270"/>
-                    <a:pt x="123" y="308"/>
-                  </a:cubicBezTo>
-                  <a:cubicBezTo>
-                    <a:pt x="132" y="308"/>
-                    <a:pt x="132" y="308"/>
-                    <a:pt x="132" y="308"/>
-                  </a:cubicBezTo>
-                  <a:cubicBezTo>
-                    <a:pt x="113" y="269"/>
-                    <a:pt x="94" y="230"/>
-                    <a:pt x="77" y="190"/>
-                  </a:cubicBezTo>
-                  <a:cubicBezTo>
-                    <a:pt x="52" y="135"/>
-                    <a:pt x="29" y="79"/>
-                    <a:pt x="8" y="22"/>
-                  </a:cubicBezTo>
-                  <a:close/>
-                </a:path>
-              </a:pathLst>
-            </a:custGeom>
-            <a:solidFill>
-              <a:schemeClr val="tx2">
-                <a:alpha val="20000"/>
-              </a:schemeClr>
-            </a:solidFill>
-            <a:ln>
-              <a:noFill/>
-            </a:ln>
-          </p:spPr>
-        </p:sp>
-        <p:sp>
-          <p:nvSpPr>
-            <p:cNvPr id="27" name="Freeform 14"/>
-            <p:cNvSpPr/>
-            <p:nvPr/>
-          </p:nvSpPr>
-          <p:spPr bwMode="auto">
-            <a:xfrm>
-              <a:off x="3305176" y="5630863"/>
-              <a:ext cx="146050" cy="309563"/>
-            </a:xfrm>
-            <a:custGeom>
-              <a:avLst/>
-              <a:gdLst/>
-              <a:ahLst/>
-              <a:cxnLst/>
-              <a:rect l="0" t="0" r="r" b="b"/>
-              <a:pathLst>
-                <a:path w="37" h="79">
-                  <a:moveTo>
-                    <a:pt x="28" y="79"/>
-                  </a:moveTo>
-                  <a:cubicBezTo>
-                    <a:pt x="37" y="79"/>
-                    <a:pt x="37" y="79"/>
-                    <a:pt x="37" y="79"/>
-                  </a:cubicBezTo>
-                  <a:cubicBezTo>
-                    <a:pt x="24" y="53"/>
-                    <a:pt x="12" y="27"/>
-                    <a:pt x="0" y="0"/>
-                  </a:cubicBezTo>
-                  <a:cubicBezTo>
-                    <a:pt x="8" y="27"/>
-                    <a:pt x="17" y="53"/>
-                    <a:pt x="28" y="79"/>
-                  </a:cubicBezTo>
-                  <a:close/>
-                </a:path>
-              </a:pathLst>
-            </a:custGeom>
-            <a:solidFill>
-              <a:schemeClr val="tx2">
-                <a:alpha val="20000"/>
-              </a:schemeClr>
-            </a:solidFill>
-            <a:ln>
-              <a:noFill/>
-            </a:ln>
-          </p:spPr>
-        </p:sp>
-        <p:sp>
-          <p:nvSpPr>
-            <p:cNvPr id="28" name="Freeform 15"/>
-            <p:cNvSpPr/>
-            <p:nvPr/>
-          </p:nvSpPr>
-          <p:spPr bwMode="auto">
-            <a:xfrm>
-              <a:off x="2573338" y="2817813"/>
-              <a:ext cx="700088" cy="2835275"/>
-            </a:xfrm>
-            <a:custGeom>
-              <a:avLst/>
-              <a:gdLst/>
-              <a:ahLst/>
-              <a:cxnLst/>
-              <a:rect l="0" t="0" r="r" b="b"/>
-              <a:pathLst>
-                <a:path w="178" h="722">
-                  <a:moveTo>
-                    <a:pt x="162" y="660"/>
-                  </a:moveTo>
-                  <a:cubicBezTo>
-                    <a:pt x="145" y="618"/>
-                    <a:pt x="130" y="576"/>
-                    <a:pt x="116" y="534"/>
-                  </a:cubicBezTo>
-                  <a:cubicBezTo>
-                    <a:pt x="84" y="437"/>
-                    <a:pt x="59" y="337"/>
-                    <a:pt x="40" y="236"/>
-                  </a:cubicBezTo>
-                  <a:cubicBezTo>
-                    <a:pt x="29" y="175"/>
-                    <a:pt x="20" y="113"/>
-                    <a:pt x="12" y="51"/>
-                  </a:cubicBezTo>
-                  <a:cubicBezTo>
-                    <a:pt x="8" y="34"/>
-                    <a:pt x="4" y="17"/>
-                    <a:pt x="0" y="0"/>
-                  </a:cubicBezTo>
-                  <a:cubicBezTo>
-                    <a:pt x="8" y="79"/>
-                    <a:pt x="19" y="159"/>
-                    <a:pt x="33" y="237"/>
-                  </a:cubicBezTo>
-                  <a:cubicBezTo>
-                    <a:pt x="51" y="339"/>
-                    <a:pt x="76" y="439"/>
-                    <a:pt x="107" y="537"/>
-                  </a:cubicBezTo>
-                  <a:cubicBezTo>
-                    <a:pt x="123" y="586"/>
-                    <a:pt x="141" y="634"/>
-                    <a:pt x="160" y="681"/>
-                  </a:cubicBezTo>
-                  <a:cubicBezTo>
-                    <a:pt x="166" y="695"/>
-                    <a:pt x="172" y="708"/>
-                    <a:pt x="178" y="722"/>
-                  </a:cubicBezTo>
-                  <a:cubicBezTo>
-                    <a:pt x="176" y="717"/>
-                    <a:pt x="175" y="713"/>
-                    <a:pt x="174" y="708"/>
-                  </a:cubicBezTo>
-                  <a:cubicBezTo>
-                    <a:pt x="169" y="692"/>
-                    <a:pt x="165" y="676"/>
-                    <a:pt x="162" y="660"/>
-                  </a:cubicBezTo>
-                  <a:close/>
-                </a:path>
-              </a:pathLst>
-            </a:custGeom>
-            <a:solidFill>
-              <a:schemeClr val="tx2">
-                <a:alpha val="20000"/>
-              </a:schemeClr>
-            </a:solidFill>
-            <a:ln>
-              <a:noFill/>
-            </a:ln>
-          </p:spPr>
-        </p:sp>
-        <p:sp>
-          <p:nvSpPr>
-            <p:cNvPr id="29" name="Freeform 16"/>
-            <p:cNvSpPr/>
-            <p:nvPr/>
-          </p:nvSpPr>
-          <p:spPr bwMode="auto">
-            <a:xfrm>
-              <a:off x="2506663" y="285750"/>
-              <a:ext cx="90488" cy="2493963"/>
-            </a:xfrm>
-            <a:custGeom>
-              <a:avLst/>
-              <a:gdLst/>
-              <a:ahLst/>
-              <a:cxnLst/>
-              <a:rect l="0" t="0" r="r" b="b"/>
-              <a:pathLst>
-                <a:path w="23" h="635">
-                  <a:moveTo>
-                    <a:pt x="11" y="577"/>
-                  </a:moveTo>
-                  <a:cubicBezTo>
-                    <a:pt x="12" y="581"/>
-                    <a:pt x="12" y="585"/>
-                    <a:pt x="12" y="589"/>
-                  </a:cubicBezTo>
-                  <a:cubicBezTo>
-                    <a:pt x="15" y="603"/>
-                    <a:pt x="19" y="617"/>
-                    <a:pt x="22" y="632"/>
-                  </a:cubicBezTo>
-                  <a:cubicBezTo>
-                    <a:pt x="22" y="633"/>
-                    <a:pt x="22" y="634"/>
-                    <a:pt x="23" y="635"/>
-                  </a:cubicBezTo>
-                  <a:cubicBezTo>
-                    <a:pt x="21" y="615"/>
-                    <a:pt x="19" y="596"/>
-                    <a:pt x="17" y="576"/>
-                  </a:cubicBezTo>
-                  <a:cubicBezTo>
-                    <a:pt x="9" y="474"/>
-                    <a:pt x="5" y="372"/>
-                    <a:pt x="5" y="269"/>
-                  </a:cubicBezTo>
-                  <a:cubicBezTo>
-                    <a:pt x="6" y="179"/>
-                    <a:pt x="9" y="90"/>
-                    <a:pt x="15" y="0"/>
-                  </a:cubicBezTo>
-                  <a:cubicBezTo>
-                    <a:pt x="12" y="0"/>
-                    <a:pt x="12" y="0"/>
-                    <a:pt x="12" y="0"/>
-                  </a:cubicBezTo>
-                  <a:cubicBezTo>
-                    <a:pt x="5" y="89"/>
-                    <a:pt x="2" y="179"/>
-                    <a:pt x="1" y="269"/>
-                  </a:cubicBezTo>
-                  <a:cubicBezTo>
-                    <a:pt x="0" y="372"/>
-                    <a:pt x="3" y="474"/>
-                    <a:pt x="11" y="577"/>
-                  </a:cubicBezTo>
-                  <a:close/>
-                </a:path>
-              </a:pathLst>
-            </a:custGeom>
-            <a:solidFill>
-              <a:schemeClr val="tx2">
-                <a:alpha val="20000"/>
-              </a:schemeClr>
-            </a:solidFill>
-            <a:ln>
-              <a:noFill/>
-            </a:ln>
-          </p:spPr>
-        </p:sp>
-        <p:sp>
-          <p:nvSpPr>
-            <p:cNvPr id="30" name="Freeform 17"/>
-            <p:cNvSpPr/>
-            <p:nvPr/>
-          </p:nvSpPr>
-          <p:spPr bwMode="auto">
-            <a:xfrm>
-              <a:off x="2554288" y="2598738"/>
-              <a:ext cx="66675" cy="420688"/>
-            </a:xfrm>
-            <a:custGeom>
-              <a:avLst/>
-              <a:gdLst/>
-              <a:ahLst/>
-              <a:cxnLst/>
-              <a:rect l="0" t="0" r="r" b="b"/>
-              <a:pathLst>
-                <a:path w="17" h="107">
-                  <a:moveTo>
-                    <a:pt x="0" y="0"/>
-                  </a:moveTo>
-                  <a:cubicBezTo>
-                    <a:pt x="2" y="19"/>
-                    <a:pt x="3" y="37"/>
-                    <a:pt x="5" y="56"/>
-                  </a:cubicBezTo>
-                  <a:cubicBezTo>
-                    <a:pt x="9" y="73"/>
-                    <a:pt x="13" y="90"/>
-                    <a:pt x="17" y="107"/>
-                  </a:cubicBezTo>
-                  <a:cubicBezTo>
-                    <a:pt x="15" y="87"/>
-                    <a:pt x="13" y="66"/>
-                    <a:pt x="11" y="46"/>
-                  </a:cubicBezTo>
-                  <a:cubicBezTo>
-                    <a:pt x="10" y="45"/>
-                    <a:pt x="10" y="44"/>
-                    <a:pt x="10" y="43"/>
-                  </a:cubicBezTo>
-                  <a:cubicBezTo>
-                    <a:pt x="7" y="28"/>
-                    <a:pt x="3" y="14"/>
-                    <a:pt x="0" y="0"/>
-                  </a:cubicBezTo>
-                  <a:close/>
-                </a:path>
-              </a:pathLst>
-            </a:custGeom>
-            <a:solidFill>
-              <a:schemeClr val="tx2">
-                <a:alpha val="20000"/>
-              </a:schemeClr>
-            </a:solidFill>
-            <a:ln>
-              <a:noFill/>
-            </a:ln>
-          </p:spPr>
-        </p:sp>
-        <p:sp>
-          <p:nvSpPr>
-            <p:cNvPr id="31" name="Freeform 18"/>
-            <p:cNvSpPr/>
-            <p:nvPr/>
-          </p:nvSpPr>
-          <p:spPr bwMode="auto">
-            <a:xfrm>
-              <a:off x="3143251" y="4757738"/>
-              <a:ext cx="161925" cy="873125"/>
-            </a:xfrm>
-            <a:custGeom>
-              <a:avLst/>
-              <a:gdLst/>
-              <a:ahLst/>
-              <a:cxnLst/>
-              <a:rect l="0" t="0" r="r" b="b"/>
-              <a:pathLst>
-                <a:path w="41" h="222">
-                  <a:moveTo>
-                    <a:pt x="0" y="0"/>
-                  </a:moveTo>
-                  <a:cubicBezTo>
-                    <a:pt x="0" y="31"/>
-                    <a:pt x="2" y="62"/>
-                    <a:pt x="5" y="93"/>
-                  </a:cubicBezTo>
-                  <a:cubicBezTo>
-                    <a:pt x="8" y="117"/>
-                    <a:pt x="12" y="142"/>
-                    <a:pt x="17" y="166"/>
-                  </a:cubicBezTo>
-                  <a:cubicBezTo>
-                    <a:pt x="19" y="172"/>
-                    <a:pt x="22" y="178"/>
-                    <a:pt x="24" y="184"/>
-                  </a:cubicBezTo>
-                  <a:cubicBezTo>
-                    <a:pt x="30" y="197"/>
-                    <a:pt x="35" y="209"/>
-                    <a:pt x="41" y="222"/>
-                  </a:cubicBezTo>
-                  <a:cubicBezTo>
-                    <a:pt x="40" y="219"/>
-                    <a:pt x="39" y="215"/>
-                    <a:pt x="38" y="212"/>
-                  </a:cubicBezTo>
-                  <a:cubicBezTo>
-                    <a:pt x="26" y="172"/>
-                    <a:pt x="18" y="132"/>
-                    <a:pt x="13" y="92"/>
-                  </a:cubicBezTo>
-                  <a:cubicBezTo>
-                    <a:pt x="11" y="68"/>
-                    <a:pt x="9" y="45"/>
-                    <a:pt x="8" y="22"/>
-                  </a:cubicBezTo>
-                  <a:cubicBezTo>
-                    <a:pt x="8" y="21"/>
-                    <a:pt x="7" y="20"/>
-                    <a:pt x="7" y="18"/>
-                  </a:cubicBezTo>
-                  <a:cubicBezTo>
-                    <a:pt x="5" y="12"/>
-                    <a:pt x="2" y="6"/>
-                    <a:pt x="0" y="0"/>
-                  </a:cubicBezTo>
-                  <a:close/>
-                </a:path>
-              </a:pathLst>
-            </a:custGeom>
-            <a:solidFill>
-              <a:schemeClr val="tx2">
-                <a:alpha val="20000"/>
-              </a:schemeClr>
-            </a:solidFill>
-            <a:ln>
-              <a:noFill/>
-            </a:ln>
-          </p:spPr>
-        </p:sp>
-        <p:sp>
-          <p:nvSpPr>
-            <p:cNvPr id="32" name="Freeform 19"/>
-            <p:cNvSpPr/>
-            <p:nvPr/>
-          </p:nvSpPr>
-          <p:spPr bwMode="auto">
-            <a:xfrm>
-              <a:off x="3148013" y="1282700"/>
-              <a:ext cx="1768475" cy="3448050"/>
-            </a:xfrm>
-            <a:custGeom>
-              <a:avLst/>
-              <a:gdLst/>
-              <a:ahLst/>
-              <a:cxnLst/>
-              <a:rect l="0" t="0" r="r" b="b"/>
-              <a:pathLst>
-                <a:path w="450" h="878">
-                  <a:moveTo>
-                    <a:pt x="7" y="854"/>
-                  </a:moveTo>
-                  <a:cubicBezTo>
-                    <a:pt x="10" y="772"/>
-                    <a:pt x="26" y="691"/>
-                    <a:pt x="50" y="613"/>
-                  </a:cubicBezTo>
-                  <a:cubicBezTo>
-                    <a:pt x="75" y="535"/>
-                    <a:pt x="109" y="460"/>
-                    <a:pt x="149" y="388"/>
-                  </a:cubicBezTo>
-                  <a:cubicBezTo>
-                    <a:pt x="189" y="316"/>
-                    <a:pt x="235" y="248"/>
-                    <a:pt x="285" y="183"/>
-                  </a:cubicBezTo>
-                  <a:cubicBezTo>
-                    <a:pt x="310" y="151"/>
-                    <a:pt x="337" y="119"/>
-                    <a:pt x="364" y="89"/>
-                  </a:cubicBezTo>
-                  <a:cubicBezTo>
-                    <a:pt x="378" y="74"/>
-                    <a:pt x="392" y="58"/>
-                    <a:pt x="406" y="44"/>
-                  </a:cubicBezTo>
-                  <a:cubicBezTo>
-                    <a:pt x="421" y="29"/>
-                    <a:pt x="435" y="15"/>
-                    <a:pt x="450" y="1"/>
-                  </a:cubicBezTo>
-                  <a:cubicBezTo>
-                    <a:pt x="450" y="0"/>
-                    <a:pt x="450" y="0"/>
-                    <a:pt x="450" y="0"/>
-                  </a:cubicBezTo>
-                  <a:cubicBezTo>
-                    <a:pt x="434" y="14"/>
-                    <a:pt x="420" y="28"/>
-                    <a:pt x="405" y="43"/>
-                  </a:cubicBezTo>
-                  <a:cubicBezTo>
-                    <a:pt x="391" y="57"/>
-                    <a:pt x="377" y="72"/>
-                    <a:pt x="363" y="88"/>
-                  </a:cubicBezTo>
-                  <a:cubicBezTo>
-                    <a:pt x="335" y="118"/>
-                    <a:pt x="308" y="149"/>
-                    <a:pt x="283" y="181"/>
-                  </a:cubicBezTo>
-                  <a:cubicBezTo>
-                    <a:pt x="232" y="246"/>
-                    <a:pt x="185" y="314"/>
-                    <a:pt x="145" y="386"/>
-                  </a:cubicBezTo>
-                  <a:cubicBezTo>
-                    <a:pt x="104" y="457"/>
-                    <a:pt x="70" y="533"/>
-                    <a:pt x="45" y="611"/>
-                  </a:cubicBezTo>
-                  <a:cubicBezTo>
-                    <a:pt x="19" y="690"/>
-                    <a:pt x="3" y="771"/>
-                    <a:pt x="0" y="854"/>
-                  </a:cubicBezTo>
-                  <a:cubicBezTo>
-                    <a:pt x="0" y="856"/>
-                    <a:pt x="0" y="857"/>
-                    <a:pt x="0" y="859"/>
-                  </a:cubicBezTo>
-                  <a:cubicBezTo>
-                    <a:pt x="2" y="865"/>
-                    <a:pt x="4" y="872"/>
-                    <a:pt x="7" y="878"/>
-                  </a:cubicBezTo>
-                  <a:cubicBezTo>
-                    <a:pt x="7" y="870"/>
-                    <a:pt x="7" y="862"/>
-                    <a:pt x="7" y="854"/>
-                  </a:cubicBezTo>
-                  <a:close/>
-                </a:path>
-              </a:pathLst>
-            </a:custGeom>
-            <a:solidFill>
-              <a:schemeClr val="tx2">
-                <a:alpha val="20000"/>
-              </a:schemeClr>
-            </a:solidFill>
-            <a:ln>
-              <a:noFill/>
-            </a:ln>
-          </p:spPr>
-        </p:sp>
-        <p:sp>
-          <p:nvSpPr>
-            <p:cNvPr id="33" name="Freeform 20"/>
-            <p:cNvSpPr/>
-            <p:nvPr/>
-          </p:nvSpPr>
-          <p:spPr bwMode="auto">
-            <a:xfrm>
-              <a:off x="3273426" y="5653088"/>
-              <a:ext cx="138113" cy="287338"/>
-            </a:xfrm>
-            <a:custGeom>
-              <a:avLst/>
-              <a:gdLst/>
-              <a:ahLst/>
-              <a:cxnLst/>
-              <a:rect l="0" t="0" r="r" b="b"/>
-              <a:pathLst>
-                <a:path w="35" h="73">
-                  <a:moveTo>
-                    <a:pt x="0" y="0"/>
-                  </a:moveTo>
-                  <a:cubicBezTo>
-                    <a:pt x="7" y="24"/>
-                    <a:pt x="16" y="49"/>
-                    <a:pt x="26" y="73"/>
-                  </a:cubicBezTo>
-                  <a:cubicBezTo>
-                    <a:pt x="35" y="73"/>
-                    <a:pt x="35" y="73"/>
-                    <a:pt x="35" y="73"/>
-                  </a:cubicBezTo>
-                  <a:cubicBezTo>
-                    <a:pt x="23" y="49"/>
-                    <a:pt x="11" y="24"/>
-                    <a:pt x="0" y="0"/>
-                  </a:cubicBezTo>
-                  <a:close/>
-                </a:path>
-              </a:pathLst>
-            </a:custGeom>
-            <a:solidFill>
-              <a:schemeClr val="tx2">
-                <a:alpha val="20000"/>
-              </a:schemeClr>
-            </a:solidFill>
-            <a:ln>
-              <a:noFill/>
-            </a:ln>
-          </p:spPr>
-        </p:sp>
-        <p:sp>
-          <p:nvSpPr>
-            <p:cNvPr id="34" name="Freeform 21"/>
-            <p:cNvSpPr/>
-            <p:nvPr/>
-          </p:nvSpPr>
-          <p:spPr bwMode="auto">
-            <a:xfrm>
-              <a:off x="3143251" y="4656138"/>
-              <a:ext cx="31750" cy="188913"/>
-            </a:xfrm>
-            <a:custGeom>
-              <a:avLst/>
-              <a:gdLst/>
-              <a:ahLst/>
-              <a:cxnLst/>
-              <a:rect l="0" t="0" r="r" b="b"/>
-              <a:pathLst>
-                <a:path w="8" h="48">
-                  <a:moveTo>
-                    <a:pt x="7" y="44"/>
-                  </a:moveTo>
-                  <a:cubicBezTo>
-                    <a:pt x="7" y="46"/>
-                    <a:pt x="8" y="47"/>
-                    <a:pt x="8" y="48"/>
-                  </a:cubicBezTo>
-                  <a:cubicBezTo>
-                    <a:pt x="8" y="38"/>
-                    <a:pt x="8" y="29"/>
-                    <a:pt x="8" y="19"/>
-                  </a:cubicBezTo>
-                  <a:cubicBezTo>
-                    <a:pt x="5" y="13"/>
-                    <a:pt x="3" y="6"/>
-                    <a:pt x="1" y="0"/>
-                  </a:cubicBezTo>
-                  <a:cubicBezTo>
-                    <a:pt x="0" y="9"/>
-                    <a:pt x="0" y="17"/>
-                    <a:pt x="0" y="26"/>
-                  </a:cubicBezTo>
-                  <a:cubicBezTo>
-                    <a:pt x="2" y="32"/>
-                    <a:pt x="5" y="38"/>
-                    <a:pt x="7" y="44"/>
-                  </a:cubicBezTo>
-                  <a:close/>
-                </a:path>
-              </a:pathLst>
-            </a:custGeom>
-            <a:solidFill>
-              <a:schemeClr val="tx2">
-                <a:alpha val="20000"/>
-              </a:schemeClr>
-            </a:solidFill>
-            <a:ln>
-              <a:noFill/>
-            </a:ln>
-          </p:spPr>
-        </p:sp>
-        <p:sp>
-          <p:nvSpPr>
-            <p:cNvPr id="35" name="Freeform 22"/>
-            <p:cNvSpPr/>
-            <p:nvPr/>
-          </p:nvSpPr>
-          <p:spPr bwMode="auto">
-            <a:xfrm>
-              <a:off x="3211513" y="5410200"/>
-              <a:ext cx="203200" cy="530225"/>
-            </a:xfrm>
-            <a:custGeom>
-              <a:avLst/>
-              <a:gdLst/>
-              <a:ahLst/>
-              <a:cxnLst/>
-              <a:rect l="0" t="0" r="r" b="b"/>
-              <a:pathLst>
-                <a:path w="52" h="135">
-                  <a:moveTo>
-                    <a:pt x="7" y="18"/>
-                  </a:moveTo>
-                  <a:cubicBezTo>
-                    <a:pt x="5" y="12"/>
-                    <a:pt x="2" y="6"/>
-                    <a:pt x="0" y="0"/>
-                  </a:cubicBezTo>
-                  <a:cubicBezTo>
-                    <a:pt x="3" y="16"/>
-                    <a:pt x="7" y="32"/>
-                    <a:pt x="12" y="48"/>
-                  </a:cubicBezTo>
-                  <a:cubicBezTo>
-                    <a:pt x="13" y="53"/>
-                    <a:pt x="14" y="57"/>
-                    <a:pt x="16" y="62"/>
-                  </a:cubicBezTo>
-                  <a:cubicBezTo>
-                    <a:pt x="27" y="86"/>
-                    <a:pt x="39" y="111"/>
-                    <a:pt x="51" y="135"/>
-                  </a:cubicBezTo>
-                  <a:cubicBezTo>
-                    <a:pt x="52" y="135"/>
-                    <a:pt x="52" y="135"/>
-                    <a:pt x="52" y="135"/>
-                  </a:cubicBezTo>
-                  <a:cubicBezTo>
-                    <a:pt x="41" y="109"/>
-                    <a:pt x="32" y="83"/>
-                    <a:pt x="24" y="56"/>
-                  </a:cubicBezTo>
-                  <a:cubicBezTo>
-                    <a:pt x="18" y="43"/>
-                    <a:pt x="13" y="31"/>
-                    <a:pt x="7" y="18"/>
-                  </a:cubicBezTo>
-                  <a:close/>
-                </a:path>
-              </a:pathLst>
-            </a:custGeom>
-            <a:solidFill>
-              <a:schemeClr val="tx2">
-                <a:alpha val="20000"/>
-              </a:schemeClr>
-            </a:solidFill>
-            <a:ln>
-              <a:noFill/>
-            </a:ln>
-          </p:spPr>
-        </p:sp>
-      </p:grpSp>
-      <p:grpSp>
-        <p:nvGrpSpPr>
-          <p:cNvPr id="10" name="Group 9"/>
-          <p:cNvGrpSpPr/>
-          <p:nvPr/>
-        </p:nvGrpSpPr>
-        <p:grpSpPr>
-          <a:xfrm>
-            <a:off x="27221" y="-786"/>
-            <a:ext cx="2356674" cy="6854039"/>
-            <a:chOff x="6627813" y="194833"/>
-            <a:chExt cx="1952625" cy="5678918"/>
-          </a:xfrm>
-        </p:grpSpPr>
-        <p:sp>
-          <p:nvSpPr>
-            <p:cNvPr id="11" name="Freeform 27"/>
-            <p:cNvSpPr/>
-            <p:nvPr/>
-          </p:nvSpPr>
-          <p:spPr bwMode="auto">
-            <a:xfrm>
-              <a:off x="6627813" y="194833"/>
-              <a:ext cx="409575" cy="3646488"/>
-            </a:xfrm>
-            <a:custGeom>
-              <a:avLst/>
-              <a:gdLst/>
-              <a:ahLst/>
-              <a:cxnLst/>
-              <a:rect l="0" t="0" r="r" b="b"/>
-              <a:pathLst>
-                <a:path w="103" h="920">
-                  <a:moveTo>
-                    <a:pt x="7" y="210"/>
-                  </a:moveTo>
-                  <a:cubicBezTo>
-                    <a:pt x="11" y="288"/>
-                    <a:pt x="17" y="367"/>
-                    <a:pt x="26" y="445"/>
-                  </a:cubicBezTo>
-                  <a:cubicBezTo>
-                    <a:pt x="34" y="523"/>
-                    <a:pt x="44" y="601"/>
-                    <a:pt x="57" y="679"/>
-                  </a:cubicBezTo>
-                  <a:cubicBezTo>
-                    <a:pt x="69" y="757"/>
-                    <a:pt x="84" y="834"/>
-                    <a:pt x="101" y="911"/>
-                  </a:cubicBezTo>
-                  <a:cubicBezTo>
-                    <a:pt x="102" y="914"/>
-                    <a:pt x="103" y="917"/>
-                    <a:pt x="103" y="920"/>
-                  </a:cubicBezTo>
-                  <a:cubicBezTo>
-                    <a:pt x="102" y="905"/>
-                    <a:pt x="100" y="889"/>
-                    <a:pt x="99" y="874"/>
-                  </a:cubicBezTo>
-                  <a:cubicBezTo>
-                    <a:pt x="99" y="871"/>
-                    <a:pt x="99" y="868"/>
-                    <a:pt x="99" y="866"/>
-                  </a:cubicBezTo>
-                  <a:cubicBezTo>
-                    <a:pt x="85" y="803"/>
-                    <a:pt x="73" y="741"/>
-                    <a:pt x="63" y="678"/>
-                  </a:cubicBezTo>
-                  <a:cubicBezTo>
-                    <a:pt x="50" y="600"/>
-                    <a:pt x="39" y="523"/>
-                    <a:pt x="30" y="444"/>
-                  </a:cubicBezTo>
-                  <a:cubicBezTo>
-                    <a:pt x="21" y="366"/>
-                    <a:pt x="14" y="288"/>
-                    <a:pt x="9" y="209"/>
-                  </a:cubicBezTo>
-                  <a:cubicBezTo>
-                    <a:pt x="7" y="170"/>
-                    <a:pt x="5" y="131"/>
-                    <a:pt x="3" y="92"/>
-                  </a:cubicBezTo>
-                  <a:cubicBezTo>
-                    <a:pt x="2" y="61"/>
-                    <a:pt x="1" y="31"/>
-                    <a:pt x="1" y="0"/>
-                  </a:cubicBezTo>
-                  <a:cubicBezTo>
-                    <a:pt x="0" y="0"/>
-                    <a:pt x="0" y="0"/>
-                    <a:pt x="0" y="0"/>
-                  </a:cubicBezTo>
-                  <a:cubicBezTo>
-                    <a:pt x="0" y="31"/>
-                    <a:pt x="1" y="61"/>
-                    <a:pt x="1" y="92"/>
-                  </a:cubicBezTo>
-                  <a:cubicBezTo>
-                    <a:pt x="3" y="131"/>
-                    <a:pt x="4" y="170"/>
-                    <a:pt x="7" y="210"/>
-                  </a:cubicBezTo>
-                  <a:close/>
-                </a:path>
-              </a:pathLst>
-            </a:custGeom>
-            <a:solidFill>
-              <a:schemeClr val="tx2"/>
-            </a:solidFill>
-            <a:ln>
-              <a:noFill/>
-            </a:ln>
-          </p:spPr>
-        </p:sp>
-        <p:sp>
-          <p:nvSpPr>
-            <p:cNvPr id="12" name="Freeform 28"/>
-            <p:cNvSpPr/>
-            <p:nvPr/>
-          </p:nvSpPr>
-          <p:spPr bwMode="auto">
-            <a:xfrm>
-              <a:off x="7061201" y="3771900"/>
-              <a:ext cx="350838" cy="1309688"/>
-            </a:xfrm>
-            <a:custGeom>
-              <a:avLst/>
-              <a:gdLst/>
-              <a:ahLst/>
-              <a:cxnLst/>
-              <a:rect l="0" t="0" r="r" b="b"/>
-              <a:pathLst>
-                <a:path w="88" h="330">
-                  <a:moveTo>
-                    <a:pt x="53" y="229"/>
-                  </a:moveTo>
-                  <a:cubicBezTo>
-                    <a:pt x="64" y="263"/>
-                    <a:pt x="75" y="297"/>
-                    <a:pt x="88" y="330"/>
-                  </a:cubicBezTo>
-                  <a:cubicBezTo>
-                    <a:pt x="88" y="323"/>
-                    <a:pt x="88" y="315"/>
-                    <a:pt x="88" y="308"/>
-                  </a:cubicBezTo>
-                  <a:cubicBezTo>
-                    <a:pt x="88" y="307"/>
-                    <a:pt x="88" y="305"/>
-                    <a:pt x="88" y="304"/>
-                  </a:cubicBezTo>
-                  <a:cubicBezTo>
-                    <a:pt x="79" y="278"/>
-                    <a:pt x="70" y="252"/>
-                    <a:pt x="62" y="226"/>
-                  </a:cubicBezTo>
-                  <a:cubicBezTo>
-                    <a:pt x="38" y="152"/>
-                    <a:pt x="17" y="76"/>
-                    <a:pt x="0" y="0"/>
-                  </a:cubicBezTo>
-                  <a:cubicBezTo>
-                    <a:pt x="2" y="21"/>
-                    <a:pt x="4" y="42"/>
-                    <a:pt x="7" y="63"/>
-                  </a:cubicBezTo>
-                  <a:cubicBezTo>
-                    <a:pt x="21" y="119"/>
-                    <a:pt x="36" y="174"/>
-                    <a:pt x="53" y="229"/>
-                  </a:cubicBezTo>
-                  <a:close/>
-                </a:path>
-              </a:pathLst>
-            </a:custGeom>
-            <a:solidFill>
-              <a:schemeClr val="tx2"/>
-            </a:solidFill>
-            <a:ln>
-              <a:noFill/>
-            </a:ln>
-          </p:spPr>
-        </p:sp>
-        <p:sp>
-          <p:nvSpPr>
-            <p:cNvPr id="13" name="Freeform 29"/>
-            <p:cNvSpPr/>
-            <p:nvPr/>
-          </p:nvSpPr>
-          <p:spPr bwMode="auto">
-            <a:xfrm>
-              <a:off x="7439026" y="5053013"/>
-              <a:ext cx="357188" cy="820738"/>
-            </a:xfrm>
-            <a:custGeom>
-              <a:avLst/>
-              <a:gdLst/>
-              <a:ahLst/>
-              <a:cxnLst/>
-              <a:rect l="0" t="0" r="r" b="b"/>
-              <a:pathLst>
-                <a:path w="90" h="207">
-                  <a:moveTo>
-                    <a:pt x="6" y="15"/>
-                  </a:moveTo>
-                  <a:cubicBezTo>
-                    <a:pt x="4" y="10"/>
-                    <a:pt x="2" y="5"/>
-                    <a:pt x="0" y="0"/>
-                  </a:cubicBezTo>
-                  <a:cubicBezTo>
-                    <a:pt x="0" y="9"/>
-                    <a:pt x="0" y="19"/>
-                    <a:pt x="1" y="29"/>
-                  </a:cubicBezTo>
-                  <a:cubicBezTo>
-                    <a:pt x="14" y="62"/>
-                    <a:pt x="27" y="95"/>
-                    <a:pt x="42" y="127"/>
-                  </a:cubicBezTo>
-                  <a:cubicBezTo>
-                    <a:pt x="54" y="154"/>
-                    <a:pt x="67" y="181"/>
-                    <a:pt x="80" y="207"/>
-                  </a:cubicBezTo>
-                  <a:cubicBezTo>
-                    <a:pt x="90" y="207"/>
-                    <a:pt x="90" y="207"/>
-                    <a:pt x="90" y="207"/>
-                  </a:cubicBezTo>
-                  <a:cubicBezTo>
-                    <a:pt x="76" y="180"/>
-                    <a:pt x="63" y="152"/>
-                    <a:pt x="50" y="123"/>
-                  </a:cubicBezTo>
-                  <a:cubicBezTo>
-                    <a:pt x="34" y="88"/>
-                    <a:pt x="20" y="51"/>
-                    <a:pt x="6" y="15"/>
-                  </a:cubicBezTo>
-                  <a:close/>
-                </a:path>
-              </a:pathLst>
-            </a:custGeom>
-            <a:solidFill>
-              <a:schemeClr val="tx2"/>
-            </a:solidFill>
-            <a:ln>
-              <a:noFill/>
-            </a:ln>
-          </p:spPr>
-        </p:sp>
-        <p:sp>
-          <p:nvSpPr>
-            <p:cNvPr id="14" name="Freeform 30"/>
-            <p:cNvSpPr/>
-            <p:nvPr/>
-          </p:nvSpPr>
-          <p:spPr bwMode="auto">
-            <a:xfrm>
-              <a:off x="7037388" y="3811588"/>
-              <a:ext cx="457200" cy="1852613"/>
-            </a:xfrm>
-            <a:custGeom>
-              <a:avLst/>
-              <a:gdLst/>
-              <a:ahLst/>
-              <a:cxnLst/>
-              <a:rect l="0" t="0" r="r" b="b"/>
-              <a:pathLst>
-                <a:path w="115" h="467">
-                  <a:moveTo>
-                    <a:pt x="101" y="409"/>
-                  </a:moveTo>
-                  <a:cubicBezTo>
-                    <a:pt x="93" y="388"/>
-                    <a:pt x="85" y="366"/>
-                    <a:pt x="78" y="344"/>
-                  </a:cubicBezTo>
-                  <a:cubicBezTo>
-                    <a:pt x="57" y="281"/>
-                    <a:pt x="41" y="216"/>
-                    <a:pt x="29" y="151"/>
-                  </a:cubicBezTo>
-                  <a:cubicBezTo>
-                    <a:pt x="22" y="119"/>
-                    <a:pt x="17" y="86"/>
-                    <a:pt x="13" y="53"/>
-                  </a:cubicBezTo>
-                  <a:cubicBezTo>
-                    <a:pt x="9" y="35"/>
-                    <a:pt x="4" y="18"/>
-                    <a:pt x="0" y="0"/>
-                  </a:cubicBezTo>
-                  <a:cubicBezTo>
-                    <a:pt x="5" y="51"/>
-                    <a:pt x="12" y="102"/>
-                    <a:pt x="21" y="152"/>
-                  </a:cubicBezTo>
-                  <a:cubicBezTo>
-                    <a:pt x="33" y="218"/>
-                    <a:pt x="49" y="283"/>
-                    <a:pt x="69" y="347"/>
-                  </a:cubicBezTo>
-                  <a:cubicBezTo>
-                    <a:pt x="79" y="378"/>
-                    <a:pt x="90" y="410"/>
-                    <a:pt x="103" y="441"/>
-                  </a:cubicBezTo>
-                  <a:cubicBezTo>
-                    <a:pt x="107" y="449"/>
-                    <a:pt x="111" y="458"/>
-                    <a:pt x="115" y="467"/>
-                  </a:cubicBezTo>
-                  <a:cubicBezTo>
-                    <a:pt x="114" y="464"/>
-                    <a:pt x="113" y="461"/>
-                    <a:pt x="112" y="458"/>
-                  </a:cubicBezTo>
-                  <a:cubicBezTo>
-                    <a:pt x="108" y="442"/>
-                    <a:pt x="104" y="425"/>
-                    <a:pt x="101" y="409"/>
-                  </a:cubicBezTo>
-                  <a:close/>
-                </a:path>
-              </a:pathLst>
-            </a:custGeom>
-            <a:solidFill>
-              <a:schemeClr val="tx2"/>
-            </a:solidFill>
-            <a:ln>
-              <a:noFill/>
-            </a:ln>
-          </p:spPr>
-        </p:sp>
-        <p:sp>
-          <p:nvSpPr>
-            <p:cNvPr id="15" name="Freeform 31"/>
-            <p:cNvSpPr/>
-            <p:nvPr/>
-          </p:nvSpPr>
-          <p:spPr bwMode="auto">
-            <a:xfrm>
-              <a:off x="6992938" y="1263650"/>
-              <a:ext cx="144463" cy="2508250"/>
-            </a:xfrm>
-            <a:custGeom>
-              <a:avLst/>
-              <a:gdLst/>
-              <a:ahLst/>
-              <a:cxnLst/>
-              <a:rect l="0" t="0" r="r" b="b"/>
-              <a:pathLst>
-                <a:path w="36" h="633">
-                  <a:moveTo>
-                    <a:pt x="17" y="633"/>
-                  </a:moveTo>
-                  <a:cubicBezTo>
-                    <a:pt x="15" y="621"/>
-                    <a:pt x="14" y="609"/>
-                    <a:pt x="13" y="597"/>
-                  </a:cubicBezTo>
-                  <a:cubicBezTo>
-                    <a:pt x="8" y="530"/>
-                    <a:pt x="5" y="464"/>
-                    <a:pt x="5" y="398"/>
-                  </a:cubicBezTo>
-                  <a:cubicBezTo>
-                    <a:pt x="5" y="331"/>
-                    <a:pt x="8" y="265"/>
-                    <a:pt x="13" y="198"/>
-                  </a:cubicBezTo>
-                  <a:cubicBezTo>
-                    <a:pt x="15" y="165"/>
-                    <a:pt x="18" y="132"/>
-                    <a:pt x="22" y="99"/>
-                  </a:cubicBezTo>
-                  <a:cubicBezTo>
-                    <a:pt x="26" y="66"/>
-                    <a:pt x="30" y="33"/>
-                    <a:pt x="36" y="0"/>
-                  </a:cubicBezTo>
-                  <a:cubicBezTo>
-                    <a:pt x="35" y="0"/>
-                    <a:pt x="35" y="0"/>
-                    <a:pt x="35" y="0"/>
-                  </a:cubicBezTo>
-                  <a:cubicBezTo>
-                    <a:pt x="29" y="33"/>
-                    <a:pt x="24" y="66"/>
-                    <a:pt x="20" y="99"/>
-                  </a:cubicBezTo>
-                  <a:cubicBezTo>
-                    <a:pt x="16" y="132"/>
-                    <a:pt x="13" y="165"/>
-                    <a:pt x="10" y="198"/>
-                  </a:cubicBezTo>
-                  <a:cubicBezTo>
-                    <a:pt x="4" y="264"/>
-                    <a:pt x="1" y="331"/>
-                    <a:pt x="1" y="398"/>
-                  </a:cubicBezTo>
-                  <a:cubicBezTo>
-                    <a:pt x="0" y="461"/>
-                    <a:pt x="2" y="525"/>
-                    <a:pt x="7" y="589"/>
-                  </a:cubicBezTo>
-                  <a:cubicBezTo>
-                    <a:pt x="10" y="603"/>
-                    <a:pt x="13" y="618"/>
-                    <a:pt x="16" y="632"/>
-                  </a:cubicBezTo>
-                  <a:cubicBezTo>
-                    <a:pt x="16" y="632"/>
-                    <a:pt x="17" y="633"/>
-                    <a:pt x="17" y="633"/>
-                  </a:cubicBezTo>
-                  <a:close/>
-                </a:path>
-              </a:pathLst>
-            </a:custGeom>
-            <a:solidFill>
-              <a:schemeClr val="tx2"/>
-            </a:solidFill>
-            <a:ln>
-              <a:noFill/>
-            </a:ln>
-          </p:spPr>
-        </p:sp>
-        <p:sp>
-          <p:nvSpPr>
-            <p:cNvPr id="16" name="Freeform 32"/>
-            <p:cNvSpPr/>
-            <p:nvPr/>
-          </p:nvSpPr>
-          <p:spPr bwMode="auto">
-            <a:xfrm>
-              <a:off x="7526338" y="5640388"/>
-              <a:ext cx="111125" cy="233363"/>
-            </a:xfrm>
-            <a:custGeom>
-              <a:avLst/>
-              <a:gdLst/>
-              <a:ahLst/>
-              <a:cxnLst/>
-              <a:rect l="0" t="0" r="r" b="b"/>
-              <a:pathLst>
-                <a:path w="28" h="59">
-                  <a:moveTo>
-                    <a:pt x="22" y="59"/>
-                  </a:moveTo>
-                  <a:cubicBezTo>
-                    <a:pt x="28" y="59"/>
-                    <a:pt x="28" y="59"/>
-                    <a:pt x="28" y="59"/>
-                  </a:cubicBezTo>
-                  <a:cubicBezTo>
-                    <a:pt x="18" y="40"/>
-                    <a:pt x="9" y="20"/>
-                    <a:pt x="0" y="0"/>
-                  </a:cubicBezTo>
-                  <a:cubicBezTo>
-                    <a:pt x="6" y="20"/>
-                    <a:pt x="13" y="40"/>
-                    <a:pt x="22" y="59"/>
-                  </a:cubicBezTo>
-                  <a:close/>
-                </a:path>
-              </a:pathLst>
-            </a:custGeom>
-            <a:solidFill>
-              <a:schemeClr val="tx2"/>
-            </a:solidFill>
-            <a:ln>
-              <a:noFill/>
-            </a:ln>
-          </p:spPr>
-        </p:sp>
-        <p:sp>
-          <p:nvSpPr>
-            <p:cNvPr id="17" name="Freeform 33"/>
-            <p:cNvSpPr/>
-            <p:nvPr/>
-          </p:nvSpPr>
-          <p:spPr bwMode="auto">
-            <a:xfrm>
-              <a:off x="7021513" y="3598863"/>
-              <a:ext cx="68263" cy="423863"/>
-            </a:xfrm>
-            <a:custGeom>
-              <a:avLst/>
-              <a:gdLst/>
-              <a:ahLst/>
-              <a:cxnLst/>
-              <a:rect l="0" t="0" r="r" b="b"/>
-              <a:pathLst>
-                <a:path w="17" h="107">
-                  <a:moveTo>
-                    <a:pt x="4" y="54"/>
-                  </a:moveTo>
-                  <a:cubicBezTo>
-                    <a:pt x="8" y="72"/>
-                    <a:pt x="13" y="89"/>
-                    <a:pt x="17" y="107"/>
-                  </a:cubicBezTo>
-                  <a:cubicBezTo>
-                    <a:pt x="14" y="86"/>
-                    <a:pt x="12" y="65"/>
-                    <a:pt x="10" y="44"/>
-                  </a:cubicBezTo>
-                  <a:cubicBezTo>
-                    <a:pt x="10" y="44"/>
-                    <a:pt x="9" y="43"/>
-                    <a:pt x="9" y="43"/>
-                  </a:cubicBezTo>
-                  <a:cubicBezTo>
-                    <a:pt x="6" y="29"/>
-                    <a:pt x="3" y="14"/>
-                    <a:pt x="0" y="0"/>
-                  </a:cubicBezTo>
-                  <a:cubicBezTo>
-                    <a:pt x="0" y="2"/>
-                    <a:pt x="0" y="5"/>
-                    <a:pt x="0" y="8"/>
-                  </a:cubicBezTo>
-                  <a:cubicBezTo>
-                    <a:pt x="1" y="23"/>
-                    <a:pt x="3" y="39"/>
-                    <a:pt x="4" y="54"/>
-                  </a:cubicBezTo>
-                  <a:close/>
-                </a:path>
-              </a:pathLst>
-            </a:custGeom>
-            <a:solidFill>
-              <a:schemeClr val="tx2"/>
-            </a:solidFill>
-            <a:ln>
-              <a:noFill/>
-            </a:ln>
-          </p:spPr>
-        </p:sp>
-        <p:sp>
-          <p:nvSpPr>
-            <p:cNvPr id="18" name="Freeform 34"/>
-            <p:cNvSpPr/>
-            <p:nvPr/>
-          </p:nvSpPr>
-          <p:spPr bwMode="auto">
-            <a:xfrm>
-              <a:off x="7412038" y="2801938"/>
-              <a:ext cx="1168400" cy="2251075"/>
-            </a:xfrm>
-            <a:custGeom>
-              <a:avLst/>
-              <a:gdLst/>
-              <a:ahLst/>
-              <a:cxnLst/>
-              <a:rect l="0" t="0" r="r" b="b"/>
-              <a:pathLst>
-                <a:path w="294" h="568">
-                  <a:moveTo>
-                    <a:pt x="8" y="553"/>
-                  </a:moveTo>
-                  <a:cubicBezTo>
-                    <a:pt x="9" y="501"/>
-                    <a:pt x="19" y="448"/>
-                    <a:pt x="35" y="397"/>
-                  </a:cubicBezTo>
-                  <a:cubicBezTo>
-                    <a:pt x="51" y="347"/>
-                    <a:pt x="73" y="298"/>
-                    <a:pt x="99" y="252"/>
-                  </a:cubicBezTo>
-                  <a:cubicBezTo>
-                    <a:pt x="124" y="205"/>
-                    <a:pt x="154" y="161"/>
-                    <a:pt x="187" y="119"/>
-                  </a:cubicBezTo>
-                  <a:cubicBezTo>
-                    <a:pt x="203" y="98"/>
-                    <a:pt x="220" y="77"/>
-                    <a:pt x="238" y="58"/>
-                  </a:cubicBezTo>
-                  <a:cubicBezTo>
-                    <a:pt x="247" y="48"/>
-                    <a:pt x="256" y="38"/>
-                    <a:pt x="265" y="28"/>
-                  </a:cubicBezTo>
-                  <a:cubicBezTo>
-                    <a:pt x="274" y="19"/>
-                    <a:pt x="284" y="9"/>
-                    <a:pt x="294" y="0"/>
-                  </a:cubicBezTo>
-                  <a:cubicBezTo>
-                    <a:pt x="293" y="0"/>
-                    <a:pt x="293" y="0"/>
-                    <a:pt x="293" y="0"/>
-                  </a:cubicBezTo>
-                  <a:cubicBezTo>
-                    <a:pt x="283" y="9"/>
-                    <a:pt x="273" y="18"/>
-                    <a:pt x="264" y="27"/>
-                  </a:cubicBezTo>
-                  <a:cubicBezTo>
-                    <a:pt x="255" y="37"/>
-                    <a:pt x="246" y="47"/>
-                    <a:pt x="237" y="56"/>
-                  </a:cubicBezTo>
-                  <a:cubicBezTo>
-                    <a:pt x="218" y="76"/>
-                    <a:pt x="201" y="96"/>
-                    <a:pt x="185" y="117"/>
-                  </a:cubicBezTo>
-                  <a:cubicBezTo>
-                    <a:pt x="151" y="159"/>
-                    <a:pt x="121" y="203"/>
-                    <a:pt x="95" y="249"/>
-                  </a:cubicBezTo>
-                  <a:cubicBezTo>
-                    <a:pt x="68" y="296"/>
-                    <a:pt x="46" y="345"/>
-                    <a:pt x="30" y="396"/>
-                  </a:cubicBezTo>
-                  <a:cubicBezTo>
-                    <a:pt x="13" y="445"/>
-                    <a:pt x="3" y="497"/>
-                    <a:pt x="0" y="549"/>
-                  </a:cubicBezTo>
-                  <a:cubicBezTo>
-                    <a:pt x="3" y="555"/>
-                    <a:pt x="5" y="561"/>
-                    <a:pt x="7" y="568"/>
-                  </a:cubicBezTo>
-                  <a:cubicBezTo>
-                    <a:pt x="7" y="563"/>
-                    <a:pt x="7" y="558"/>
-                    <a:pt x="8" y="553"/>
-                  </a:cubicBezTo>
-                  <a:close/>
-                </a:path>
-              </a:pathLst>
-            </a:custGeom>
-            <a:solidFill>
-              <a:schemeClr val="tx2"/>
-            </a:solidFill>
-            <a:ln>
-              <a:noFill/>
-            </a:ln>
-          </p:spPr>
-        </p:sp>
-        <p:sp>
-          <p:nvSpPr>
-            <p:cNvPr id="19" name="Freeform 35"/>
-            <p:cNvSpPr/>
-            <p:nvPr/>
-          </p:nvSpPr>
-          <p:spPr bwMode="auto">
-            <a:xfrm>
-              <a:off x="7494588" y="5664200"/>
-              <a:ext cx="100013" cy="209550"/>
-            </a:xfrm>
-            <a:custGeom>
-              <a:avLst/>
-              <a:gdLst/>
-              <a:ahLst/>
-              <a:cxnLst/>
-              <a:rect l="0" t="0" r="r" b="b"/>
-              <a:pathLst>
-                <a:path w="25" h="53">
-                  <a:moveTo>
-                    <a:pt x="0" y="0"/>
-                  </a:moveTo>
-                  <a:cubicBezTo>
-                    <a:pt x="5" y="18"/>
-                    <a:pt x="12" y="36"/>
-                    <a:pt x="19" y="53"/>
-                  </a:cubicBezTo>
-                  <a:cubicBezTo>
-                    <a:pt x="25" y="53"/>
-                    <a:pt x="25" y="53"/>
-                    <a:pt x="25" y="53"/>
-                  </a:cubicBezTo>
-                  <a:cubicBezTo>
-                    <a:pt x="16" y="36"/>
-                    <a:pt x="8" y="18"/>
-                    <a:pt x="0" y="0"/>
-                  </a:cubicBezTo>
-                  <a:close/>
-                </a:path>
-              </a:pathLst>
-            </a:custGeom>
-            <a:solidFill>
-              <a:schemeClr val="tx2"/>
-            </a:solidFill>
-            <a:ln>
-              <a:noFill/>
-            </a:ln>
-          </p:spPr>
-        </p:sp>
-        <p:sp>
-          <p:nvSpPr>
-            <p:cNvPr id="20" name="Freeform 36"/>
-            <p:cNvSpPr/>
-            <p:nvPr/>
-          </p:nvSpPr>
-          <p:spPr bwMode="auto">
-            <a:xfrm>
-              <a:off x="7412038" y="5081588"/>
-              <a:ext cx="114300" cy="558800"/>
-            </a:xfrm>
-            <a:custGeom>
-              <a:avLst/>
-              <a:gdLst/>
-              <a:ahLst/>
-              <a:cxnLst/>
-              <a:rect l="0" t="0" r="r" b="b"/>
-              <a:pathLst>
-                <a:path w="29" h="141">
-                  <a:moveTo>
-                    <a:pt x="0" y="0"/>
-                  </a:moveTo>
-                  <a:cubicBezTo>
-                    <a:pt x="0" y="30"/>
-                    <a:pt x="2" y="60"/>
-                    <a:pt x="7" y="89"/>
-                  </a:cubicBezTo>
-                  <a:cubicBezTo>
-                    <a:pt x="11" y="98"/>
-                    <a:pt x="14" y="108"/>
-                    <a:pt x="18" y="117"/>
-                  </a:cubicBezTo>
-                  <a:cubicBezTo>
-                    <a:pt x="22" y="125"/>
-                    <a:pt x="25" y="133"/>
-                    <a:pt x="29" y="141"/>
-                  </a:cubicBezTo>
-                  <a:cubicBezTo>
-                    <a:pt x="28" y="139"/>
-                    <a:pt x="28" y="137"/>
-                    <a:pt x="27" y="135"/>
-                  </a:cubicBezTo>
-                  <a:cubicBezTo>
-                    <a:pt x="16" y="98"/>
-                    <a:pt x="10" y="60"/>
-                    <a:pt x="8" y="22"/>
-                  </a:cubicBezTo>
-                  <a:cubicBezTo>
-                    <a:pt x="7" y="18"/>
-                    <a:pt x="5" y="15"/>
-                    <a:pt x="4" y="11"/>
-                  </a:cubicBezTo>
-                  <a:cubicBezTo>
-                    <a:pt x="2" y="7"/>
-                    <a:pt x="1" y="3"/>
-                    <a:pt x="0" y="0"/>
-                  </a:cubicBezTo>
-                  <a:close/>
-                </a:path>
-              </a:pathLst>
-            </a:custGeom>
-            <a:solidFill>
-              <a:schemeClr val="tx2"/>
-            </a:solidFill>
-            <a:ln>
-              <a:noFill/>
-            </a:ln>
-          </p:spPr>
-        </p:sp>
-        <p:sp>
-          <p:nvSpPr>
-            <p:cNvPr id="21" name="Freeform 37"/>
-            <p:cNvSpPr/>
-            <p:nvPr/>
-          </p:nvSpPr>
-          <p:spPr bwMode="auto">
-            <a:xfrm>
-              <a:off x="7412038" y="4978400"/>
-              <a:ext cx="31750" cy="188913"/>
-            </a:xfrm>
-            <a:custGeom>
-              <a:avLst/>
-              <a:gdLst/>
-              <a:ahLst/>
-              <a:cxnLst/>
-              <a:rect l="0" t="0" r="r" b="b"/>
-              <a:pathLst>
-                <a:path w="8" h="48">
-                  <a:moveTo>
-                    <a:pt x="0" y="26"/>
-                  </a:moveTo>
-                  <a:cubicBezTo>
-                    <a:pt x="1" y="29"/>
-                    <a:pt x="2" y="33"/>
-                    <a:pt x="4" y="37"/>
-                  </a:cubicBezTo>
-                  <a:cubicBezTo>
-                    <a:pt x="5" y="41"/>
-                    <a:pt x="7" y="44"/>
-                    <a:pt x="8" y="48"/>
-                  </a:cubicBezTo>
-                  <a:cubicBezTo>
-                    <a:pt x="7" y="38"/>
-                    <a:pt x="7" y="28"/>
-                    <a:pt x="7" y="19"/>
-                  </a:cubicBezTo>
-                  <a:cubicBezTo>
-                    <a:pt x="5" y="12"/>
-                    <a:pt x="3" y="6"/>
-                    <a:pt x="0" y="0"/>
-                  </a:cubicBezTo>
-                  <a:cubicBezTo>
-                    <a:pt x="0" y="1"/>
-                    <a:pt x="0" y="3"/>
-                    <a:pt x="0" y="4"/>
-                  </a:cubicBezTo>
-                  <a:cubicBezTo>
-                    <a:pt x="0" y="11"/>
-                    <a:pt x="0" y="19"/>
-                    <a:pt x="0" y="26"/>
-                  </a:cubicBezTo>
-                  <a:close/>
-                </a:path>
-              </a:pathLst>
-            </a:custGeom>
-            <a:solidFill>
-              <a:schemeClr val="tx2"/>
-            </a:solidFill>
-            <a:ln>
-              <a:noFill/>
-            </a:ln>
-          </p:spPr>
-        </p:sp>
-        <p:sp>
-          <p:nvSpPr>
-            <p:cNvPr id="22" name="Freeform 38"/>
-            <p:cNvSpPr/>
-            <p:nvPr/>
-          </p:nvSpPr>
-          <p:spPr bwMode="auto">
-            <a:xfrm>
-              <a:off x="7439026" y="5434013"/>
-              <a:ext cx="174625" cy="439738"/>
-            </a:xfrm>
-            <a:custGeom>
-              <a:avLst/>
-              <a:gdLst/>
-              <a:ahLst/>
-              <a:cxnLst/>
-              <a:rect l="0" t="0" r="r" b="b"/>
-              <a:pathLst>
-                <a:path w="44" h="111">
-                  <a:moveTo>
-                    <a:pt x="11" y="28"/>
-                  </a:moveTo>
-                  <a:cubicBezTo>
-                    <a:pt x="7" y="19"/>
-                    <a:pt x="4" y="9"/>
-                    <a:pt x="0" y="0"/>
-                  </a:cubicBezTo>
-                  <a:cubicBezTo>
-                    <a:pt x="3" y="16"/>
-                    <a:pt x="7" y="33"/>
-                    <a:pt x="11" y="49"/>
-                  </a:cubicBezTo>
-                  <a:cubicBezTo>
-                    <a:pt x="12" y="52"/>
-                    <a:pt x="13" y="55"/>
-                    <a:pt x="14" y="58"/>
-                  </a:cubicBezTo>
-                  <a:cubicBezTo>
-                    <a:pt x="22" y="76"/>
-                    <a:pt x="30" y="94"/>
-                    <a:pt x="39" y="111"/>
-                  </a:cubicBezTo>
-                  <a:cubicBezTo>
-                    <a:pt x="44" y="111"/>
-                    <a:pt x="44" y="111"/>
-                    <a:pt x="44" y="111"/>
-                  </a:cubicBezTo>
-                  <a:cubicBezTo>
-                    <a:pt x="35" y="92"/>
-                    <a:pt x="28" y="72"/>
-                    <a:pt x="22" y="52"/>
-                  </a:cubicBezTo>
-                  <a:cubicBezTo>
-                    <a:pt x="18" y="44"/>
-                    <a:pt x="15" y="36"/>
-                    <a:pt x="11" y="28"/>
-                  </a:cubicBezTo>
-                  <a:close/>
-                </a:path>
-              </a:pathLst>
-            </a:custGeom>
-            <a:solidFill>
-              <a:schemeClr val="tx2"/>
-            </a:solidFill>
-            <a:ln>
-              <a:noFill/>
-            </a:ln>
-          </p:spPr>
-        </p:sp>
-      </p:grpSp>
-      <p:sp>
-        <p:nvSpPr>
-          <p:cNvPr id="7" name="Rectangle 6"/>
-          <p:cNvSpPr/>
-          <p:nvPr/>
-        </p:nvSpPr>
+        </p:nvPicPr>
+        <p:blipFill rotWithShape="1">
+          <a:blip r:embed="rId19">
+            <a:extLst>
+              <a:ext uri="{28A0092B-C50C-407E-A947-70E740481C1C}">
+                <a14:useLocalDpi xmlns:a14="http://schemas.microsoft.com/office/drawing/2010/main" val="0"/>
+              </a:ext>
+            </a:extLst>
+          </a:blip>
+          <a:srcRect l="3613"/>
+          <a:stretch/>
+        </p:blipFill>
         <p:spPr>
           <a:xfrm>
-            <a:off x="0" y="0"/>
-            <a:ext cx="182880" cy="6858000"/>
+            <a:off x="0" y="2669685"/>
+            <a:ext cx="4037012" cy="4188315"/>
           </a:xfrm>
           <a:prstGeom prst="rect">
             <a:avLst/>
           </a:prstGeom>
-          <a:solidFill>
-            <a:schemeClr val="tx2"/>
-          </a:solidFill>
+        </p:spPr>
+      </p:pic>
+      <p:pic>
+        <p:nvPicPr>
+          <p:cNvPr id="7" name="Picture 6"/>
+          <p:cNvPicPr>
+            <a:picLocks noChangeAspect="1"/>
+          </p:cNvPicPr>
+          <p:nvPr/>
+        </p:nvPicPr>
+        <p:blipFill rotWithShape="1">
+          <a:blip r:embed="rId20">
+            <a:extLst>
+              <a:ext uri="{28A0092B-C50C-407E-A947-70E740481C1C}">
+                <a14:useLocalDpi xmlns:a14="http://schemas.microsoft.com/office/drawing/2010/main" val="0"/>
+              </a:ext>
+            </a:extLst>
+          </a:blip>
+          <a:srcRect l="35640"/>
+          <a:stretch/>
+        </p:blipFill>
+        <p:spPr>
+          <a:xfrm>
+            <a:off x="0" y="2892347"/>
+            <a:ext cx="1522412" cy="2365453"/>
+          </a:xfrm>
+          <a:prstGeom prst="rect">
+            <a:avLst/>
+          </a:prstGeom>
+        </p:spPr>
+      </p:pic>
+      <p:sp>
+        <p:nvSpPr>
+          <p:cNvPr id="16" name="Oval 15"/>
+          <p:cNvSpPr/>
+          <p:nvPr/>
+        </p:nvSpPr>
+        <p:spPr>
+          <a:xfrm>
+            <a:off x="8609012" y="1676400"/>
+            <a:ext cx="2819400" cy="2819400"/>
+          </a:xfrm>
+          <a:prstGeom prst="ellipse">
+            <a:avLst/>
+          </a:prstGeom>
+          <a:gradFill flip="none" rotWithShape="1">
+            <a:gsLst>
+              <a:gs pos="0">
+                <a:schemeClr val="bg2">
+                  <a:lumMod val="60000"/>
+                  <a:lumOff val="40000"/>
+                  <a:alpha val="7000"/>
+                </a:schemeClr>
+              </a:gs>
+              <a:gs pos="69000">
+                <a:schemeClr val="bg2">
+                  <a:lumMod val="60000"/>
+                  <a:lumOff val="40000"/>
+                  <a:alpha val="0"/>
+                </a:schemeClr>
+              </a:gs>
+              <a:gs pos="36000">
+                <a:schemeClr val="bg2">
+                  <a:lumMod val="60000"/>
+                  <a:lumOff val="40000"/>
+                  <a:alpha val="6000"/>
+                </a:schemeClr>
+              </a:gs>
+            </a:gsLst>
+            <a:path path="circle">
+              <a:fillToRect l="50000" t="50000" r="50000" b="50000"/>
+            </a:path>
+            <a:tileRect/>
+          </a:gradFill>
           <a:ln>
             <a:noFill/>
           </a:ln>
@@ -7042,125 +5360,299 @@
           </a:fontRef>
         </p:style>
       </p:sp>
-      <p:sp>
-        <p:nvSpPr>
-          <p:cNvPr id="2" name="Title Placeholder 1"/>
-          <p:cNvSpPr>
-            <a:spLocks noGrp="1"/>
-          </p:cNvSpPr>
-          <p:nvPr>
-            <p:ph type="title"/>
-          </p:nvPr>
-        </p:nvSpPr>
+      <p:pic>
+        <p:nvPicPr>
+          <p:cNvPr id="9" name="Picture 8"/>
+          <p:cNvPicPr>
+            <a:picLocks noChangeAspect="1"/>
+          </p:cNvPicPr>
+          <p:nvPr/>
+        </p:nvPicPr>
+        <p:blipFill rotWithShape="1">
+          <a:blip r:embed="rId21">
+            <a:extLst>
+              <a:ext uri="{28A0092B-C50C-407E-A947-70E740481C1C}">
+                <a14:useLocalDpi xmlns:a14="http://schemas.microsoft.com/office/drawing/2010/main" val="0"/>
+              </a:ext>
+            </a:extLst>
+          </a:blip>
+          <a:srcRect t="28813"/>
+          <a:stretch/>
+        </p:blipFill>
         <p:spPr>
           <a:xfrm>
-            <a:off x="2592924" y="624110"/>
-            <a:ext cx="8911687" cy="1280890"/>
+            <a:off x="7999412" y="0"/>
+            <a:ext cx="1603387" cy="1141407"/>
           </a:xfrm>
           <a:prstGeom prst="rect">
             <a:avLst/>
           </a:prstGeom>
         </p:spPr>
-        <p:txBody>
-          <a:bodyPr vert="horz" lIns="91440" tIns="45720" rIns="91440" bIns="45720" rtlCol="0" anchor="t">
-            <a:normAutofit/>
-          </a:bodyPr>
-          <a:lstStyle/>
-          <a:p>
-            <a:r>
-              <a:rPr lang="en-US" smtClean="0"/>
-              <a:t>Click to edit Master title style</a:t>
-            </a:r>
-            <a:endParaRPr lang="en-US" dirty="0"/>
-          </a:p>
-        </p:txBody>
-      </p:sp>
-      <p:sp>
-        <p:nvSpPr>
-          <p:cNvPr id="3" name="Text Placeholder 2"/>
-          <p:cNvSpPr>
-            <a:spLocks noGrp="1"/>
-          </p:cNvSpPr>
-          <p:nvPr>
-            <p:ph type="body" idx="1"/>
-          </p:nvPr>
-        </p:nvSpPr>
+      </p:pic>
+      <p:pic>
+        <p:nvPicPr>
+          <p:cNvPr id="10" name="Picture 9"/>
+          <p:cNvPicPr>
+            <a:picLocks noChangeAspect="1"/>
+          </p:cNvPicPr>
+          <p:nvPr/>
+        </p:nvPicPr>
+        <p:blipFill rotWithShape="1">
+          <a:blip r:embed="rId22">
+            <a:extLst>
+              <a:ext uri="{28A0092B-C50C-407E-A947-70E740481C1C}">
+                <a14:useLocalDpi xmlns:a14="http://schemas.microsoft.com/office/drawing/2010/main" val="0"/>
+              </a:ext>
+            </a:extLst>
+          </a:blip>
+          <a:srcRect b="23320"/>
+          <a:stretch/>
+        </p:blipFill>
         <p:spPr>
           <a:xfrm>
-            <a:off x="2589212" y="2133600"/>
-            <a:ext cx="8915400" cy="3886200"/>
+            <a:off x="8605878" y="6096000"/>
+            <a:ext cx="993734" cy="762000"/>
           </a:xfrm>
           <a:prstGeom prst="rect">
             <a:avLst/>
           </a:prstGeom>
         </p:spPr>
-        <p:txBody>
-          <a:bodyPr vert="horz" lIns="91440" tIns="45720" rIns="91440" bIns="45720" rtlCol="0">
-            <a:normAutofit/>
-          </a:bodyPr>
-          <a:lstStyle/>
-          <a:p>
-            <a:pPr lvl="0"/>
-            <a:r>
-              <a:rPr lang="en-US" smtClean="0"/>
-              <a:t>Click to edit Master text styles</a:t>
-            </a:r>
-          </a:p>
-          <a:p>
-            <a:pPr lvl="1"/>
-            <a:r>
-              <a:rPr lang="en-US" smtClean="0"/>
-              <a:t>Second level</a:t>
-            </a:r>
-          </a:p>
-          <a:p>
-            <a:pPr lvl="2"/>
-            <a:r>
-              <a:rPr lang="en-US" smtClean="0"/>
-              <a:t>Third level</a:t>
-            </a:r>
-          </a:p>
-          <a:p>
-            <a:pPr lvl="3"/>
-            <a:r>
-              <a:rPr lang="en-US" smtClean="0"/>
-              <a:t>Fourth level</a:t>
-            </a:r>
-          </a:p>
-          <a:p>
-            <a:pPr lvl="4"/>
-            <a:r>
-              <a:rPr lang="en-US" smtClean="0"/>
-              <a:t>Fifth level</a:t>
-            </a:r>
-            <a:endParaRPr lang="en-US" dirty="0"/>
-          </a:p>
-        </p:txBody>
-      </p:sp>
-      <p:sp>
-        <p:nvSpPr>
-          <p:cNvPr id="4" name="Date Placeholder 3"/>
-          <p:cNvSpPr>
-            <a:spLocks noGrp="1"/>
-          </p:cNvSpPr>
-          <p:nvPr>
-            <p:ph type="dt" sz="half" idx="2"/>
-          </p:nvPr>
+      </p:pic>
+      <p:sp>
+        <p:nvSpPr>
+          <p:cNvPr id="14" name="Rectangle 13"/>
+          <p:cNvSpPr/>
+          <p:nvPr/>
         </p:nvSpPr>
         <p:spPr>
           <a:xfrm>
-            <a:off x="10361612" y="6130437"/>
-            <a:ext cx="1146283" cy="370396"/>
+            <a:off x="10437812" y="0"/>
+            <a:ext cx="685800" cy="1143000"/>
+          </a:xfrm>
+          <a:prstGeom prst="rect">
+            <a:avLst/>
+          </a:prstGeom>
+          <a:solidFill>
+            <a:schemeClr val="accent1"/>
+          </a:solidFill>
+          <a:ln>
+            <a:noFill/>
+          </a:ln>
+        </p:spPr>
+        <p:style>
+          <a:lnRef idx="1">
+            <a:schemeClr val="accent1"/>
+          </a:lnRef>
+          <a:fillRef idx="3">
+            <a:schemeClr val="accent1"/>
+          </a:fillRef>
+          <a:effectRef idx="2">
+            <a:schemeClr val="accent1"/>
+          </a:effectRef>
+          <a:fontRef idx="minor">
+            <a:schemeClr val="lt1"/>
+          </a:fontRef>
+        </p:style>
+      </p:sp>
+      <p:sp>
+        <p:nvSpPr>
+          <p:cNvPr id="2" name="Title Placeholder 1"/>
+          <p:cNvSpPr>
+            <a:spLocks noGrp="1"/>
+          </p:cNvSpPr>
+          <p:nvPr>
+            <p:ph type="title"/>
+          </p:nvPr>
+        </p:nvSpPr>
+        <p:spPr>
+          <a:xfrm>
+            <a:off x="646111" y="452718"/>
+            <a:ext cx="9404723" cy="1400530"/>
           </a:xfrm>
           <a:prstGeom prst="rect">
             <a:avLst/>
           </a:prstGeom>
         </p:spPr>
         <p:txBody>
-          <a:bodyPr vert="horz" lIns="91440" tIns="45720" rIns="91440" bIns="45720" rtlCol="0" anchor="ctr"/>
+          <a:bodyPr vert="horz" lIns="91440" tIns="45720" rIns="91440" bIns="45720" rtlCol="0" anchor="t">
+            <a:noAutofit/>
+          </a:bodyPr>
+          <a:lstStyle/>
+          <a:p>
+            <a:r>
+              <a:rPr lang="en-US" smtClean="0"/>
+              <a:t>Click to edit Master title style</a:t>
+            </a:r>
+            <a:endParaRPr lang="en-US" dirty="0"/>
+          </a:p>
+        </p:txBody>
+      </p:sp>
+      <p:sp>
+        <p:nvSpPr>
+          <p:cNvPr id="3" name="Text Placeholder 2"/>
+          <p:cNvSpPr>
+            <a:spLocks noGrp="1"/>
+          </p:cNvSpPr>
+          <p:nvPr>
+            <p:ph type="body" idx="1"/>
+          </p:nvPr>
+        </p:nvSpPr>
+        <p:spPr>
+          <a:xfrm>
+            <a:off x="1103312" y="2052918"/>
+            <a:ext cx="8946541" cy="4195481"/>
+          </a:xfrm>
+          <a:prstGeom prst="rect">
+            <a:avLst/>
+          </a:prstGeom>
+        </p:spPr>
+        <p:txBody>
+          <a:bodyPr vert="horz" lIns="91440" tIns="45720" rIns="91440" bIns="45720" rtlCol="0">
+            <a:normAutofit/>
+          </a:bodyPr>
+          <a:lstStyle/>
+          <a:p>
+            <a:pPr lvl="0"/>
+            <a:r>
+              <a:rPr lang="en-US" smtClean="0"/>
+              <a:t>Click to edit Master text styles</a:t>
+            </a:r>
+          </a:p>
+          <a:p>
+            <a:pPr lvl="1"/>
+            <a:r>
+              <a:rPr lang="en-US" smtClean="0"/>
+              <a:t>Second level</a:t>
+            </a:r>
+          </a:p>
+          <a:p>
+            <a:pPr lvl="2"/>
+            <a:r>
+              <a:rPr lang="en-US" smtClean="0"/>
+              <a:t>Third level</a:t>
+            </a:r>
+          </a:p>
+          <a:p>
+            <a:pPr lvl="3"/>
+            <a:r>
+              <a:rPr lang="en-US" smtClean="0"/>
+              <a:t>Fourth level</a:t>
+            </a:r>
+          </a:p>
+          <a:p>
+            <a:pPr lvl="4"/>
+            <a:r>
+              <a:rPr lang="en-US" smtClean="0"/>
+              <a:t>Fifth level</a:t>
+            </a:r>
+            <a:endParaRPr lang="en-US" dirty="0"/>
+          </a:p>
+        </p:txBody>
+      </p:sp>
+      <p:sp>
+        <p:nvSpPr>
+          <p:cNvPr id="4" name="Date Placeholder 3"/>
+          <p:cNvSpPr>
+            <a:spLocks noGrp="1"/>
+          </p:cNvSpPr>
+          <p:nvPr>
+            <p:ph type="dt" sz="half" idx="2"/>
+          </p:nvPr>
+        </p:nvSpPr>
+        <p:spPr>
+          <a:xfrm rot="5400000">
+            <a:off x="10155639" y="1790701"/>
+            <a:ext cx="990599" cy="304799"/>
+          </a:xfrm>
+          <a:prstGeom prst="rect">
+            <a:avLst/>
+          </a:prstGeom>
+        </p:spPr>
+        <p:txBody>
+          <a:bodyPr vert="horz" lIns="91440" tIns="45720" rIns="91440" bIns="45720" rtlCol="0" anchor="t"/>
           <a:lstStyle>
-            <a:lvl1pPr algn="r">
-              <a:defRPr sz="900">
+            <a:lvl1pPr algn="l">
+              <a:defRPr sz="1100" b="0" i="0">
+                <a:solidFill>
+                  <a:schemeClr val="tx1">
+                    <a:tint val="75000"/>
+                    <a:alpha val="60000"/>
+                  </a:schemeClr>
+                </a:solidFill>
+              </a:defRPr>
+            </a:lvl1pPr>
+          </a:lstStyle>
+          <a:p>
+            <a:fld id="{5C14DCE7-D199-4F9B-A217-DE89E664B56E}" type="datetimeFigureOut">
+              <a:rPr lang="en-US" smtClean="0"/>
+              <a:t>28/12/2019</a:t>
+            </a:fld>
+            <a:endParaRPr lang="en-US"/>
+          </a:p>
+        </p:txBody>
+      </p:sp>
+      <p:sp>
+        <p:nvSpPr>
+          <p:cNvPr id="5" name="Footer Placeholder 4"/>
+          <p:cNvSpPr>
+            <a:spLocks noGrp="1"/>
+          </p:cNvSpPr>
+          <p:nvPr>
+            <p:ph type="ftr" sz="quarter" idx="3"/>
+          </p:nvPr>
+        </p:nvSpPr>
+        <p:spPr>
+          <a:xfrm rot="5400000">
+            <a:off x="8951573" y="3225297"/>
+            <a:ext cx="3859795" cy="304801"/>
+          </a:xfrm>
+          <a:prstGeom prst="rect">
+            <a:avLst/>
+          </a:prstGeom>
+        </p:spPr>
+        <p:txBody>
+          <a:bodyPr vert="horz" lIns="91440" tIns="45720" rIns="91440" bIns="45720" rtlCol="0" anchor="b"/>
+          <a:lstStyle>
+            <a:lvl1pPr algn="l">
+              <a:defRPr sz="1100" b="0" i="0">
+                <a:solidFill>
+                  <a:schemeClr val="tx1">
+                    <a:tint val="75000"/>
+                    <a:alpha val="60000"/>
+                  </a:schemeClr>
+                </a:solidFill>
+              </a:defRPr>
+            </a:lvl1pPr>
+          </a:lstStyle>
+          <a:p>
+            <a:endParaRPr lang="en-US"/>
+          </a:p>
+        </p:txBody>
+      </p:sp>
+      <p:sp>
+        <p:nvSpPr>
+          <p:cNvPr id="6" name="Slide Number Placeholder 5"/>
+          <p:cNvSpPr>
+            <a:spLocks noGrp="1"/>
+          </p:cNvSpPr>
+          <p:nvPr>
+            <p:ph type="sldNum" sz="quarter" idx="4"/>
+          </p:nvPr>
+        </p:nvSpPr>
+        <p:spPr bwMode="gray">
+          <a:xfrm>
+            <a:off x="10352540" y="295729"/>
+            <a:ext cx="838199" cy="767687"/>
+          </a:xfrm>
+          <a:prstGeom prst="rect">
+            <a:avLst/>
+          </a:prstGeom>
+        </p:spPr>
+        <p:txBody>
+          <a:bodyPr vert="horz" lIns="91440" tIns="45720" rIns="91440" bIns="45720" rtlCol="0" anchor="b"/>
+          <a:lstStyle>
+            <a:lvl1pPr algn="ctr">
+              <a:defRPr sz="2800" b="0" i="0">
                 <a:solidFill>
                   <a:schemeClr val="tx1">
                     <a:tint val="75000"/>
@@ -7170,82 +5662,6 @@
             </a:lvl1pPr>
           </a:lstStyle>
           <a:p>
-            <a:fld id="{5C14DCE7-D199-4F9B-A217-DE89E664B56E}" type="datetimeFigureOut">
-              <a:rPr lang="en-US" smtClean="0"/>
-              <a:t>12/19/2019</a:t>
-            </a:fld>
-            <a:endParaRPr lang="en-US"/>
-          </a:p>
-        </p:txBody>
-      </p:sp>
-      <p:sp>
-        <p:nvSpPr>
-          <p:cNvPr id="5" name="Footer Placeholder 4"/>
-          <p:cNvSpPr>
-            <a:spLocks noGrp="1"/>
-          </p:cNvSpPr>
-          <p:nvPr>
-            <p:ph type="ftr" sz="quarter" idx="3"/>
-          </p:nvPr>
-        </p:nvSpPr>
-        <p:spPr>
-          <a:xfrm>
-            <a:off x="2589212" y="6135808"/>
-            <a:ext cx="7619999" cy="365125"/>
-          </a:xfrm>
-          <a:prstGeom prst="rect">
-            <a:avLst/>
-          </a:prstGeom>
-        </p:spPr>
-        <p:txBody>
-          <a:bodyPr vert="horz" lIns="91440" tIns="45720" rIns="91440" bIns="45720" rtlCol="0" anchor="ctr"/>
-          <a:lstStyle>
-            <a:lvl1pPr algn="l">
-              <a:defRPr sz="900">
-                <a:solidFill>
-                  <a:schemeClr val="tx1">
-                    <a:tint val="75000"/>
-                  </a:schemeClr>
-                </a:solidFill>
-              </a:defRPr>
-            </a:lvl1pPr>
-          </a:lstStyle>
-          <a:p>
-            <a:endParaRPr lang="en-US"/>
-          </a:p>
-        </p:txBody>
-      </p:sp>
-      <p:sp>
-        <p:nvSpPr>
-          <p:cNvPr id="6" name="Slide Number Placeholder 5"/>
-          <p:cNvSpPr>
-            <a:spLocks noGrp="1"/>
-          </p:cNvSpPr>
-          <p:nvPr>
-            <p:ph type="sldNum" sz="quarter" idx="4"/>
-          </p:nvPr>
-        </p:nvSpPr>
-        <p:spPr bwMode="gray">
-          <a:xfrm>
-            <a:off x="531812" y="787782"/>
-            <a:ext cx="779767" cy="365125"/>
-          </a:xfrm>
-          <a:prstGeom prst="rect">
-            <a:avLst/>
-          </a:prstGeom>
-        </p:spPr>
-        <p:txBody>
-          <a:bodyPr vert="horz" lIns="91440" tIns="45720" rIns="91440" bIns="45720" rtlCol="0" anchor="ctr"/>
-          <a:lstStyle>
-            <a:lvl1pPr algn="r">
-              <a:defRPr sz="2000">
-                <a:solidFill>
-                  <a:srgbClr val="FEFFFF"/>
-                </a:solidFill>
-              </a:defRPr>
-            </a:lvl1pPr>
-          </a:lstStyle>
-          <a:p>
             <a:fld id="{1C1F0AF3-E601-4074-BAE5-701C376FEBAE}" type="slidenum">
               <a:rPr lang="en-US" smtClean="0"/>
               <a:t>‹#›</a:t>
@@ -7257,28 +5673,29 @@
     </p:spTree>
     <p:extLst>
       <p:ext uri="{BB962C8B-B14F-4D97-AF65-F5344CB8AC3E}">
-        <p14:creationId xmlns:p14="http://schemas.microsoft.com/office/powerpoint/2010/main" val="1958159293"/>
+        <p14:creationId xmlns:p14="http://schemas.microsoft.com/office/powerpoint/2010/main" val="718371354"/>
       </p:ext>
     </p:extLst>
   </p:cSld>
-  <p:clrMap bg1="lt1" tx1="dk1" bg2="lt2" tx2="dk2" accent1="accent1" accent2="accent2" accent3="accent3" accent4="accent4" accent5="accent5" accent6="accent6" hlink="hlink" folHlink="folHlink"/>
+  <p:clrMap bg1="dk1" tx1="lt1" bg2="dk2" tx2="lt2" accent1="accent1" accent2="accent2" accent3="accent3" accent4="accent4" accent5="accent5" accent6="accent6" hlink="hlink" folHlink="folHlink"/>
   <p:sldLayoutIdLst>
-    <p:sldLayoutId id="2147483673" r:id="rId1"/>
-    <p:sldLayoutId id="2147483674" r:id="rId2"/>
-    <p:sldLayoutId id="2147483675" r:id="rId3"/>
-    <p:sldLayoutId id="2147483676" r:id="rId4"/>
-    <p:sldLayoutId id="2147483677" r:id="rId5"/>
-    <p:sldLayoutId id="2147483678" r:id="rId6"/>
-    <p:sldLayoutId id="2147483679" r:id="rId7"/>
-    <p:sldLayoutId id="2147483680" r:id="rId8"/>
-    <p:sldLayoutId id="2147483681" r:id="rId9"/>
-    <p:sldLayoutId id="2147483682" r:id="rId10"/>
-    <p:sldLayoutId id="2147483683" r:id="rId11"/>
-    <p:sldLayoutId id="2147483684" r:id="rId12"/>
-    <p:sldLayoutId id="2147483685" r:id="rId13"/>
-    <p:sldLayoutId id="2147483686" r:id="rId14"/>
-    <p:sldLayoutId id="2147483687" r:id="rId15"/>
-    <p:sldLayoutId id="2147483688" r:id="rId16"/>
+    <p:sldLayoutId id="2147483761" r:id="rId1"/>
+    <p:sldLayoutId id="2147483762" r:id="rId2"/>
+    <p:sldLayoutId id="2147483763" r:id="rId3"/>
+    <p:sldLayoutId id="2147483764" r:id="rId4"/>
+    <p:sldLayoutId id="2147483765" r:id="rId5"/>
+    <p:sldLayoutId id="2147483766" r:id="rId6"/>
+    <p:sldLayoutId id="2147483767" r:id="rId7"/>
+    <p:sldLayoutId id="2147483768" r:id="rId8"/>
+    <p:sldLayoutId id="2147483769" r:id="rId9"/>
+    <p:sldLayoutId id="2147483770" r:id="rId10"/>
+    <p:sldLayoutId id="2147483771" r:id="rId11"/>
+    <p:sldLayoutId id="2147483772" r:id="rId12"/>
+    <p:sldLayoutId id="2147483773" r:id="rId13"/>
+    <p:sldLayoutId id="2147483774" r:id="rId14"/>
+    <p:sldLayoutId id="2147483775" r:id="rId15"/>
+    <p:sldLayoutId id="2147483776" r:id="rId16"/>
+    <p:sldLayoutId id="2147483777" r:id="rId17"/>
   </p:sldLayoutIdLst>
   <p:txStyles>
     <p:titleStyle>
@@ -7287,12 +5704,9 @@
           <a:spcPct val="0"/>
         </a:spcBef>
         <a:buNone/>
-        <a:defRPr sz="3600" kern="1200">
+        <a:defRPr sz="4200" b="0" i="0" kern="1200">
           <a:solidFill>
-            <a:schemeClr val="tx1">
-              <a:lumMod val="85000"/>
-              <a:lumOff val="15000"/>
-            </a:schemeClr>
+            <a:schemeClr val="tx2"/>
           </a:solidFill>
           <a:latin typeface="+mj-lt"/>
           <a:ea typeface="+mj-ea"/>
@@ -7365,20 +5779,21 @@
           <a:spcPts val="0"/>
         </a:spcAft>
         <a:buClr>
-          <a:schemeClr val="accent1"/>
+          <a:schemeClr val="bg2">
+            <a:lumMod val="40000"/>
+            <a:lumOff val="60000"/>
+          </a:schemeClr>
         </a:buClr>
+        <a:buSzPct val="80000"/>
         <a:buFont typeface="Wingdings 3" charset="2"/>
-        <a:buChar char=""/>
-        <a:defRPr sz="1800" kern="1200">
+        <a:buChar char=""/>
+        <a:defRPr sz="2000" b="0" i="0" kern="1200">
           <a:solidFill>
-            <a:schemeClr val="tx1">
-              <a:lumMod val="75000"/>
-              <a:lumOff val="25000"/>
-            </a:schemeClr>
+            <a:schemeClr val="tx1"/>
           </a:solidFill>
-          <a:latin typeface="+mn-lt"/>
-          <a:ea typeface="+mn-ea"/>
-          <a:cs typeface="+mn-cs"/>
+          <a:latin typeface="+mj-lt"/>
+          <a:ea typeface="+mj-ea"/>
+          <a:cs typeface="+mj-cs"/>
         </a:defRPr>
       </a:lvl1pPr>
       <a:lvl2pPr marL="742950" indent="-285750" algn="l" defTabSz="457200" rtl="0" eaLnBrk="1" latinLnBrk="0" hangingPunct="1">
@@ -7389,20 +5804,21 @@
           <a:spcPts val="0"/>
         </a:spcAft>
         <a:buClr>
-          <a:schemeClr val="accent1"/>
+          <a:schemeClr val="bg2">
+            <a:lumMod val="40000"/>
+            <a:lumOff val="60000"/>
+          </a:schemeClr>
         </a:buClr>
+        <a:buSzPct val="80000"/>
         <a:buFont typeface="Wingdings 3" charset="2"/>
-        <a:buChar char=""/>
-        <a:defRPr sz="1600" kern="1200">
+        <a:buChar char=""/>
+        <a:defRPr sz="1800" b="0" i="0" kern="1200">
           <a:solidFill>
-            <a:schemeClr val="tx1">
-              <a:lumMod val="75000"/>
-              <a:lumOff val="25000"/>
-            </a:schemeClr>
+            <a:schemeClr val="tx1"/>
           </a:solidFill>
-          <a:latin typeface="+mn-lt"/>
-          <a:ea typeface="+mn-ea"/>
-          <a:cs typeface="+mn-cs"/>
+          <a:latin typeface="+mj-lt"/>
+          <a:ea typeface="+mj-ea"/>
+          <a:cs typeface="+mj-cs"/>
         </a:defRPr>
       </a:lvl2pPr>
       <a:lvl3pPr marL="1143000" indent="-228600" algn="l" defTabSz="457200" rtl="0" eaLnBrk="1" latinLnBrk="0" hangingPunct="1">
@@ -7413,20 +5829,21 @@
           <a:spcPts val="0"/>
         </a:spcAft>
         <a:buClr>
-          <a:schemeClr val="accent1"/>
+          <a:schemeClr val="bg2">
+            <a:lumMod val="40000"/>
+            <a:lumOff val="60000"/>
+          </a:schemeClr>
         </a:buClr>
+        <a:buSzPct val="80000"/>
         <a:buFont typeface="Wingdings 3" charset="2"/>
-        <a:buChar char=""/>
-        <a:defRPr sz="1400" kern="1200">
+        <a:buChar char=""/>
+        <a:defRPr sz="1600" b="0" i="0" kern="1200">
           <a:solidFill>
-            <a:schemeClr val="tx1">
-              <a:lumMod val="75000"/>
-              <a:lumOff val="25000"/>
-            </a:schemeClr>
+            <a:schemeClr val="tx1"/>
           </a:solidFill>
-          <a:latin typeface="+mn-lt"/>
-          <a:ea typeface="+mn-ea"/>
-          <a:cs typeface="+mn-cs"/>
+          <a:latin typeface="+mj-lt"/>
+          <a:ea typeface="+mj-ea"/>
+          <a:cs typeface="+mj-cs"/>
         </a:defRPr>
       </a:lvl3pPr>
       <a:lvl4pPr marL="1600200" indent="-228600" algn="l" defTabSz="457200" rtl="0" eaLnBrk="1" latinLnBrk="0" hangingPunct="1">
@@ -7437,20 +5854,21 @@
           <a:spcPts val="0"/>
         </a:spcAft>
         <a:buClr>
-          <a:schemeClr val="accent1"/>
+          <a:schemeClr val="bg2">
+            <a:lumMod val="40000"/>
+            <a:lumOff val="60000"/>
+          </a:schemeClr>
         </a:buClr>
+        <a:buSzPct val="80000"/>
         <a:buFont typeface="Wingdings 3" charset="2"/>
-        <a:buChar char=""/>
-        <a:defRPr sz="1200" kern="1200">
+        <a:buChar char=""/>
+        <a:defRPr sz="1400" b="0" i="0" kern="1200">
           <a:solidFill>
-            <a:schemeClr val="tx1">
-              <a:lumMod val="75000"/>
-              <a:lumOff val="25000"/>
-            </a:schemeClr>
+            <a:schemeClr val="tx1"/>
           </a:solidFill>
-          <a:latin typeface="+mn-lt"/>
-          <a:ea typeface="+mn-ea"/>
-          <a:cs typeface="+mn-cs"/>
+          <a:latin typeface="+mj-lt"/>
+          <a:ea typeface="+mj-ea"/>
+          <a:cs typeface="+mj-cs"/>
         </a:defRPr>
       </a:lvl4pPr>
       <a:lvl5pPr marL="2057400" indent="-228600" algn="l" defTabSz="457200" rtl="0" eaLnBrk="1" latinLnBrk="0" hangingPunct="1">
@@ -7461,23 +5879,24 @@
           <a:spcPts val="0"/>
         </a:spcAft>
         <a:buClr>
-          <a:schemeClr val="accent1"/>
+          <a:schemeClr val="bg2">
+            <a:lumMod val="40000"/>
+            <a:lumOff val="60000"/>
+          </a:schemeClr>
         </a:buClr>
+        <a:buSzPct val="80000"/>
         <a:buFont typeface="Wingdings 3" charset="2"/>
-        <a:buChar char=""/>
-        <a:defRPr sz="1200" kern="1200">
+        <a:buChar char=""/>
+        <a:defRPr sz="1400" b="0" i="0" kern="1200">
           <a:solidFill>
-            <a:schemeClr val="tx1">
-              <a:lumMod val="75000"/>
-              <a:lumOff val="25000"/>
-            </a:schemeClr>
+            <a:schemeClr val="tx1"/>
           </a:solidFill>
-          <a:latin typeface="+mn-lt"/>
-          <a:ea typeface="+mn-ea"/>
-          <a:cs typeface="+mn-cs"/>
+          <a:latin typeface="+mj-lt"/>
+          <a:ea typeface="+mj-ea"/>
+          <a:cs typeface="+mj-cs"/>
         </a:defRPr>
       </a:lvl5pPr>
-      <a:lvl6pPr marL="2514600" indent="-228600" algn="l" defTabSz="457200" rtl="0" eaLnBrk="1" latinLnBrk="0" hangingPunct="1">
+      <a:lvl6pPr marL="2506000" indent="-228600" algn="l" defTabSz="457200" rtl="0" eaLnBrk="1" latinLnBrk="0" hangingPunct="1">
         <a:spcBef>
           <a:spcPts val="1000"/>
         </a:spcBef>
@@ -7485,20 +5904,21 @@
           <a:spcPts val="0"/>
         </a:spcAft>
         <a:buClr>
-          <a:schemeClr val="accent1"/>
+          <a:schemeClr val="bg2">
+            <a:lumMod val="40000"/>
+            <a:lumOff val="60000"/>
+          </a:schemeClr>
         </a:buClr>
+        <a:buSzPct val="80000"/>
         <a:buFont typeface="Wingdings 3" charset="2"/>
-        <a:buChar char=""/>
-        <a:defRPr sz="1200" kern="1200">
+        <a:buChar char=""/>
+        <a:defRPr sz="1400" b="0" i="0" kern="1200">
           <a:solidFill>
-            <a:schemeClr val="tx1">
-              <a:lumMod val="75000"/>
-              <a:lumOff val="25000"/>
-            </a:schemeClr>
+            <a:schemeClr val="tx1"/>
           </a:solidFill>
-          <a:latin typeface="+mn-lt"/>
-          <a:ea typeface="+mn-ea"/>
-          <a:cs typeface="+mn-cs"/>
+          <a:latin typeface="+mj-lt"/>
+          <a:ea typeface="+mj-ea"/>
+          <a:cs typeface="+mj-cs"/>
         </a:defRPr>
       </a:lvl6pPr>
       <a:lvl7pPr marL="2971800" indent="-228600" algn="l" defTabSz="457200" rtl="0" eaLnBrk="1" latinLnBrk="0" hangingPunct="1">
@@ -7509,20 +5929,21 @@
           <a:spcPts val="0"/>
         </a:spcAft>
         <a:buClr>
-          <a:schemeClr val="accent1"/>
+          <a:schemeClr val="bg2">
+            <a:lumMod val="40000"/>
+            <a:lumOff val="60000"/>
+          </a:schemeClr>
         </a:buClr>
+        <a:buSzPct val="80000"/>
         <a:buFont typeface="Wingdings 3" charset="2"/>
-        <a:buChar char=""/>
-        <a:defRPr sz="1200" kern="1200">
+        <a:buChar char=""/>
+        <a:defRPr sz="1400" b="0" i="0" kern="1200">
           <a:solidFill>
-            <a:schemeClr val="tx1">
-              <a:lumMod val="75000"/>
-              <a:lumOff val="25000"/>
-            </a:schemeClr>
+            <a:schemeClr val="tx1"/>
           </a:solidFill>
-          <a:latin typeface="+mn-lt"/>
-          <a:ea typeface="+mn-ea"/>
-          <a:cs typeface="+mn-cs"/>
+          <a:latin typeface="+mj-lt"/>
+          <a:ea typeface="+mj-ea"/>
+          <a:cs typeface="+mj-cs"/>
         </a:defRPr>
       </a:lvl7pPr>
       <a:lvl8pPr marL="3429000" indent="-228600" algn="l" defTabSz="457200" rtl="0" eaLnBrk="1" latinLnBrk="0" hangingPunct="1">
@@ -7533,20 +5954,21 @@
           <a:spcPts val="0"/>
         </a:spcAft>
         <a:buClr>
-          <a:schemeClr val="accent1"/>
+          <a:schemeClr val="bg2">
+            <a:lumMod val="40000"/>
+            <a:lumOff val="60000"/>
+          </a:schemeClr>
         </a:buClr>
+        <a:buSzPct val="80000"/>
         <a:buFont typeface="Wingdings 3" charset="2"/>
-        <a:buChar char=""/>
-        <a:defRPr sz="1200" kern="1200">
+        <a:buChar char=""/>
+        <a:defRPr sz="1400" b="0" i="0" kern="1200">
           <a:solidFill>
-            <a:schemeClr val="tx1">
-              <a:lumMod val="75000"/>
-              <a:lumOff val="25000"/>
-            </a:schemeClr>
+            <a:schemeClr val="tx1"/>
           </a:solidFill>
-          <a:latin typeface="+mn-lt"/>
-          <a:ea typeface="+mn-ea"/>
-          <a:cs typeface="+mn-cs"/>
+          <a:latin typeface="+mj-lt"/>
+          <a:ea typeface="+mj-ea"/>
+          <a:cs typeface="+mj-cs"/>
         </a:defRPr>
       </a:lvl8pPr>
       <a:lvl9pPr marL="3886200" indent="-228600" algn="l" defTabSz="457200" rtl="0" eaLnBrk="1" latinLnBrk="0" hangingPunct="1">
@@ -7557,20 +5979,21 @@
           <a:spcPts val="0"/>
         </a:spcAft>
         <a:buClr>
-          <a:schemeClr val="accent1"/>
+          <a:schemeClr val="bg2">
+            <a:lumMod val="40000"/>
+            <a:lumOff val="60000"/>
+          </a:schemeClr>
         </a:buClr>
+        <a:buSzPct val="80000"/>
         <a:buFont typeface="Wingdings 3" charset="2"/>
-        <a:buChar char=""/>
-        <a:defRPr sz="1200" kern="1200">
+        <a:buChar char=""/>
+        <a:defRPr sz="1400" b="0" i="0" kern="1200">
           <a:solidFill>
-            <a:schemeClr val="tx1">
-              <a:lumMod val="75000"/>
-              <a:lumOff val="25000"/>
-            </a:schemeClr>
+            <a:schemeClr val="tx1"/>
           </a:solidFill>
-          <a:latin typeface="+mn-lt"/>
-          <a:ea typeface="+mn-ea"/>
-          <a:cs typeface="+mn-cs"/>
+          <a:latin typeface="+mj-lt"/>
+          <a:ea typeface="+mj-ea"/>
+          <a:cs typeface="+mj-cs"/>
         </a:defRPr>
       </a:lvl9pPr>
     </p:bodyStyle>
@@ -7775,7 +6198,7 @@
           <a:lstStyle/>
           <a:p>
             <a:r>
-              <a:rPr lang="en-US" sz="2200" dirty="0" smtClean="0">
+              <a:rPr lang="en-US" sz="2200" b="1" i="1" dirty="0" smtClean="0">
                 <a:latin typeface="Times New Roman" panose="02020603050405020304" pitchFamily="18" charset="0"/>
                 <a:cs typeface="Times New Roman" panose="02020603050405020304" pitchFamily="18" charset="0"/>
               </a:rPr>
@@ -7784,16 +6207,37 @@
           </a:p>
           <a:p>
             <a:r>
-              <a:rPr lang="en-US" sz="2200" dirty="0" smtClean="0">
+              <a:rPr lang="en-US" sz="2200" i="1" dirty="0" smtClean="0">
                 <a:latin typeface="Times New Roman" panose="02020603050405020304" pitchFamily="18" charset="0"/>
                 <a:cs typeface="Times New Roman" panose="02020603050405020304" pitchFamily="18" charset="0"/>
               </a:rPr>
-              <a:t>Đổ Trọng Hảo 	      –  110117051</a:t>
-            </a:r>
-          </a:p>
-          <a:p>
-            <a:r>
-              <a:rPr lang="en-US" sz="2200" dirty="0" smtClean="0">
+              <a:t>Đổ Trọng Hảo 	</a:t>
+            </a:r>
+            <a:r>
+              <a:rPr lang="en-US" sz="2200" i="1" smtClean="0">
+                <a:latin typeface="Times New Roman" panose="02020603050405020304" pitchFamily="18" charset="0"/>
+                <a:cs typeface="Times New Roman" panose="02020603050405020304" pitchFamily="18" charset="0"/>
+              </a:rPr>
+              <a:t>    </a:t>
+            </a:r>
+            <a:r>
+              <a:rPr lang="en-US" sz="2200" i="1" smtClean="0">
+                <a:latin typeface="Times New Roman" panose="02020603050405020304" pitchFamily="18" charset="0"/>
+                <a:cs typeface="Times New Roman" panose="02020603050405020304" pitchFamily="18" charset="0"/>
+              </a:rPr>
+              <a:t> </a:t>
+            </a:r>
+            <a:r>
+              <a:rPr lang="en-US" sz="2200" i="1" dirty="0" smtClean="0">
+                <a:latin typeface="Times New Roman" panose="02020603050405020304" pitchFamily="18" charset="0"/>
+                <a:cs typeface="Times New Roman" panose="02020603050405020304" pitchFamily="18" charset="0"/>
+              </a:rPr>
+              <a:t>–  110117051</a:t>
+            </a:r>
+          </a:p>
+          <a:p>
+            <a:r>
+              <a:rPr lang="en-US" sz="2200" i="1" dirty="0" smtClean="0">
                 <a:latin typeface="Times New Roman" panose="02020603050405020304" pitchFamily="18" charset="0"/>
                 <a:cs typeface="Times New Roman" panose="02020603050405020304" pitchFamily="18" charset="0"/>
               </a:rPr>
@@ -7802,27 +6246,34 @@
           </a:p>
           <a:p>
             <a:r>
-              <a:rPr lang="en-US" sz="2200" dirty="0" smtClean="0">
+              <a:rPr lang="en-US" sz="2200" i="1" dirty="0" smtClean="0">
                 <a:latin typeface="Times New Roman" panose="02020603050405020304" pitchFamily="18" charset="0"/>
                 <a:cs typeface="Times New Roman" panose="02020603050405020304" pitchFamily="18" charset="0"/>
               </a:rPr>
-              <a:t>Võ Lê Khánh Duy   </a:t>
-            </a:r>
-            <a:r>
-              <a:rPr lang="en-US" sz="2200" dirty="0" smtClean="0">
+              <a:t>Võ Lê Khánh </a:t>
+            </a:r>
+            <a:r>
+              <a:rPr lang="en-US" sz="2200" i="1" smtClean="0">
+                <a:latin typeface="Times New Roman" panose="02020603050405020304" pitchFamily="18" charset="0"/>
+                <a:cs typeface="Times New Roman" panose="02020603050405020304" pitchFamily="18" charset="0"/>
+              </a:rPr>
+              <a:t>Duy  </a:t>
+            </a:r>
+            <a:r>
+              <a:rPr lang="en-US" sz="2200" i="1" smtClean="0">
                 <a:latin typeface="Times New Roman" panose="02020603050405020304" pitchFamily="18" charset="0"/>
                 <a:cs typeface="Times New Roman" panose="02020603050405020304" pitchFamily="18" charset="0"/>
               </a:rPr>
               <a:t>–  </a:t>
             </a:r>
             <a:r>
-              <a:rPr lang="en-US" sz="2200" dirty="0" smtClean="0">
+              <a:rPr lang="en-US" sz="2200" i="1" dirty="0" smtClean="0">
                 <a:latin typeface="Times New Roman" panose="02020603050405020304" pitchFamily="18" charset="0"/>
                 <a:cs typeface="Times New Roman" panose="02020603050405020304" pitchFamily="18" charset="0"/>
               </a:rPr>
               <a:t>110117048</a:t>
             </a:r>
-            <a:endParaRPr lang="en-US" sz="2200" dirty="0">
+            <a:endParaRPr lang="en-US" sz="2200" i="1" dirty="0">
               <a:latin typeface="Times New Roman" panose="02020603050405020304" pitchFamily="18" charset="0"/>
               <a:cs typeface="Times New Roman" panose="02020603050405020304" pitchFamily="18" charset="0"/>
             </a:endParaRPr>
@@ -7852,13 +6303,13 @@
           <a:lstStyle/>
           <a:p>
             <a:r>
-              <a:rPr lang="en-US" sz="2400" dirty="0" smtClean="0">
+              <a:rPr lang="en-US" sz="2400" i="1" dirty="0" smtClean="0">
                 <a:latin typeface="Times New Roman" panose="02020603050405020304" pitchFamily="18" charset="0"/>
                 <a:cs typeface="Times New Roman" panose="02020603050405020304" pitchFamily="18" charset="0"/>
               </a:rPr>
               <a:t>GVHD: Nguyễn Bá Nhiệm</a:t>
             </a:r>
-            <a:endParaRPr lang="en-US" sz="2400" dirty="0">
+            <a:endParaRPr lang="en-US" sz="2400" i="1" dirty="0">
               <a:latin typeface="Times New Roman" panose="02020603050405020304" pitchFamily="18" charset="0"/>
               <a:cs typeface="Times New Roman" panose="02020603050405020304" pitchFamily="18" charset="0"/>
             </a:endParaRPr>
@@ -7886,6 +6337,231 @@
 </file>
 
 <file path=ppt/slides/slide2.xml><?xml version="1.0" encoding="utf-8"?>
+<p:sld xmlns:a="http://schemas.openxmlformats.org/drawingml/2006/main" xmlns:r="http://schemas.openxmlformats.org/officeDocument/2006/relationships" xmlns:p="http://schemas.openxmlformats.org/presentationml/2006/main">
+  <p:cSld>
+    <p:spTree>
+      <p:nvGrpSpPr>
+        <p:cNvPr id="1" name=""/>
+        <p:cNvGrpSpPr/>
+        <p:nvPr/>
+      </p:nvGrpSpPr>
+      <p:grpSpPr>
+        <a:xfrm>
+          <a:off x="0" y="0"/>
+          <a:ext cx="0" cy="0"/>
+          <a:chOff x="0" y="0"/>
+          <a:chExt cx="0" cy="0"/>
+        </a:xfrm>
+      </p:grpSpPr>
+      <p:sp>
+        <p:nvSpPr>
+          <p:cNvPr id="2" name="Title 1"/>
+          <p:cNvSpPr>
+            <a:spLocks noGrp="1"/>
+          </p:cNvSpPr>
+          <p:nvPr>
+            <p:ph type="title"/>
+          </p:nvPr>
+        </p:nvSpPr>
+        <p:spPr/>
+        <p:txBody>
+          <a:bodyPr/>
+          <a:lstStyle/>
+          <a:p>
+            <a:endParaRPr lang="en-US"/>
+          </a:p>
+        </p:txBody>
+      </p:sp>
+      <p:sp>
+        <p:nvSpPr>
+          <p:cNvPr id="3" name="Content Placeholder 2"/>
+          <p:cNvSpPr>
+            <a:spLocks noGrp="1"/>
+          </p:cNvSpPr>
+          <p:nvPr>
+            <p:ph idx="1"/>
+          </p:nvPr>
+        </p:nvSpPr>
+        <p:spPr/>
+        <p:txBody>
+          <a:bodyPr/>
+          <a:lstStyle/>
+          <a:p>
+            <a:endParaRPr lang="en-US"/>
+          </a:p>
+        </p:txBody>
+      </p:sp>
+    </p:spTree>
+    <p:extLst>
+      <p:ext uri="{BB962C8B-B14F-4D97-AF65-F5344CB8AC3E}">
+        <p14:creationId xmlns:p14="http://schemas.microsoft.com/office/powerpoint/2010/main" val="807732364"/>
+      </p:ext>
+    </p:extLst>
+  </p:cSld>
+  <p:clrMapOvr>
+    <a:masterClrMapping/>
+  </p:clrMapOvr>
+  <p:timing>
+    <p:tnLst>
+      <p:par>
+        <p:cTn id="1" dur="indefinite" restart="never" nodeType="tmRoot"/>
+      </p:par>
+    </p:tnLst>
+  </p:timing>
+</p:sld>
+</file>
+
+<file path=ppt/slides/slide3.xml><?xml version="1.0" encoding="utf-8"?>
+<p:sld xmlns:a="http://schemas.openxmlformats.org/drawingml/2006/main" xmlns:r="http://schemas.openxmlformats.org/officeDocument/2006/relationships" xmlns:p="http://schemas.openxmlformats.org/presentationml/2006/main">
+  <p:cSld>
+    <p:spTree>
+      <p:nvGrpSpPr>
+        <p:cNvPr id="1" name=""/>
+        <p:cNvGrpSpPr/>
+        <p:nvPr/>
+      </p:nvGrpSpPr>
+      <p:grpSpPr>
+        <a:xfrm>
+          <a:off x="0" y="0"/>
+          <a:ext cx="0" cy="0"/>
+          <a:chOff x="0" y="0"/>
+          <a:chExt cx="0" cy="0"/>
+        </a:xfrm>
+      </p:grpSpPr>
+      <p:sp>
+        <p:nvSpPr>
+          <p:cNvPr id="2" name="Title 1"/>
+          <p:cNvSpPr>
+            <a:spLocks noGrp="1"/>
+          </p:cNvSpPr>
+          <p:nvPr>
+            <p:ph type="title"/>
+          </p:nvPr>
+        </p:nvSpPr>
+        <p:spPr/>
+        <p:txBody>
+          <a:bodyPr/>
+          <a:lstStyle/>
+          <a:p>
+            <a:endParaRPr lang="en-US"/>
+          </a:p>
+        </p:txBody>
+      </p:sp>
+      <p:sp>
+        <p:nvSpPr>
+          <p:cNvPr id="3" name="Content Placeholder 2"/>
+          <p:cNvSpPr>
+            <a:spLocks noGrp="1"/>
+          </p:cNvSpPr>
+          <p:nvPr>
+            <p:ph idx="1"/>
+          </p:nvPr>
+        </p:nvSpPr>
+        <p:spPr/>
+        <p:txBody>
+          <a:bodyPr/>
+          <a:lstStyle/>
+          <a:p>
+            <a:endParaRPr lang="en-US"/>
+          </a:p>
+        </p:txBody>
+      </p:sp>
+    </p:spTree>
+    <p:extLst>
+      <p:ext uri="{BB962C8B-B14F-4D97-AF65-F5344CB8AC3E}">
+        <p14:creationId xmlns:p14="http://schemas.microsoft.com/office/powerpoint/2010/main" val="2969037182"/>
+      </p:ext>
+    </p:extLst>
+  </p:cSld>
+  <p:clrMapOvr>
+    <a:masterClrMapping/>
+  </p:clrMapOvr>
+  <p:timing>
+    <p:tnLst>
+      <p:par>
+        <p:cTn id="1" dur="indefinite" restart="never" nodeType="tmRoot"/>
+      </p:par>
+    </p:tnLst>
+  </p:timing>
+</p:sld>
+</file>
+
+<file path=ppt/slides/slide4.xml><?xml version="1.0" encoding="utf-8"?>
+<p:sld xmlns:a="http://schemas.openxmlformats.org/drawingml/2006/main" xmlns:r="http://schemas.openxmlformats.org/officeDocument/2006/relationships" xmlns:p="http://schemas.openxmlformats.org/presentationml/2006/main">
+  <p:cSld>
+    <p:spTree>
+      <p:nvGrpSpPr>
+        <p:cNvPr id="1" name=""/>
+        <p:cNvGrpSpPr/>
+        <p:nvPr/>
+      </p:nvGrpSpPr>
+      <p:grpSpPr>
+        <a:xfrm>
+          <a:off x="0" y="0"/>
+          <a:ext cx="0" cy="0"/>
+          <a:chOff x="0" y="0"/>
+          <a:chExt cx="0" cy="0"/>
+        </a:xfrm>
+      </p:grpSpPr>
+      <p:sp>
+        <p:nvSpPr>
+          <p:cNvPr id="2" name="Title 1"/>
+          <p:cNvSpPr>
+            <a:spLocks noGrp="1"/>
+          </p:cNvSpPr>
+          <p:nvPr>
+            <p:ph type="title"/>
+          </p:nvPr>
+        </p:nvSpPr>
+        <p:spPr/>
+        <p:txBody>
+          <a:bodyPr/>
+          <a:lstStyle/>
+          <a:p>
+            <a:endParaRPr lang="en-US"/>
+          </a:p>
+        </p:txBody>
+      </p:sp>
+      <p:sp>
+        <p:nvSpPr>
+          <p:cNvPr id="3" name="Content Placeholder 2"/>
+          <p:cNvSpPr>
+            <a:spLocks noGrp="1"/>
+          </p:cNvSpPr>
+          <p:nvPr>
+            <p:ph idx="1"/>
+          </p:nvPr>
+        </p:nvSpPr>
+        <p:spPr/>
+        <p:txBody>
+          <a:bodyPr/>
+          <a:lstStyle/>
+          <a:p>
+            <a:endParaRPr lang="en-US"/>
+          </a:p>
+        </p:txBody>
+      </p:sp>
+    </p:spTree>
+    <p:extLst>
+      <p:ext uri="{BB962C8B-B14F-4D97-AF65-F5344CB8AC3E}">
+        <p14:creationId xmlns:p14="http://schemas.microsoft.com/office/powerpoint/2010/main" val="3516987856"/>
+      </p:ext>
+    </p:extLst>
+  </p:cSld>
+  <p:clrMapOvr>
+    <a:masterClrMapping/>
+  </p:clrMapOvr>
+  <p:timing>
+    <p:tnLst>
+      <p:par>
+        <p:cTn id="1" dur="indefinite" restart="never" nodeType="tmRoot"/>
+      </p:par>
+    </p:tnLst>
+  </p:timing>
+</p:sld>
+</file>
+
+<file path=ppt/slides/slide5.xml><?xml version="1.0" encoding="utf-8"?>
 <p:sld xmlns:a="http://schemas.openxmlformats.org/drawingml/2006/main" xmlns:r="http://schemas.openxmlformats.org/officeDocument/2006/relationships" xmlns:p="http://schemas.openxmlformats.org/presentationml/2006/main">
   <p:cSld>
     <p:spTree>
@@ -7925,7 +6601,7 @@
         </p:blipFill>
         <p:spPr bwMode="auto">
           <a:xfrm>
-            <a:off x="1860332" y="1188194"/>
+            <a:off x="1631055" y="854611"/>
             <a:ext cx="9075256" cy="4434841"/>
           </a:xfrm>
           <a:prstGeom prst="rect">
@@ -7948,6 +6624,43 @@
           </a:fontRef>
         </p:style>
       </p:pic>
+      <p:sp>
+        <p:nvSpPr>
+          <p:cNvPr id="3" name="TextBox 2"/>
+          <p:cNvSpPr txBox="1"/>
+          <p:nvPr/>
+        </p:nvSpPr>
+        <p:spPr>
+          <a:xfrm>
+            <a:off x="3432517" y="5514535"/>
+            <a:ext cx="5190978" cy="584775"/>
+          </a:xfrm>
+          <a:prstGeom prst="rect">
+            <a:avLst/>
+          </a:prstGeom>
+          <a:noFill/>
+        </p:spPr>
+        <p:txBody>
+          <a:bodyPr wrap="square" rtlCol="0">
+            <a:spAutoFit/>
+          </a:bodyPr>
+          <a:lstStyle/>
+          <a:p>
+            <a:pPr algn="ctr"/>
+            <a:r>
+              <a:rPr lang="en-US" sz="3200" smtClean="0">
+                <a:latin typeface="Arial" panose="020B0604020202020204" pitchFamily="34" charset="0"/>
+                <a:cs typeface="Arial" panose="020B0604020202020204" pitchFamily="34" charset="0"/>
+              </a:rPr>
+              <a:t>Hệ thống mạng</a:t>
+            </a:r>
+            <a:endParaRPr lang="en-US" sz="3200">
+              <a:latin typeface="Arial" panose="020B0604020202020204" pitchFamily="34" charset="0"/>
+              <a:cs typeface="Arial" panose="020B0604020202020204" pitchFamily="34" charset="0"/>
+            </a:endParaRPr>
+          </a:p>
+        </p:txBody>
+      </p:sp>
     </p:spTree>
     <p:extLst>
       <p:ext uri="{BB962C8B-B14F-4D97-AF65-F5344CB8AC3E}">
@@ -7968,7 +6681,7 @@
 </p:sld>
 </file>
 
-<file path=ppt/slides/slide3.xml><?xml version="1.0" encoding="utf-8"?>
+<file path=ppt/slides/slide6.xml><?xml version="1.0" encoding="utf-8"?>
 <p:sld xmlns:a="http://schemas.openxmlformats.org/drawingml/2006/main" xmlns:r="http://schemas.openxmlformats.org/officeDocument/2006/relationships" xmlns:p="http://schemas.openxmlformats.org/presentationml/2006/main">
   <p:cSld>
     <p:spTree>
@@ -8075,21 +6788,37 @@
             </a:r>
           </a:p>
           <a:p>
+            <a:pPr lvl="1"/>
+            <a:r>
+              <a:rPr lang="en-US" sz="3200" smtClean="0">
+                <a:latin typeface="Times New Roman" panose="02020603050405020304" pitchFamily="18" charset="0"/>
+                <a:cs typeface="Times New Roman" panose="02020603050405020304" pitchFamily="18" charset="0"/>
+              </a:rPr>
+              <a:t>+ HostID</a:t>
+            </a:r>
             <a:r>
               <a:rPr lang="en-US" sz="3200" dirty="0">
                 <a:latin typeface="Times New Roman" panose="02020603050405020304" pitchFamily="18" charset="0"/>
                 <a:cs typeface="Times New Roman" panose="02020603050405020304" pitchFamily="18" charset="0"/>
               </a:rPr>
-              <a:t>+HostID: 172.172.0.1 – 172.172.1.254</a:t>
-            </a:r>
-          </a:p>
-          <a:p>
+              <a:t>: 172.172.0.1 – 172.172.1.254</a:t>
+            </a:r>
+          </a:p>
+          <a:p>
+            <a:pPr lvl="1"/>
+            <a:r>
+              <a:rPr lang="en-US" sz="3200" smtClean="0">
+                <a:latin typeface="Times New Roman" panose="02020603050405020304" pitchFamily="18" charset="0"/>
+                <a:cs typeface="Times New Roman" panose="02020603050405020304" pitchFamily="18" charset="0"/>
+              </a:rPr>
+              <a:t>+ Broadcast</a:t>
+            </a:r>
             <a:r>
               <a:rPr lang="en-US" sz="3200" dirty="0">
                 <a:latin typeface="Times New Roman" panose="02020603050405020304" pitchFamily="18" charset="0"/>
                 <a:cs typeface="Times New Roman" panose="02020603050405020304" pitchFamily="18" charset="0"/>
               </a:rPr>
-              <a:t>+Broadcast: 172.172.1.255</a:t>
+              <a:t>: 172.172.1.255</a:t>
             </a:r>
           </a:p>
           <a:p>
@@ -8758,7 +7487,7 @@
 </p:sld>
 </file>
 
-<file path=ppt/slides/slide4.xml><?xml version="1.0" encoding="utf-8"?>
+<file path=ppt/slides/slide7.xml><?xml version="1.0" encoding="utf-8"?>
 <p:sld xmlns:a="http://schemas.openxmlformats.org/drawingml/2006/main" xmlns:r="http://schemas.openxmlformats.org/officeDocument/2006/relationships" xmlns:p="http://schemas.openxmlformats.org/presentationml/2006/main">
   <p:cSld>
     <p:spTree>
@@ -8838,30 +7567,54 @@
             </a:r>
           </a:p>
           <a:p>
+            <a:pPr lvl="1"/>
+            <a:r>
+              <a:rPr lang="en-US" sz="3200" smtClean="0">
+                <a:latin typeface="Times New Roman" panose="02020603050405020304" pitchFamily="18" charset="0"/>
+                <a:cs typeface="Times New Roman" panose="02020603050405020304" pitchFamily="18" charset="0"/>
+              </a:rPr>
+              <a:t>+ HostID</a:t>
+            </a:r>
             <a:r>
               <a:rPr lang="en-US" sz="3200" dirty="0">
                 <a:latin typeface="Times New Roman" panose="02020603050405020304" pitchFamily="18" charset="0"/>
                 <a:cs typeface="Times New Roman" panose="02020603050405020304" pitchFamily="18" charset="0"/>
               </a:rPr>
-              <a:t>+HostID: 172.172.2.1 – 172.172.3.254</a:t>
-            </a:r>
-          </a:p>
-          <a:p>
+              <a:t>: 172.172.2.1 – 172.172.3.254</a:t>
+            </a:r>
+          </a:p>
+          <a:p>
+            <a:pPr lvl="1"/>
+            <a:r>
+              <a:rPr lang="en-US" sz="3200" smtClean="0">
+                <a:latin typeface="Times New Roman" panose="02020603050405020304" pitchFamily="18" charset="0"/>
+                <a:cs typeface="Times New Roman" panose="02020603050405020304" pitchFamily="18" charset="0"/>
+              </a:rPr>
+              <a:t>+ Broadcast</a:t>
+            </a:r>
             <a:r>
               <a:rPr lang="en-US" sz="3200" dirty="0">
                 <a:latin typeface="Times New Roman" panose="02020603050405020304" pitchFamily="18" charset="0"/>
                 <a:cs typeface="Times New Roman" panose="02020603050405020304" pitchFamily="18" charset="0"/>
               </a:rPr>
-              <a:t>+Broadcast: 172.172.3.255</a:t>
-            </a:r>
-          </a:p>
-          <a:p>
+              <a:t>: 172.172.3.255</a:t>
+            </a:r>
+          </a:p>
+          <a:p>
+            <a:pPr lvl="1"/>
+            <a:r>
+              <a:rPr lang="en-US" sz="3200" smtClean="0">
+                <a:latin typeface="Times New Roman" panose="02020603050405020304" pitchFamily="18" charset="0"/>
+                <a:cs typeface="Times New Roman" panose="02020603050405020304" pitchFamily="18" charset="0"/>
+              </a:rPr>
+              <a:t>+ Subnet </a:t>
+            </a:r>
             <a:r>
               <a:rPr lang="en-US" sz="3200" dirty="0">
                 <a:latin typeface="Times New Roman" panose="02020603050405020304" pitchFamily="18" charset="0"/>
                 <a:cs typeface="Times New Roman" panose="02020603050405020304" pitchFamily="18" charset="0"/>
               </a:rPr>
-              <a:t>+Subnet mask: 255.255.254.0</a:t>
+              <a:t>mask: 255.255.254.0</a:t>
             </a:r>
           </a:p>
           <a:p>
@@ -9217,7 +7970,7 @@
 </p:sld>
 </file>
 
-<file path=ppt/slides/slide5.xml><?xml version="1.0" encoding="utf-8"?>
+<file path=ppt/slides/slide8.xml><?xml version="1.0" encoding="utf-8"?>
 <p:sld xmlns:a="http://schemas.openxmlformats.org/drawingml/2006/main" xmlns:r="http://schemas.openxmlformats.org/officeDocument/2006/relationships" xmlns:p="http://schemas.openxmlformats.org/presentationml/2006/main">
   <p:cSld>
     <p:spTree>
@@ -9968,9 +8721,9 @@
 </file>
 
 <file path=ppt/theme/theme1.xml><?xml version="1.0" encoding="utf-8"?>
-<a:theme xmlns:a="http://schemas.openxmlformats.org/drawingml/2006/main" name="Wisp">
+<a:theme xmlns:a="http://schemas.openxmlformats.org/drawingml/2006/main" name="Ion">
   <a:themeElements>
-    <a:clrScheme name="Wisp">
+    <a:clrScheme name="Ion">
       <a:dk1>
         <a:sysClr val="windowText" lastClr="000000"/>
       </a:dk1>
@@ -9978,48 +8731,83 @@
         <a:sysClr val="window" lastClr="FFFFFF"/>
       </a:lt1>
       <a:dk2>
-        <a:srgbClr val="766F54"/>
+        <a:srgbClr val="1E5155"/>
       </a:dk2>
       <a:lt2>
-        <a:srgbClr val="E3EACF"/>
+        <a:srgbClr val="EBEBEB"/>
       </a:lt2>
       <a:accent1>
-        <a:srgbClr val="A53010"/>
+        <a:srgbClr val="B01513"/>
       </a:accent1>
       <a:accent2>
-        <a:srgbClr val="DE7E18"/>
+        <a:srgbClr val="EA6312"/>
       </a:accent2>
       <a:accent3>
-        <a:srgbClr val="9F8351"/>
+        <a:srgbClr val="E6B729"/>
       </a:accent3>
       <a:accent4>
-        <a:srgbClr val="728653"/>
+        <a:srgbClr val="6AAC90"/>
       </a:accent4>
       <a:accent5>
-        <a:srgbClr val="92AA4C"/>
+        <a:srgbClr val="54849A"/>
       </a:accent5>
       <a:accent6>
-        <a:srgbClr val="6AAC91"/>
+        <a:srgbClr val="9E5E9B"/>
       </a:accent6>
       <a:hlink>
-        <a:srgbClr val="FB4A18"/>
+        <a:srgbClr val="58C1BA"/>
       </a:hlink>
       <a:folHlink>
-        <a:srgbClr val="FB9318"/>
+        <a:srgbClr val="9DFFCB"/>
       </a:folHlink>
     </a:clrScheme>
-    <a:fontScheme name="Wisp">
+    <a:fontScheme name="Ion">
       <a:majorFont>
         <a:latin typeface="Century Gothic" panose="020B0502020202020204"/>
         <a:ea typeface=""/>
         <a:cs typeface=""/>
         <a:font script="Jpan" typeface="メイリオ"/>
-        <a:font script="Hang" typeface="HY중고딕"/>
-        <a:font script="Hans" typeface="幼圆"/>
-        <a:font script="Hant" typeface="微軟正黑體"/>
-        <a:font script="Arab" typeface="Tahoma"/>
-        <a:font script="Hebr" typeface="Gisha"/>
-        <a:font script="Thai" typeface="DilleniaUPC"/>
+        <a:font script="Hang" typeface="맑은 고딕"/>
+        <a:font script="Hans" typeface="宋体"/>
+        <a:font script="Hant" typeface="新細明體"/>
+        <a:font script="Arab" typeface="Times New Roman"/>
+        <a:font script="Hebr" typeface="Times New Roman"/>
+        <a:font script="Thai" typeface="Angsana New"/>
+        <a:font script="Ethi" typeface="Nyala"/>
+        <a:font script="Beng" typeface="Vrinda"/>
+        <a:font script="Gujr" typeface="Shruti"/>
+        <a:font script="Khmr" typeface="MoolBoran"/>
+        <a:font script="Knda" typeface="Tunga"/>
+        <a:font script="Guru" typeface="Raavi"/>
+        <a:font script="Cans" typeface="Euphemia"/>
+        <a:font script="Cher" typeface="Plantagenet Cherokee"/>
+        <a:font script="Yiii" typeface="Microsoft Yi Baiti"/>
+        <a:font script="Tibt" typeface="Microsoft Himalaya"/>
+        <a:font script="Thaa" typeface="MV Boli"/>
+        <a:font script="Deva" typeface="Mangal"/>
+        <a:font script="Telu" typeface="Gautami"/>
+        <a:font script="Taml" typeface="Latha"/>
+        <a:font script="Syrc" typeface="Estrangelo Edessa"/>
+        <a:font script="Orya" typeface="Kalinga"/>
+        <a:font script="Mlym" typeface="Kartika"/>
+        <a:font script="Laoo" typeface="DokChampa"/>
+        <a:font script="Sinh" typeface="Iskoola Pota"/>
+        <a:font script="Mong" typeface="Mongolian Baiti"/>
+        <a:font script="Viet" typeface="Times New Roman"/>
+        <a:font script="Uigh" typeface="Microsoft Uighur"/>
+        <a:font script="Geor" typeface="Sylfaen"/>
+      </a:majorFont>
+      <a:minorFont>
+        <a:latin typeface="Century Gothic" panose="020B0502020202020204"/>
+        <a:ea typeface=""/>
+        <a:cs typeface=""/>
+        <a:font script="Jpan" typeface="メイリオ"/>
+        <a:font script="Hang" typeface="맑은 고딕"/>
+        <a:font script="Hans" typeface="宋体"/>
+        <a:font script="Hant" typeface="新細明體"/>
+        <a:font script="Arab" typeface="Arial"/>
+        <a:font script="Hebr" typeface="Arial"/>
+        <a:font script="Thai" typeface="Cordia New"/>
         <a:font script="Ethi" typeface="Nyala"/>
         <a:font script="Beng" typeface="Vrinda"/>
         <a:font script="Gujr" typeface="Shruti"/>
@@ -10040,69 +8828,46 @@
         <a:font script="Laoo" typeface="DokChampa"/>
         <a:font script="Sinh" typeface="Iskoola Pota"/>
         <a:font script="Mong" typeface="Mongolian Baiti"/>
-        <a:font script="Viet" typeface="Tahoma"/>
-        <a:font script="Uigh" typeface="Microsoft Uighur"/>
-        <a:font script="Geor" typeface="Sylfaen"/>
-      </a:majorFont>
-      <a:minorFont>
-        <a:latin typeface="Century Gothic" panose="020B0502020202020204"/>
-        <a:ea typeface=""/>
-        <a:cs typeface=""/>
-        <a:font script="Jpan" typeface="メイリオ"/>
-        <a:font script="Hang" typeface="HY중고딕"/>
-        <a:font script="Hans" typeface="幼圆"/>
-        <a:font script="Hant" typeface="微軟正黑體"/>
-        <a:font script="Arab" typeface="Tahoma"/>
-        <a:font script="Hebr" typeface="Gisha"/>
-        <a:font script="Thai" typeface="DilleniaUPC"/>
-        <a:font script="Ethi" typeface="Nyala"/>
-        <a:font script="Beng" typeface="Vrinda"/>
-        <a:font script="Gujr" typeface="Shruti"/>
-        <a:font script="Khmr" typeface="DaunPenh"/>
-        <a:font script="Knda" typeface="Tunga"/>
-        <a:font script="Guru" typeface="Raavi"/>
-        <a:font script="Cans" typeface="Euphemia"/>
-        <a:font script="Cher" typeface="Plantagenet Cherokee"/>
-        <a:font script="Yiii" typeface="Microsoft Yi Baiti"/>
-        <a:font script="Tibt" typeface="Microsoft Himalaya"/>
-        <a:font script="Thaa" typeface="MV Boli"/>
-        <a:font script="Deva" typeface="Mangal"/>
-        <a:font script="Telu" typeface="Gautami"/>
-        <a:font script="Taml" typeface="Latha"/>
-        <a:font script="Syrc" typeface="Estrangelo Edessa"/>
-        <a:font script="Orya" typeface="Kalinga"/>
-        <a:font script="Mlym" typeface="Kartika"/>
-        <a:font script="Laoo" typeface="DokChampa"/>
-        <a:font script="Sinh" typeface="Iskoola Pota"/>
-        <a:font script="Mong" typeface="Mongolian Baiti"/>
-        <a:font script="Viet" typeface="Tahoma"/>
+        <a:font script="Viet" typeface="Arial"/>
         <a:font script="Uigh" typeface="Microsoft Uighur"/>
         <a:font script="Geor" typeface="Sylfaen"/>
       </a:minorFont>
     </a:fontScheme>
-    <a:fmtScheme name="Wisp">
+    <a:fmtScheme name="Ion">
       <a:fillStyleLst>
         <a:solidFill>
           <a:schemeClr val="phClr"/>
-        </a:solidFill>
-        <a:solidFill>
-          <a:schemeClr val="phClr">
-            <a:tint val="70000"/>
-            <a:lumMod val="104000"/>
-          </a:schemeClr>
         </a:solidFill>
         <a:gradFill rotWithShape="1">
           <a:gsLst>
             <a:gs pos="0">
               <a:schemeClr val="phClr">
-                <a:tint val="96000"/>
-                <a:lumMod val="104000"/>
+                <a:tint val="64000"/>
+                <a:lumMod val="118000"/>
               </a:schemeClr>
             </a:gs>
             <a:gs pos="100000">
               <a:schemeClr val="phClr">
-                <a:shade val="98000"/>
-                <a:lumMod val="94000"/>
+                <a:tint val="92000"/>
+                <a:alpha val="100000"/>
+                <a:lumMod val="110000"/>
+              </a:schemeClr>
+            </a:gs>
+          </a:gsLst>
+          <a:lin ang="5400000" scaled="0"/>
+        </a:gradFill>
+        <a:gradFill rotWithShape="1">
+          <a:gsLst>
+            <a:gs pos="0">
+              <a:schemeClr val="phClr">
+                <a:tint val="98000"/>
+                <a:lumMod val="114000"/>
+              </a:schemeClr>
+            </a:gs>
+            <a:gs pos="100000">
+              <a:schemeClr val="phClr">
+                <a:shade val="90000"/>
+                <a:lumMod val="84000"/>
               </a:schemeClr>
             </a:gs>
           </a:gsLst>
@@ -10112,19 +8877,17 @@
       <a:lnStyleLst>
         <a:ln w="9525" cap="rnd" cmpd="sng" algn="ctr">
           <a:solidFill>
-            <a:schemeClr val="phClr">
-              <a:shade val="90000"/>
-            </a:schemeClr>
+            <a:schemeClr val="phClr"/>
           </a:solidFill>
           <a:prstDash val="solid"/>
         </a:ln>
-        <a:ln w="15875" cap="rnd" cmpd="sng" algn="ctr">
+        <a:ln w="19050" cap="rnd" cmpd="sng" algn="ctr">
           <a:solidFill>
             <a:schemeClr val="phClr"/>
           </a:solidFill>
           <a:prstDash val="solid"/>
         </a:ln>
-        <a:ln w="22225" cap="rnd" cmpd="sng" algn="ctr">
+        <a:ln w="28575" cap="rnd" cmpd="sng" algn="ctr">
           <a:solidFill>
             <a:schemeClr val="phClr"/>
           </a:solidFill>
@@ -10139,19 +8902,28 @@
           <a:effectLst>
             <a:outerShdw blurRad="38100" dist="25400" dir="5400000" rotWithShape="0">
               <a:srgbClr val="000000">
-                <a:alpha val="25000"/>
+                <a:alpha val="45000"/>
               </a:srgbClr>
             </a:outerShdw>
           </a:effectLst>
         </a:effectStyle>
         <a:effectStyle>
           <a:effectLst>
-            <a:outerShdw blurRad="50800" dist="38100" dir="5400000" rotWithShape="0">
+            <a:outerShdw blurRad="63500" dist="38100" dir="5400000" rotWithShape="0">
               <a:srgbClr val="000000">
                 <a:alpha val="60000"/>
               </a:srgbClr>
             </a:outerShdw>
           </a:effectLst>
+          <a:scene3d>
+            <a:camera prst="orthographicFront">
+              <a:rot lat="0" lon="0" rev="0"/>
+            </a:camera>
+            <a:lightRig rig="threePt" dir="tl"/>
+          </a:scene3d>
+          <a:sp3d prstMaterial="plastic">
+            <a:bevelT w="0" h="0"/>
+          </a:sp3d>
         </a:effectStyle>
       </a:effectStyleLst>
       <a:bgFillStyleLst>
@@ -10162,41 +8934,45 @@
           <a:gsLst>
             <a:gs pos="0">
               <a:schemeClr val="phClr">
-                <a:tint val="90000"/>
-                <a:lumMod val="120000"/>
+                <a:tint val="97000"/>
+                <a:hueMod val="88000"/>
+                <a:satMod val="130000"/>
+                <a:lumMod val="124000"/>
               </a:schemeClr>
             </a:gs>
             <a:gs pos="100000">
               <a:schemeClr val="phClr">
-                <a:shade val="98000"/>
-                <a:satMod val="120000"/>
-                <a:lumMod val="98000"/>
-              </a:schemeClr>
-            </a:gs>
-          </a:gsLst>
-          <a:lin ang="5400000" scaled="0"/>
-        </a:gradFill>
-        <a:gradFill rotWithShape="1">
-          <a:gsLst>
-            <a:gs pos="0">
-              <a:schemeClr val="phClr">
-                <a:tint val="90000"/>
-                <a:satMod val="92000"/>
-                <a:lumMod val="120000"/>
-              </a:schemeClr>
-            </a:gs>
-            <a:gs pos="100000">
-              <a:schemeClr val="phClr">
-                <a:shade val="98000"/>
-                <a:satMod val="120000"/>
-                <a:lumMod val="98000"/>
+                <a:tint val="96000"/>
+                <a:shade val="88000"/>
+                <a:hueMod val="108000"/>
+                <a:satMod val="164000"/>
+                <a:lumMod val="76000"/>
               </a:schemeClr>
             </a:gs>
           </a:gsLst>
           <a:path path="circle">
-            <a:fillToRect l="50000" t="50000" r="100000" b="100000"/>
+            <a:fillToRect l="45000" t="65000" r="125000" b="100000"/>
           </a:path>
         </a:gradFill>
+        <a:blipFill rotWithShape="1">
+          <a:blip xmlns:r="http://schemas.openxmlformats.org/officeDocument/2006/relationships" r:embed="rId1">
+            <a:duotone>
+              <a:schemeClr val="phClr">
+                <a:shade val="69000"/>
+                <a:hueMod val="108000"/>
+                <a:satMod val="164000"/>
+                <a:lumMod val="74000"/>
+              </a:schemeClr>
+              <a:schemeClr val="phClr">
+                <a:tint val="96000"/>
+                <a:hueMod val="88000"/>
+                <a:satMod val="140000"/>
+                <a:lumMod val="132000"/>
+              </a:schemeClr>
+            </a:duotone>
+          </a:blip>
+          <a:stretch/>
+        </a:blipFill>
       </a:bgFillStyleLst>
     </a:fmtScheme>
   </a:themeElements>
@@ -10204,7 +8980,7 @@
   <a:extraClrSchemeLst/>
   <a:extLst>
     <a:ext uri="{05A4C25C-085E-4340-85A3-A5531E510DB2}">
-      <thm15:themeFamily xmlns:thm15="http://schemas.microsoft.com/office/thememl/2012/main" name="Wisp" id="{7CB32D59-10C0-40DD-B7BD-2E94284A981C}" vid="{24B1A44C-C006-48B2-A4D7-E5549B3D8CD4}"/>
+      <thm15:themeFamily xmlns:thm15="http://schemas.microsoft.com/office/thememl/2012/main" name="Ion" id="{B8441ADB-2E43-4AF7-B97A-BD870242C6A8}" vid="{292E63A9-BB86-4E3D-B92A-7223C6510D2E}"/>
     </a:ext>
   </a:extLst>
 </a:theme>
